--- a/POITest/presentation/2조 POI라이브러리.pptx
+++ b/POITest/presentation/2조 POI라이브러리.pptx
@@ -5,7 +5,7 @@
     <p:sldMasterId id="2147483666" r:id="rId1"/>
   </p:sldMasterIdLst>
   <p:notesMasterIdLst>
-    <p:notesMasterId r:id="rId14"/>
+    <p:notesMasterId r:id="rId16"/>
   </p:notesMasterIdLst>
   <p:sldIdLst>
     <p:sldId id="256" r:id="rId2"/>
@@ -13,45 +13,47 @@
     <p:sldId id="258" r:id="rId4"/>
     <p:sldId id="259" r:id="rId5"/>
     <p:sldId id="260" r:id="rId6"/>
-    <p:sldId id="261" r:id="rId7"/>
-    <p:sldId id="262" r:id="rId8"/>
-    <p:sldId id="263" r:id="rId9"/>
-    <p:sldId id="264" r:id="rId10"/>
-    <p:sldId id="265" r:id="rId11"/>
-    <p:sldId id="266" r:id="rId12"/>
-    <p:sldId id="269" r:id="rId13"/>
+    <p:sldId id="265" r:id="rId7"/>
+    <p:sldId id="266" r:id="rId8"/>
+    <p:sldId id="267" r:id="rId9"/>
+    <p:sldId id="268" r:id="rId10"/>
+    <p:sldId id="261" r:id="rId11"/>
+    <p:sldId id="263" r:id="rId12"/>
+    <p:sldId id="264" r:id="rId13"/>
+    <p:sldId id="262" r:id="rId14"/>
+    <p:sldId id="270" r:id="rId15"/>
   </p:sldIdLst>
   <p:sldSz cx="12192000" cy="6858000"/>
   <p:notesSz cx="6858000" cy="9144000"/>
   <p:embeddedFontLst>
     <p:embeddedFont>
+      <p:font typeface="맑은 고딕" panose="020B0503020000020004" pitchFamily="50" charset="-127"/>
+      <p:regular r:id="rId17"/>
+      <p:bold r:id="rId18"/>
+    </p:embeddedFont>
+    <p:embeddedFont>
+      <p:font typeface="맑은 고딕" panose="020B0503020000020004" pitchFamily="50" charset="-127"/>
+      <p:regular r:id="rId17"/>
+      <p:bold r:id="rId18"/>
+    </p:embeddedFont>
+    <p:embeddedFont>
+      <p:font typeface="Verdana" panose="020B0604030504040204" pitchFamily="34" charset="0"/>
+      <p:regular r:id="rId19"/>
+      <p:bold r:id="rId20"/>
+      <p:italic r:id="rId21"/>
+      <p:boldItalic r:id="rId22"/>
+    </p:embeddedFont>
+    <p:embeddedFont>
       <p:font typeface="나눔스퀘어 Bold" panose="020B0600000101010101" pitchFamily="50" charset="-127"/>
-      <p:bold r:id="rId15"/>
+      <p:bold r:id="rId23"/>
     </p:embeddedFont>
     <p:embeddedFont>
       <p:font typeface="나눔스퀘어 ExtraBold" panose="020B0600000101010101" pitchFamily="50" charset="-127"/>
-      <p:bold r:id="rId16"/>
+      <p:bold r:id="rId24"/>
     </p:embeddedFont>
     <p:embeddedFont>
       <p:font typeface="나눔스퀘어_ac Bold" panose="020B0600000101010101" pitchFamily="50" charset="-127"/>
-      <p:bold r:id="rId17"/>
-    </p:embeddedFont>
-    <p:embeddedFont>
-      <p:font typeface="Malgun Gothic" panose="020B0503020000020004" pitchFamily="50" charset="-127"/>
-      <p:regular r:id="rId18"/>
-      <p:bold r:id="rId19"/>
-    </p:embeddedFont>
-    <p:embeddedFont>
-      <p:font typeface="Malgun Gothic" panose="020B0503020000020004" pitchFamily="50" charset="-127"/>
-      <p:regular r:id="rId18"/>
-      <p:bold r:id="rId19"/>
-    </p:embeddedFont>
-    <p:embeddedFont>
-      <p:font typeface="Verdana" panose="020B0604030504040204" pitchFamily="34" charset="0"/>
-      <p:regular r:id="rId20"/>
-      <p:bold r:id="rId21"/>
-      <p:italic r:id="rId22"/>
-      <p:boldItalic r:id="rId23"/>
+      <p:bold r:id="rId25"/>
     </p:embeddedFont>
   </p:embeddedFontLst>
   <p:defaultTextStyle>
@@ -300,6 +302,979 @@
     </p:ext>
   </p:extLst>
 </p:presentation>
+</file>
+
+<file path=ppt/revisionInfo.xml><?xml version="1.0" encoding="utf-8"?>
+<p1510:revInfo xmlns:a="http://schemas.openxmlformats.org/drawingml/2006/main" xmlns:r="http://schemas.openxmlformats.org/officeDocument/2006/relationships" xmlns:p1510="http://schemas.microsoft.com/office/powerpoint/2015/10/main">
+  <p1510:revLst>
+    <p1510:client id="{A53CA167-861B-4D97-BE80-FD2614DFE85F}" v="65" dt="2023-05-11T12:08:32.317"/>
+  </p1510:revLst>
+</p1510:revInfo>
+</file>
+
+<file path=ppt/changesInfos/changesInfo1.xml><?xml version="1.0" encoding="utf-8"?>
+<pc:chgInfo xmlns:a="http://schemas.openxmlformats.org/drawingml/2006/main" xmlns:r="http://schemas.openxmlformats.org/officeDocument/2006/relationships" xmlns:ac="http://schemas.microsoft.com/office/drawing/2013/main/command" xmlns:pc="http://schemas.microsoft.com/office/powerpoint/2013/main/command">
+  <pc:docChgLst>
+    <pc:chgData name="dun05139@naver.com" userId="6b11629fb0e93151" providerId="LiveId" clId="{A53CA167-861B-4D97-BE80-FD2614DFE85F}"/>
+    <pc:docChg chg="undo redo custSel addSld delSld modSld">
+      <pc:chgData name="dun05139@naver.com" userId="6b11629fb0e93151" providerId="LiveId" clId="{A53CA167-861B-4D97-BE80-FD2614DFE85F}" dt="2023-05-11T12:09:24.210" v="1607" actId="1037"/>
+      <pc:docMkLst>
+        <pc:docMk/>
+      </pc:docMkLst>
+      <pc:sldChg chg="modSp mod">
+        <pc:chgData name="dun05139@naver.com" userId="6b11629fb0e93151" providerId="LiveId" clId="{A53CA167-861B-4D97-BE80-FD2614DFE85F}" dt="2023-05-11T11:53:38.558" v="1424" actId="1036"/>
+        <pc:sldMkLst>
+          <pc:docMk/>
+          <pc:sldMk cId="0" sldId="257"/>
+        </pc:sldMkLst>
+        <pc:spChg chg="mod">
+          <ac:chgData name="dun05139@naver.com" userId="6b11629fb0e93151" providerId="LiveId" clId="{A53CA167-861B-4D97-BE80-FD2614DFE85F}" dt="2023-05-11T11:53:38.558" v="1424" actId="1036"/>
+          <ac:spMkLst>
+            <pc:docMk/>
+            <pc:sldMk cId="0" sldId="257"/>
+            <ac:spMk id="106" creationId="{00000000-0000-0000-0000-000000000000}"/>
+          </ac:spMkLst>
+        </pc:spChg>
+        <pc:grpChg chg="mod">
+          <ac:chgData name="dun05139@naver.com" userId="6b11629fb0e93151" providerId="LiveId" clId="{A53CA167-861B-4D97-BE80-FD2614DFE85F}" dt="2023-05-11T11:53:32.541" v="1419" actId="1036"/>
+          <ac:grpSpMkLst>
+            <pc:docMk/>
+            <pc:sldMk cId="0" sldId="257"/>
+            <ac:grpSpMk id="98" creationId="{00000000-0000-0000-0000-000000000000}"/>
+          </ac:grpSpMkLst>
+        </pc:grpChg>
+      </pc:sldChg>
+      <pc:sldChg chg="modSp mod">
+        <pc:chgData name="dun05139@naver.com" userId="6b11629fb0e93151" providerId="LiveId" clId="{A53CA167-861B-4D97-BE80-FD2614DFE85F}" dt="2023-05-11T11:50:56.977" v="1315"/>
+        <pc:sldMkLst>
+          <pc:docMk/>
+          <pc:sldMk cId="0" sldId="258"/>
+        </pc:sldMkLst>
+        <pc:spChg chg="mod">
+          <ac:chgData name="dun05139@naver.com" userId="6b11629fb0e93151" providerId="LiveId" clId="{A53CA167-861B-4D97-BE80-FD2614DFE85F}" dt="2023-05-11T11:50:56.977" v="1315"/>
+          <ac:spMkLst>
+            <pc:docMk/>
+            <pc:sldMk cId="0" sldId="258"/>
+            <ac:spMk id="129" creationId="{00000000-0000-0000-0000-000000000000}"/>
+          </ac:spMkLst>
+        </pc:spChg>
+      </pc:sldChg>
+      <pc:sldChg chg="addSp delSp modSp mod">
+        <pc:chgData name="dun05139@naver.com" userId="6b11629fb0e93151" providerId="LiveId" clId="{A53CA167-861B-4D97-BE80-FD2614DFE85F}" dt="2023-05-11T11:16:18.160" v="408" actId="20577"/>
+        <pc:sldMkLst>
+          <pc:docMk/>
+          <pc:sldMk cId="0" sldId="259"/>
+        </pc:sldMkLst>
+        <pc:spChg chg="mod">
+          <ac:chgData name="dun05139@naver.com" userId="6b11629fb0e93151" providerId="LiveId" clId="{A53CA167-861B-4D97-BE80-FD2614DFE85F}" dt="2023-05-11T11:16:18.160" v="408" actId="20577"/>
+          <ac:spMkLst>
+            <pc:docMk/>
+            <pc:sldMk cId="0" sldId="259"/>
+            <ac:spMk id="148" creationId="{00000000-0000-0000-0000-000000000000}"/>
+          </ac:spMkLst>
+        </pc:spChg>
+        <pc:grpChg chg="add del">
+          <ac:chgData name="dun05139@naver.com" userId="6b11629fb0e93151" providerId="LiveId" clId="{A53CA167-861B-4D97-BE80-FD2614DFE85F}" dt="2023-05-11T10:29:29.413" v="297" actId="478"/>
+          <ac:grpSpMkLst>
+            <pc:docMk/>
+            <pc:sldMk cId="0" sldId="259"/>
+            <ac:grpSpMk id="139" creationId="{00000000-0000-0000-0000-000000000000}"/>
+          </ac:grpSpMkLst>
+        </pc:grpChg>
+      </pc:sldChg>
+      <pc:sldChg chg="addSp delSp modSp mod">
+        <pc:chgData name="dun05139@naver.com" userId="6b11629fb0e93151" providerId="LiveId" clId="{A53CA167-861B-4D97-BE80-FD2614DFE85F}" dt="2023-05-11T11:26:11.363" v="645" actId="9405"/>
+        <pc:sldMkLst>
+          <pc:docMk/>
+          <pc:sldMk cId="0" sldId="260"/>
+        </pc:sldMkLst>
+        <pc:spChg chg="mod">
+          <ac:chgData name="dun05139@naver.com" userId="6b11629fb0e93151" providerId="LiveId" clId="{A53CA167-861B-4D97-BE80-FD2614DFE85F}" dt="2023-05-11T10:29:55.428" v="300"/>
+          <ac:spMkLst>
+            <pc:docMk/>
+            <pc:sldMk cId="0" sldId="260"/>
+            <ac:spMk id="3" creationId="{E4AED2C0-94A9-ED4E-4135-AA03A1E4123F}"/>
+          </ac:spMkLst>
+        </pc:spChg>
+        <pc:spChg chg="mod">
+          <ac:chgData name="dun05139@naver.com" userId="6b11629fb0e93151" providerId="LiveId" clId="{A53CA167-861B-4D97-BE80-FD2614DFE85F}" dt="2023-05-11T10:29:55.428" v="300"/>
+          <ac:spMkLst>
+            <pc:docMk/>
+            <pc:sldMk cId="0" sldId="260"/>
+            <ac:spMk id="4" creationId="{7607CEE5-D8F8-38D5-4CDA-B64E4F0D9E10}"/>
+          </ac:spMkLst>
+        </pc:spChg>
+        <pc:spChg chg="mod">
+          <ac:chgData name="dun05139@naver.com" userId="6b11629fb0e93151" providerId="LiveId" clId="{A53CA167-861B-4D97-BE80-FD2614DFE85F}" dt="2023-05-11T10:29:55.428" v="300"/>
+          <ac:spMkLst>
+            <pc:docMk/>
+            <pc:sldMk cId="0" sldId="260"/>
+            <ac:spMk id="5" creationId="{4A1D5D4E-F89E-54C0-ADF6-F0C598AE79C1}"/>
+          </ac:spMkLst>
+        </pc:spChg>
+        <pc:spChg chg="mod">
+          <ac:chgData name="dun05139@naver.com" userId="6b11629fb0e93151" providerId="LiveId" clId="{A53CA167-861B-4D97-BE80-FD2614DFE85F}" dt="2023-05-11T10:29:55.428" v="300"/>
+          <ac:spMkLst>
+            <pc:docMk/>
+            <pc:sldMk cId="0" sldId="260"/>
+            <ac:spMk id="6" creationId="{1F4369E6-665B-4E4E-F92C-5D573B72912D}"/>
+          </ac:spMkLst>
+        </pc:spChg>
+        <pc:spChg chg="mod">
+          <ac:chgData name="dun05139@naver.com" userId="6b11629fb0e93151" providerId="LiveId" clId="{A53CA167-861B-4D97-BE80-FD2614DFE85F}" dt="2023-05-11T10:29:55.428" v="300"/>
+          <ac:spMkLst>
+            <pc:docMk/>
+            <pc:sldMk cId="0" sldId="260"/>
+            <ac:spMk id="7" creationId="{D73700FD-FD97-10CD-9D9B-300AE527DDC1}"/>
+          </ac:spMkLst>
+        </pc:spChg>
+        <pc:spChg chg="mod">
+          <ac:chgData name="dun05139@naver.com" userId="6b11629fb0e93151" providerId="LiveId" clId="{A53CA167-861B-4D97-BE80-FD2614DFE85F}" dt="2023-05-11T10:29:55.428" v="300"/>
+          <ac:spMkLst>
+            <pc:docMk/>
+            <pc:sldMk cId="0" sldId="260"/>
+            <ac:spMk id="8" creationId="{4082B0DB-2D8A-AB3E-D271-23425FD252BE}"/>
+          </ac:spMkLst>
+        </pc:spChg>
+        <pc:spChg chg="mod">
+          <ac:chgData name="dun05139@naver.com" userId="6b11629fb0e93151" providerId="LiveId" clId="{A53CA167-861B-4D97-BE80-FD2614DFE85F}" dt="2023-05-11T10:29:55.428" v="300"/>
+          <ac:spMkLst>
+            <pc:docMk/>
+            <pc:sldMk cId="0" sldId="260"/>
+            <ac:spMk id="9" creationId="{95394419-C04E-0543-1C91-C4A97E14846E}"/>
+          </ac:spMkLst>
+        </pc:spChg>
+        <pc:spChg chg="mod">
+          <ac:chgData name="dun05139@naver.com" userId="6b11629fb0e93151" providerId="LiveId" clId="{A53CA167-861B-4D97-BE80-FD2614DFE85F}" dt="2023-05-11T10:38:31.762" v="367" actId="403"/>
+          <ac:spMkLst>
+            <pc:docMk/>
+            <pc:sldMk cId="0" sldId="260"/>
+            <ac:spMk id="157" creationId="{00000000-0000-0000-0000-000000000000}"/>
+          </ac:spMkLst>
+        </pc:spChg>
+        <pc:grpChg chg="add del mod ord">
+          <ac:chgData name="dun05139@naver.com" userId="6b11629fb0e93151" providerId="LiveId" clId="{A53CA167-861B-4D97-BE80-FD2614DFE85F}" dt="2023-05-11T10:30:00.596" v="303"/>
+          <ac:grpSpMkLst>
+            <pc:docMk/>
+            <pc:sldMk cId="0" sldId="260"/>
+            <ac:grpSpMk id="2" creationId="{9E1B4387-F1EC-E1EC-6AB8-E5650AA933DD}"/>
+          </ac:grpSpMkLst>
+        </pc:grpChg>
+        <pc:grpChg chg="add del">
+          <ac:chgData name="dun05139@naver.com" userId="6b11629fb0e93151" providerId="LiveId" clId="{A53CA167-861B-4D97-BE80-FD2614DFE85F}" dt="2023-05-11T10:30:01.089" v="304" actId="478"/>
+          <ac:grpSpMkLst>
+            <pc:docMk/>
+            <pc:sldMk cId="0" sldId="260"/>
+            <ac:grpSpMk id="155" creationId="{00000000-0000-0000-0000-000000000000}"/>
+          </ac:grpSpMkLst>
+        </pc:grpChg>
+        <pc:inkChg chg="add del">
+          <ac:chgData name="dun05139@naver.com" userId="6b11629fb0e93151" providerId="LiveId" clId="{A53CA167-861B-4D97-BE80-FD2614DFE85F}" dt="2023-05-11T11:26:03.113" v="643" actId="9405"/>
+          <ac:inkMkLst>
+            <pc:docMk/>
+            <pc:sldMk cId="0" sldId="260"/>
+            <ac:inkMk id="10" creationId="{582A3D55-D480-F5B1-8C10-E7C171C73A0E}"/>
+          </ac:inkMkLst>
+        </pc:inkChg>
+        <pc:inkChg chg="add">
+          <ac:chgData name="dun05139@naver.com" userId="6b11629fb0e93151" providerId="LiveId" clId="{A53CA167-861B-4D97-BE80-FD2614DFE85F}" dt="2023-05-11T11:26:04.466" v="644" actId="9405"/>
+          <ac:inkMkLst>
+            <pc:docMk/>
+            <pc:sldMk cId="0" sldId="260"/>
+            <ac:inkMk id="11" creationId="{1DBEF6E5-6ED9-61DA-05AD-E882A3B7B02E}"/>
+          </ac:inkMkLst>
+        </pc:inkChg>
+        <pc:inkChg chg="add">
+          <ac:chgData name="dun05139@naver.com" userId="6b11629fb0e93151" providerId="LiveId" clId="{A53CA167-861B-4D97-BE80-FD2614DFE85F}" dt="2023-05-11T11:26:11.363" v="645" actId="9405"/>
+          <ac:inkMkLst>
+            <pc:docMk/>
+            <pc:sldMk cId="0" sldId="260"/>
+            <ac:inkMk id="12" creationId="{F4E1A5A4-678E-F60B-325A-EDC673CBEB8B}"/>
+          </ac:inkMkLst>
+        </pc:inkChg>
+      </pc:sldChg>
+      <pc:sldChg chg="del">
+        <pc:chgData name="dun05139@naver.com" userId="6b11629fb0e93151" providerId="LiveId" clId="{A53CA167-861B-4D97-BE80-FD2614DFE85F}" dt="2023-05-11T10:19:14.111" v="0" actId="47"/>
+        <pc:sldMkLst>
+          <pc:docMk/>
+          <pc:sldMk cId="0" sldId="261"/>
+        </pc:sldMkLst>
+      </pc:sldChg>
+      <pc:sldChg chg="addSp delSp modSp add mod setBg">
+        <pc:chgData name="dun05139@naver.com" userId="6b11629fb0e93151" providerId="LiveId" clId="{A53CA167-861B-4D97-BE80-FD2614DFE85F}" dt="2023-05-11T11:37:04.245" v="873" actId="1036"/>
+        <pc:sldMkLst>
+          <pc:docMk/>
+          <pc:sldMk cId="4005733225" sldId="261"/>
+        </pc:sldMkLst>
+        <pc:spChg chg="add del mod">
+          <ac:chgData name="dun05139@naver.com" userId="6b11629fb0e93151" providerId="LiveId" clId="{A53CA167-861B-4D97-BE80-FD2614DFE85F}" dt="2023-05-11T10:19:51.078" v="11" actId="767"/>
+          <ac:spMkLst>
+            <pc:docMk/>
+            <pc:sldMk cId="4005733225" sldId="261"/>
+            <ac:spMk id="2" creationId="{572CBC57-C2E5-FE19-0054-570680964E8C}"/>
+          </ac:spMkLst>
+        </pc:spChg>
+        <pc:spChg chg="add del mod">
+          <ac:chgData name="dun05139@naver.com" userId="6b11629fb0e93151" providerId="LiveId" clId="{A53CA167-861B-4D97-BE80-FD2614DFE85F}" dt="2023-05-11T11:20:49.188" v="487" actId="478"/>
+          <ac:spMkLst>
+            <pc:docMk/>
+            <pc:sldMk cId="4005733225" sldId="261"/>
+            <ac:spMk id="3" creationId="{B264CD3D-0FFD-CC3F-9EB2-F134F3C39BC8}"/>
+          </ac:spMkLst>
+        </pc:spChg>
+        <pc:spChg chg="add del mod">
+          <ac:chgData name="dun05139@naver.com" userId="6b11629fb0e93151" providerId="LiveId" clId="{A53CA167-861B-4D97-BE80-FD2614DFE85F}" dt="2023-05-11T11:18:42.878" v="454" actId="478"/>
+          <ac:spMkLst>
+            <pc:docMk/>
+            <pc:sldMk cId="4005733225" sldId="261"/>
+            <ac:spMk id="11" creationId="{FC122B1F-6D54-5F78-D3B0-27C869A329E0}"/>
+          </ac:spMkLst>
+        </pc:spChg>
+        <pc:spChg chg="mod">
+          <ac:chgData name="dun05139@naver.com" userId="6b11629fb0e93151" providerId="LiveId" clId="{A53CA167-861B-4D97-BE80-FD2614DFE85F}" dt="2023-05-11T11:20:50.826" v="488"/>
+          <ac:spMkLst>
+            <pc:docMk/>
+            <pc:sldMk cId="4005733225" sldId="261"/>
+            <ac:spMk id="13" creationId="{660C7CB4-C785-460E-2A25-FDB20B0363EA}"/>
+          </ac:spMkLst>
+        </pc:spChg>
+        <pc:spChg chg="mod">
+          <ac:chgData name="dun05139@naver.com" userId="6b11629fb0e93151" providerId="LiveId" clId="{A53CA167-861B-4D97-BE80-FD2614DFE85F}" dt="2023-05-11T11:20:50.826" v="488"/>
+          <ac:spMkLst>
+            <pc:docMk/>
+            <pc:sldMk cId="4005733225" sldId="261"/>
+            <ac:spMk id="14" creationId="{8F2DB8B7-C4BD-4025-DE93-F64AA88CE73F}"/>
+          </ac:spMkLst>
+        </pc:spChg>
+        <pc:spChg chg="mod">
+          <ac:chgData name="dun05139@naver.com" userId="6b11629fb0e93151" providerId="LiveId" clId="{A53CA167-861B-4D97-BE80-FD2614DFE85F}" dt="2023-05-11T11:20:50.826" v="488"/>
+          <ac:spMkLst>
+            <pc:docMk/>
+            <pc:sldMk cId="4005733225" sldId="261"/>
+            <ac:spMk id="15" creationId="{C5652583-A701-A5F2-689D-F7E3D53CBFE7}"/>
+          </ac:spMkLst>
+        </pc:spChg>
+        <pc:spChg chg="mod">
+          <ac:chgData name="dun05139@naver.com" userId="6b11629fb0e93151" providerId="LiveId" clId="{A53CA167-861B-4D97-BE80-FD2614DFE85F}" dt="2023-05-11T11:20:50.826" v="488"/>
+          <ac:spMkLst>
+            <pc:docMk/>
+            <pc:sldMk cId="4005733225" sldId="261"/>
+            <ac:spMk id="16" creationId="{6CBD3452-3B60-B124-87B4-33F029F6A233}"/>
+          </ac:spMkLst>
+        </pc:spChg>
+        <pc:spChg chg="mod">
+          <ac:chgData name="dun05139@naver.com" userId="6b11629fb0e93151" providerId="LiveId" clId="{A53CA167-861B-4D97-BE80-FD2614DFE85F}" dt="2023-05-11T11:20:50.826" v="488"/>
+          <ac:spMkLst>
+            <pc:docMk/>
+            <pc:sldMk cId="4005733225" sldId="261"/>
+            <ac:spMk id="17" creationId="{8DAB0D44-079B-FDD0-28E2-30CA8566E15A}"/>
+          </ac:spMkLst>
+        </pc:spChg>
+        <pc:spChg chg="mod">
+          <ac:chgData name="dun05139@naver.com" userId="6b11629fb0e93151" providerId="LiveId" clId="{A53CA167-861B-4D97-BE80-FD2614DFE85F}" dt="2023-05-11T11:20:50.826" v="488"/>
+          <ac:spMkLst>
+            <pc:docMk/>
+            <pc:sldMk cId="4005733225" sldId="261"/>
+            <ac:spMk id="18" creationId="{C14A8F13-D73A-846F-C309-A8893E047367}"/>
+          </ac:spMkLst>
+        </pc:spChg>
+        <pc:spChg chg="mod">
+          <ac:chgData name="dun05139@naver.com" userId="6b11629fb0e93151" providerId="LiveId" clId="{A53CA167-861B-4D97-BE80-FD2614DFE85F}" dt="2023-05-11T11:20:50.826" v="488"/>
+          <ac:spMkLst>
+            <pc:docMk/>
+            <pc:sldMk cId="4005733225" sldId="261"/>
+            <ac:spMk id="19" creationId="{F84FD907-B3E3-E5A5-B291-F76C83BAF52F}"/>
+          </ac:spMkLst>
+        </pc:spChg>
+        <pc:spChg chg="add mod ord">
+          <ac:chgData name="dun05139@naver.com" userId="6b11629fb0e93151" providerId="LiveId" clId="{A53CA167-861B-4D97-BE80-FD2614DFE85F}" dt="2023-05-11T11:20:55.183" v="489" actId="167"/>
+          <ac:spMkLst>
+            <pc:docMk/>
+            <pc:sldMk cId="4005733225" sldId="261"/>
+            <ac:spMk id="20" creationId="{516FC81E-02F3-FCA7-C8D2-9EF3D0F009EE}"/>
+          </ac:spMkLst>
+        </pc:spChg>
+        <pc:spChg chg="add mod ord">
+          <ac:chgData name="dun05139@naver.com" userId="6b11629fb0e93151" providerId="LiveId" clId="{A53CA167-861B-4D97-BE80-FD2614DFE85F}" dt="2023-05-11T11:37:04.245" v="873" actId="1036"/>
+          <ac:spMkLst>
+            <pc:docMk/>
+            <pc:sldMk cId="4005733225" sldId="261"/>
+            <ac:spMk id="21" creationId="{F1C2FC75-2195-FD20-4F33-9C97E6C7C82C}"/>
+          </ac:spMkLst>
+        </pc:spChg>
+        <pc:spChg chg="mod">
+          <ac:chgData name="dun05139@naver.com" userId="6b11629fb0e93151" providerId="LiveId" clId="{A53CA167-861B-4D97-BE80-FD2614DFE85F}" dt="2023-05-11T10:19:43.510" v="7" actId="20577"/>
+          <ac:spMkLst>
+            <pc:docMk/>
+            <pc:sldMk cId="4005733225" sldId="261"/>
+            <ac:spMk id="157" creationId="{00000000-0000-0000-0000-000000000000}"/>
+          </ac:spMkLst>
+        </pc:spChg>
+        <pc:spChg chg="del mod">
+          <ac:chgData name="dun05139@naver.com" userId="6b11629fb0e93151" providerId="LiveId" clId="{A53CA167-861B-4D97-BE80-FD2614DFE85F}" dt="2023-05-11T10:27:44.835" v="286" actId="478"/>
+          <ac:spMkLst>
+            <pc:docMk/>
+            <pc:sldMk cId="4005733225" sldId="261"/>
+            <ac:spMk id="163" creationId="{00000000-0000-0000-0000-000000000000}"/>
+          </ac:spMkLst>
+        </pc:spChg>
+        <pc:grpChg chg="add mod ord">
+          <ac:chgData name="dun05139@naver.com" userId="6b11629fb0e93151" providerId="LiveId" clId="{A53CA167-861B-4D97-BE80-FD2614DFE85F}" dt="2023-05-11T11:20:55.183" v="489" actId="167"/>
+          <ac:grpSpMkLst>
+            <pc:docMk/>
+            <pc:sldMk cId="4005733225" sldId="261"/>
+            <ac:grpSpMk id="12" creationId="{5C3C4FF7-AF81-CFDD-B5D1-CBD01C5FE5E7}"/>
+          </ac:grpSpMkLst>
+        </pc:grpChg>
+        <pc:grpChg chg="del mod">
+          <ac:chgData name="dun05139@naver.com" userId="6b11629fb0e93151" providerId="LiveId" clId="{A53CA167-861B-4D97-BE80-FD2614DFE85F}" dt="2023-05-11T11:20:46.613" v="486" actId="478"/>
+          <ac:grpSpMkLst>
+            <pc:docMk/>
+            <pc:sldMk cId="4005733225" sldId="261"/>
+            <ac:grpSpMk id="155" creationId="{00000000-0000-0000-0000-000000000000}"/>
+          </ac:grpSpMkLst>
+        </pc:grpChg>
+        <pc:graphicFrameChg chg="del modGraphic">
+          <ac:chgData name="dun05139@naver.com" userId="6b11629fb0e93151" providerId="LiveId" clId="{A53CA167-861B-4D97-BE80-FD2614DFE85F}" dt="2023-05-11T10:19:23.271" v="3" actId="478"/>
+          <ac:graphicFrameMkLst>
+            <pc:docMk/>
+            <pc:sldMk cId="4005733225" sldId="261"/>
+            <ac:graphicFrameMk id="164" creationId="{00000000-0000-0000-0000-000000000000}"/>
+          </ac:graphicFrameMkLst>
+        </pc:graphicFrameChg>
+        <pc:picChg chg="add del mod">
+          <ac:chgData name="dun05139@naver.com" userId="6b11629fb0e93151" providerId="LiveId" clId="{A53CA167-861B-4D97-BE80-FD2614DFE85F}" dt="2023-05-11T10:20:51.553" v="34" actId="478"/>
+          <ac:picMkLst>
+            <pc:docMk/>
+            <pc:sldMk cId="4005733225" sldId="261"/>
+            <ac:picMk id="5" creationId="{66D122D3-C045-043F-46E7-5C69C8EB8ED4}"/>
+          </ac:picMkLst>
+        </pc:picChg>
+        <pc:picChg chg="add del mod modCrop">
+          <ac:chgData name="dun05139@naver.com" userId="6b11629fb0e93151" providerId="LiveId" clId="{A53CA167-861B-4D97-BE80-FD2614DFE85F}" dt="2023-05-11T11:35:19.311" v="758" actId="478"/>
+          <ac:picMkLst>
+            <pc:docMk/>
+            <pc:sldMk cId="4005733225" sldId="261"/>
+            <ac:picMk id="7" creationId="{71476528-FAB6-2538-B2A6-7CF3B4ADCC3C}"/>
+          </ac:picMkLst>
+        </pc:picChg>
+        <pc:picChg chg="add del mod">
+          <ac:chgData name="dun05139@naver.com" userId="6b11629fb0e93151" providerId="LiveId" clId="{A53CA167-861B-4D97-BE80-FD2614DFE85F}" dt="2023-05-11T10:21:38.856" v="45"/>
+          <ac:picMkLst>
+            <pc:docMk/>
+            <pc:sldMk cId="4005733225" sldId="261"/>
+            <ac:picMk id="8" creationId="{8EA7E87C-5DC7-ABA7-8DED-F06A3CC955BF}"/>
+          </ac:picMkLst>
+        </pc:picChg>
+        <pc:picChg chg="add mod ord">
+          <ac:chgData name="dun05139@naver.com" userId="6b11629fb0e93151" providerId="LiveId" clId="{A53CA167-861B-4D97-BE80-FD2614DFE85F}" dt="2023-05-11T11:37:04.245" v="873" actId="1036"/>
+          <ac:picMkLst>
+            <pc:docMk/>
+            <pc:sldMk cId="4005733225" sldId="261"/>
+            <ac:picMk id="10" creationId="{EC0E7880-3290-0714-7908-C137E600BB83}"/>
+          </ac:picMkLst>
+        </pc:picChg>
+        <pc:picChg chg="add mod modCrop">
+          <ac:chgData name="dun05139@naver.com" userId="6b11629fb0e93151" providerId="LiveId" clId="{A53CA167-861B-4D97-BE80-FD2614DFE85F}" dt="2023-05-11T11:36:59.477" v="869" actId="1035"/>
+          <ac:picMkLst>
+            <pc:docMk/>
+            <pc:sldMk cId="4005733225" sldId="261"/>
+            <ac:picMk id="23" creationId="{FA05B987-5640-2690-490F-E4074B10AD87}"/>
+          </ac:picMkLst>
+        </pc:picChg>
+        <pc:picChg chg="add del mod">
+          <ac:chgData name="dun05139@naver.com" userId="6b11629fb0e93151" providerId="LiveId" clId="{A53CA167-861B-4D97-BE80-FD2614DFE85F}" dt="2023-05-11T11:35:18.166" v="757" actId="478"/>
+          <ac:picMkLst>
+            <pc:docMk/>
+            <pc:sldMk cId="4005733225" sldId="261"/>
+            <ac:picMk id="25" creationId="{41F515F9-03E6-2F23-CA8E-73ED5B39E890}"/>
+          </ac:picMkLst>
+        </pc:picChg>
+      </pc:sldChg>
+      <pc:sldChg chg="del">
+        <pc:chgData name="dun05139@naver.com" userId="6b11629fb0e93151" providerId="LiveId" clId="{A53CA167-861B-4D97-BE80-FD2614DFE85F}" dt="2023-05-11T10:19:14.111" v="0" actId="47"/>
+        <pc:sldMkLst>
+          <pc:docMk/>
+          <pc:sldMk cId="0" sldId="262"/>
+        </pc:sldMkLst>
+      </pc:sldChg>
+      <pc:sldChg chg="addSp delSp modSp add mod">
+        <pc:chgData name="dun05139@naver.com" userId="6b11629fb0e93151" providerId="LiveId" clId="{A53CA167-861B-4D97-BE80-FD2614DFE85F}" dt="2023-05-11T12:09:24.210" v="1607" actId="1037"/>
+        <pc:sldMkLst>
+          <pc:docMk/>
+          <pc:sldMk cId="325921304" sldId="262"/>
+        </pc:sldMkLst>
+        <pc:spChg chg="del">
+          <ac:chgData name="dun05139@naver.com" userId="6b11629fb0e93151" providerId="LiveId" clId="{A53CA167-861B-4D97-BE80-FD2614DFE85F}" dt="2023-05-11T11:19:16.445" v="468" actId="478"/>
+          <ac:spMkLst>
+            <pc:docMk/>
+            <pc:sldMk cId="325921304" sldId="262"/>
+            <ac:spMk id="3" creationId="{B264CD3D-0FFD-CC3F-9EB2-F134F3C39BC8}"/>
+          </ac:spMkLst>
+        </pc:spChg>
+        <pc:spChg chg="add mod">
+          <ac:chgData name="dun05139@naver.com" userId="6b11629fb0e93151" providerId="LiveId" clId="{A53CA167-861B-4D97-BE80-FD2614DFE85F}" dt="2023-05-11T10:54:07.382" v="376" actId="164"/>
+          <ac:spMkLst>
+            <pc:docMk/>
+            <pc:sldMk cId="325921304" sldId="262"/>
+            <ac:spMk id="4" creationId="{E9FFB3C6-95B0-F34B-528E-744227676BB0}"/>
+          </ac:spMkLst>
+        </pc:spChg>
+        <pc:spChg chg="add mod">
+          <ac:chgData name="dun05139@naver.com" userId="6b11629fb0e93151" providerId="LiveId" clId="{A53CA167-861B-4D97-BE80-FD2614DFE85F}" dt="2023-05-11T11:21:20.806" v="490"/>
+          <ac:spMkLst>
+            <pc:docMk/>
+            <pc:sldMk cId="325921304" sldId="262"/>
+            <ac:spMk id="8" creationId="{80A05938-8F7E-CC1D-8A8A-0F47AEEB3CF4}"/>
+          </ac:spMkLst>
+        </pc:spChg>
+        <pc:spChg chg="add mod">
+          <ac:chgData name="dun05139@naver.com" userId="6b11629fb0e93151" providerId="LiveId" clId="{A53CA167-861B-4D97-BE80-FD2614DFE85F}" dt="2023-05-11T12:09:24.210" v="1607" actId="1037"/>
+          <ac:spMkLst>
+            <pc:docMk/>
+            <pc:sldMk cId="325921304" sldId="262"/>
+            <ac:spMk id="14" creationId="{A7F030E9-9E7C-590B-8466-098B2C0D2164}"/>
+          </ac:spMkLst>
+        </pc:spChg>
+        <pc:spChg chg="del">
+          <ac:chgData name="dun05139@naver.com" userId="6b11629fb0e93151" providerId="LiveId" clId="{A53CA167-861B-4D97-BE80-FD2614DFE85F}" dt="2023-05-11T10:26:59.049" v="247" actId="478"/>
+          <ac:spMkLst>
+            <pc:docMk/>
+            <pc:sldMk cId="325921304" sldId="262"/>
+            <ac:spMk id="163" creationId="{00000000-0000-0000-0000-000000000000}"/>
+          </ac:spMkLst>
+        </pc:spChg>
+        <pc:grpChg chg="add del mod">
+          <ac:chgData name="dun05139@naver.com" userId="6b11629fb0e93151" providerId="LiveId" clId="{A53CA167-861B-4D97-BE80-FD2614DFE85F}" dt="2023-05-11T11:35:04.513" v="751" actId="478"/>
+          <ac:grpSpMkLst>
+            <pc:docMk/>
+            <pc:sldMk cId="325921304" sldId="262"/>
+            <ac:grpSpMk id="6" creationId="{CFF91DAA-B1B6-A301-3B9B-B7045611E9BD}"/>
+          </ac:grpSpMkLst>
+        </pc:grpChg>
+        <pc:grpChg chg="mod">
+          <ac:chgData name="dun05139@naver.com" userId="6b11629fb0e93151" providerId="LiveId" clId="{A53CA167-861B-4D97-BE80-FD2614DFE85F}" dt="2023-05-11T12:08:50.041" v="1529" actId="1076"/>
+          <ac:grpSpMkLst>
+            <pc:docMk/>
+            <pc:sldMk cId="325921304" sldId="262"/>
+            <ac:grpSpMk id="155" creationId="{00000000-0000-0000-0000-000000000000}"/>
+          </ac:grpSpMkLst>
+        </pc:grpChg>
+        <pc:picChg chg="add del mod ord modCrop">
+          <ac:chgData name="dun05139@naver.com" userId="6b11629fb0e93151" providerId="LiveId" clId="{A53CA167-861B-4D97-BE80-FD2614DFE85F}" dt="2023-05-11T11:35:06.145" v="752" actId="478"/>
+          <ac:picMkLst>
+            <pc:docMk/>
+            <pc:sldMk cId="325921304" sldId="262"/>
+            <ac:picMk id="2" creationId="{1E2FA0EF-2903-6B12-F2BA-038A974589BC}"/>
+          </ac:picMkLst>
+        </pc:picChg>
+        <pc:picChg chg="mod modCrop">
+          <ac:chgData name="dun05139@naver.com" userId="6b11629fb0e93151" providerId="LiveId" clId="{A53CA167-861B-4D97-BE80-FD2614DFE85F}" dt="2023-05-11T10:54:07.382" v="376" actId="164"/>
+          <ac:picMkLst>
+            <pc:docMk/>
+            <pc:sldMk cId="325921304" sldId="262"/>
+            <ac:picMk id="5" creationId="{66D122D3-C045-043F-46E7-5C69C8EB8ED4}"/>
+          </ac:picMkLst>
+        </pc:picChg>
+        <pc:picChg chg="del mod">
+          <ac:chgData name="dun05139@naver.com" userId="6b11629fb0e93151" providerId="LiveId" clId="{A53CA167-861B-4D97-BE80-FD2614DFE85F}" dt="2023-05-11T10:20:47.696" v="33" actId="478"/>
+          <ac:picMkLst>
+            <pc:docMk/>
+            <pc:sldMk cId="325921304" sldId="262"/>
+            <ac:picMk id="7" creationId="{71476528-FAB6-2538-B2A6-7CF3B4ADCC3C}"/>
+          </ac:picMkLst>
+        </pc:picChg>
+        <pc:picChg chg="add mod modCrop">
+          <ac:chgData name="dun05139@naver.com" userId="6b11629fb0e93151" providerId="LiveId" clId="{A53CA167-861B-4D97-BE80-FD2614DFE85F}" dt="2023-05-11T11:39:24.554" v="1060" actId="1038"/>
+          <ac:picMkLst>
+            <pc:docMk/>
+            <pc:sldMk cId="325921304" sldId="262"/>
+            <ac:picMk id="9" creationId="{644B5020-4C31-F287-7B76-F07ACC7C7F98}"/>
+          </ac:picMkLst>
+        </pc:picChg>
+        <pc:picChg chg="add mod modCrop">
+          <ac:chgData name="dun05139@naver.com" userId="6b11629fb0e93151" providerId="LiveId" clId="{A53CA167-861B-4D97-BE80-FD2614DFE85F}" dt="2023-05-11T11:39:22.210" v="1054" actId="1038"/>
+          <ac:picMkLst>
+            <pc:docMk/>
+            <pc:sldMk cId="325921304" sldId="262"/>
+            <ac:picMk id="10" creationId="{0B4286A6-7928-BC10-9182-992DBFDC59EE}"/>
+          </ac:picMkLst>
+        </pc:picChg>
+        <pc:picChg chg="add del mod">
+          <ac:chgData name="dun05139@naver.com" userId="6b11629fb0e93151" providerId="LiveId" clId="{A53CA167-861B-4D97-BE80-FD2614DFE85F}" dt="2023-05-11T11:40:00.143" v="1096"/>
+          <ac:picMkLst>
+            <pc:docMk/>
+            <pc:sldMk cId="325921304" sldId="262"/>
+            <ac:picMk id="11" creationId="{76728B6E-DE22-752D-6B82-F1A0CA9D76F2}"/>
+          </ac:picMkLst>
+        </pc:picChg>
+        <pc:picChg chg="add mod ord">
+          <ac:chgData name="dun05139@naver.com" userId="6b11629fb0e93151" providerId="LiveId" clId="{A53CA167-861B-4D97-BE80-FD2614DFE85F}" dt="2023-05-11T12:09:24.210" v="1607" actId="1037"/>
+          <ac:picMkLst>
+            <pc:docMk/>
+            <pc:sldMk cId="325921304" sldId="262"/>
+            <ac:picMk id="13" creationId="{DB438E33-66E4-9737-F271-02EB1FA13B2A}"/>
+          </ac:picMkLst>
+        </pc:picChg>
+      </pc:sldChg>
+      <pc:sldChg chg="del">
+        <pc:chgData name="dun05139@naver.com" userId="6b11629fb0e93151" providerId="LiveId" clId="{A53CA167-861B-4D97-BE80-FD2614DFE85F}" dt="2023-05-11T10:19:14.111" v="0" actId="47"/>
+        <pc:sldMkLst>
+          <pc:docMk/>
+          <pc:sldMk cId="0" sldId="263"/>
+        </pc:sldMkLst>
+      </pc:sldChg>
+      <pc:sldChg chg="addSp delSp modSp add mod">
+        <pc:chgData name="dun05139@naver.com" userId="6b11629fb0e93151" providerId="LiveId" clId="{A53CA167-861B-4D97-BE80-FD2614DFE85F}" dt="2023-05-11T11:57:34.999" v="1515" actId="1036"/>
+        <pc:sldMkLst>
+          <pc:docMk/>
+          <pc:sldMk cId="130445905" sldId="263"/>
+        </pc:sldMkLst>
+        <pc:spChg chg="del">
+          <ac:chgData name="dun05139@naver.com" userId="6b11629fb0e93151" providerId="LiveId" clId="{A53CA167-861B-4D97-BE80-FD2614DFE85F}" dt="2023-05-11T11:19:07.247" v="466" actId="478"/>
+          <ac:spMkLst>
+            <pc:docMk/>
+            <pc:sldMk cId="130445905" sldId="263"/>
+            <ac:spMk id="3" creationId="{B264CD3D-0FFD-CC3F-9EB2-F134F3C39BC8}"/>
+          </ac:spMkLst>
+        </pc:spChg>
+        <pc:spChg chg="add mod">
+          <ac:chgData name="dun05139@naver.com" userId="6b11629fb0e93151" providerId="LiveId" clId="{A53CA167-861B-4D97-BE80-FD2614DFE85F}" dt="2023-05-11T11:19:23.628" v="483" actId="1036"/>
+          <ac:spMkLst>
+            <pc:docMk/>
+            <pc:sldMk cId="130445905" sldId="263"/>
+            <ac:spMk id="8" creationId="{85486AC9-4D70-686B-2D8C-53E16EA96A66}"/>
+          </ac:spMkLst>
+        </pc:spChg>
+        <pc:spChg chg="add del mod">
+          <ac:chgData name="dun05139@naver.com" userId="6b11629fb0e93151" providerId="LiveId" clId="{A53CA167-861B-4D97-BE80-FD2614DFE85F}" dt="2023-05-11T11:55:53.495" v="1429"/>
+          <ac:spMkLst>
+            <pc:docMk/>
+            <pc:sldMk cId="130445905" sldId="263"/>
+            <ac:spMk id="12" creationId="{A6E7B247-F076-9DFC-E830-743A35A32E66}"/>
+          </ac:spMkLst>
+        </pc:spChg>
+        <pc:spChg chg="add mod ord">
+          <ac:chgData name="dun05139@naver.com" userId="6b11629fb0e93151" providerId="LiveId" clId="{A53CA167-861B-4D97-BE80-FD2614DFE85F}" dt="2023-05-11T11:57:34.999" v="1515" actId="1036"/>
+          <ac:spMkLst>
+            <pc:docMk/>
+            <pc:sldMk cId="130445905" sldId="263"/>
+            <ac:spMk id="13" creationId="{A67856F9-AD3C-C96C-B1FD-D3E4AB9610E1}"/>
+          </ac:spMkLst>
+        </pc:spChg>
+        <pc:spChg chg="del">
+          <ac:chgData name="dun05139@naver.com" userId="6b11629fb0e93151" providerId="LiveId" clId="{A53CA167-861B-4D97-BE80-FD2614DFE85F}" dt="2023-05-11T10:27:39.625" v="283" actId="478"/>
+          <ac:spMkLst>
+            <pc:docMk/>
+            <pc:sldMk cId="130445905" sldId="263"/>
+            <ac:spMk id="163" creationId="{00000000-0000-0000-0000-000000000000}"/>
+          </ac:spMkLst>
+        </pc:spChg>
+        <pc:grpChg chg="mod">
+          <ac:chgData name="dun05139@naver.com" userId="6b11629fb0e93151" providerId="LiveId" clId="{A53CA167-861B-4D97-BE80-FD2614DFE85F}" dt="2023-05-11T11:55:57.128" v="1431" actId="1076"/>
+          <ac:grpSpMkLst>
+            <pc:docMk/>
+            <pc:sldMk cId="130445905" sldId="263"/>
+            <ac:grpSpMk id="155" creationId="{00000000-0000-0000-0000-000000000000}"/>
+          </ac:grpSpMkLst>
+        </pc:grpChg>
+        <pc:picChg chg="add del mod">
+          <ac:chgData name="dun05139@naver.com" userId="6b11629fb0e93151" providerId="LiveId" clId="{A53CA167-861B-4D97-BE80-FD2614DFE85F}" dt="2023-05-11T10:21:57.148" v="51"/>
+          <ac:picMkLst>
+            <pc:docMk/>
+            <pc:sldMk cId="130445905" sldId="263"/>
+            <ac:picMk id="4" creationId="{F4C0B1C4-431F-77EB-B261-0A02D15FE414}"/>
+          </ac:picMkLst>
+        </pc:picChg>
+        <pc:picChg chg="add del mod modCrop">
+          <ac:chgData name="dun05139@naver.com" userId="6b11629fb0e93151" providerId="LiveId" clId="{A53CA167-861B-4D97-BE80-FD2614DFE85F}" dt="2023-05-11T11:35:14.251" v="756" actId="478"/>
+          <ac:picMkLst>
+            <pc:docMk/>
+            <pc:sldMk cId="130445905" sldId="263"/>
+            <ac:picMk id="6" creationId="{F81B6E62-D29E-7349-C507-6C731F18EA85}"/>
+          </ac:picMkLst>
+        </pc:picChg>
+        <pc:picChg chg="del">
+          <ac:chgData name="dun05139@naver.com" userId="6b11629fb0e93151" providerId="LiveId" clId="{A53CA167-861B-4D97-BE80-FD2614DFE85F}" dt="2023-05-11T10:21:45.127" v="48" actId="478"/>
+          <ac:picMkLst>
+            <pc:docMk/>
+            <pc:sldMk cId="130445905" sldId="263"/>
+            <ac:picMk id="7" creationId="{71476528-FAB6-2538-B2A6-7CF3B4ADCC3C}"/>
+          </ac:picMkLst>
+        </pc:picChg>
+        <pc:picChg chg="add mod modCrop">
+          <ac:chgData name="dun05139@naver.com" userId="6b11629fb0e93151" providerId="LiveId" clId="{A53CA167-861B-4D97-BE80-FD2614DFE85F}" dt="2023-05-11T11:37:25.228" v="915" actId="1036"/>
+          <ac:picMkLst>
+            <pc:docMk/>
+            <pc:sldMk cId="130445905" sldId="263"/>
+            <ac:picMk id="9" creationId="{A66E4928-B4CD-6307-DF58-27EBB9B3CED1}"/>
+          </ac:picMkLst>
+        </pc:picChg>
+        <pc:picChg chg="add mod ord">
+          <ac:chgData name="dun05139@naver.com" userId="6b11629fb0e93151" providerId="LiveId" clId="{A53CA167-861B-4D97-BE80-FD2614DFE85F}" dt="2023-05-11T11:57:34.999" v="1515" actId="1036"/>
+          <ac:picMkLst>
+            <pc:docMk/>
+            <pc:sldMk cId="130445905" sldId="263"/>
+            <ac:picMk id="11" creationId="{307D80E8-ABD2-4C93-C2AD-695246100810}"/>
+          </ac:picMkLst>
+        </pc:picChg>
+      </pc:sldChg>
+      <pc:sldChg chg="del">
+        <pc:chgData name="dun05139@naver.com" userId="6b11629fb0e93151" providerId="LiveId" clId="{A53CA167-861B-4D97-BE80-FD2614DFE85F}" dt="2023-05-11T10:19:14.111" v="0" actId="47"/>
+        <pc:sldMkLst>
+          <pc:docMk/>
+          <pc:sldMk cId="0" sldId="264"/>
+        </pc:sldMkLst>
+      </pc:sldChg>
+      <pc:sldChg chg="addSp delSp modSp add mod">
+        <pc:chgData name="dun05139@naver.com" userId="6b11629fb0e93151" providerId="LiveId" clId="{A53CA167-861B-4D97-BE80-FD2614DFE85F}" dt="2023-05-11T11:37:47.071" v="954" actId="1036"/>
+        <pc:sldMkLst>
+          <pc:docMk/>
+          <pc:sldMk cId="2590474272" sldId="264"/>
+        </pc:sldMkLst>
+        <pc:spChg chg="del">
+          <ac:chgData name="dun05139@naver.com" userId="6b11629fb0e93151" providerId="LiveId" clId="{A53CA167-861B-4D97-BE80-FD2614DFE85F}" dt="2023-05-11T11:19:11.426" v="467" actId="478"/>
+          <ac:spMkLst>
+            <pc:docMk/>
+            <pc:sldMk cId="2590474272" sldId="264"/>
+            <ac:spMk id="3" creationId="{B264CD3D-0FFD-CC3F-9EB2-F134F3C39BC8}"/>
+          </ac:spMkLst>
+        </pc:spChg>
+        <pc:spChg chg="add mod">
+          <ac:chgData name="dun05139@naver.com" userId="6b11629fb0e93151" providerId="LiveId" clId="{A53CA167-861B-4D97-BE80-FD2614DFE85F}" dt="2023-05-11T11:21:23.652" v="491"/>
+          <ac:spMkLst>
+            <pc:docMk/>
+            <pc:sldMk cId="2590474272" sldId="264"/>
+            <ac:spMk id="5" creationId="{277F48DC-EC4D-E841-B33E-07664623DC54}"/>
+          </ac:spMkLst>
+        </pc:spChg>
+        <pc:spChg chg="del">
+          <ac:chgData name="dun05139@naver.com" userId="6b11629fb0e93151" providerId="LiveId" clId="{A53CA167-861B-4D97-BE80-FD2614DFE85F}" dt="2023-05-11T10:27:32.910" v="275" actId="478"/>
+          <ac:spMkLst>
+            <pc:docMk/>
+            <pc:sldMk cId="2590474272" sldId="264"/>
+            <ac:spMk id="163" creationId="{00000000-0000-0000-0000-000000000000}"/>
+          </ac:spMkLst>
+        </pc:spChg>
+        <pc:picChg chg="add del mod modCrop">
+          <ac:chgData name="dun05139@naver.com" userId="6b11629fb0e93151" providerId="LiveId" clId="{A53CA167-861B-4D97-BE80-FD2614DFE85F}" dt="2023-05-11T11:35:12.243" v="755" actId="478"/>
+          <ac:picMkLst>
+            <pc:docMk/>
+            <pc:sldMk cId="2590474272" sldId="264"/>
+            <ac:picMk id="4" creationId="{5697F3ED-A5E8-9E9B-DF4C-D67BBD248224}"/>
+          </ac:picMkLst>
+        </pc:picChg>
+        <pc:picChg chg="add mod modCrop">
+          <ac:chgData name="dun05139@naver.com" userId="6b11629fb0e93151" providerId="LiveId" clId="{A53CA167-861B-4D97-BE80-FD2614DFE85F}" dt="2023-05-11T11:37:47.071" v="954" actId="1036"/>
+          <ac:picMkLst>
+            <pc:docMk/>
+            <pc:sldMk cId="2590474272" sldId="264"/>
+            <ac:picMk id="6" creationId="{16C46DAC-66E3-19C9-1EEB-6E55BA25BFF0}"/>
+          </ac:picMkLst>
+        </pc:picChg>
+        <pc:picChg chg="del">
+          <ac:chgData name="dun05139@naver.com" userId="6b11629fb0e93151" providerId="LiveId" clId="{A53CA167-861B-4D97-BE80-FD2614DFE85F}" dt="2023-05-11T10:21:48.103" v="49" actId="478"/>
+          <ac:picMkLst>
+            <pc:docMk/>
+            <pc:sldMk cId="2590474272" sldId="264"/>
+            <ac:picMk id="7" creationId="{71476528-FAB6-2538-B2A6-7CF3B4ADCC3C}"/>
+          </ac:picMkLst>
+        </pc:picChg>
+      </pc:sldChg>
+      <pc:sldChg chg="modSp add del mod setBg modNotes">
+        <pc:chgData name="dun05139@naver.com" userId="6b11629fb0e93151" providerId="LiveId" clId="{A53CA167-861B-4D97-BE80-FD2614DFE85F}" dt="2023-05-11T11:27:01.734" v="652" actId="14100"/>
+        <pc:sldMkLst>
+          <pc:docMk/>
+          <pc:sldMk cId="0" sldId="265"/>
+        </pc:sldMkLst>
+        <pc:spChg chg="mod">
+          <ac:chgData name="dun05139@naver.com" userId="6b11629fb0e93151" providerId="LiveId" clId="{A53CA167-861B-4D97-BE80-FD2614DFE85F}" dt="2023-05-11T11:22:04.566" v="497" actId="14100"/>
+          <ac:spMkLst>
+            <pc:docMk/>
+            <pc:sldMk cId="0" sldId="265"/>
+            <ac:spMk id="171" creationId="{00000000-0000-0000-0000-000000000000}"/>
+          </ac:spMkLst>
+        </pc:spChg>
+        <pc:spChg chg="mod">
+          <ac:chgData name="dun05139@naver.com" userId="6b11629fb0e93151" providerId="LiveId" clId="{A53CA167-861B-4D97-BE80-FD2614DFE85F}" dt="2023-05-11T11:22:01.566" v="495" actId="14100"/>
+          <ac:spMkLst>
+            <pc:docMk/>
+            <pc:sldMk cId="0" sldId="265"/>
+            <ac:spMk id="174" creationId="{00000000-0000-0000-0000-000000000000}"/>
+          </ac:spMkLst>
+        </pc:spChg>
+        <pc:spChg chg="mod">
+          <ac:chgData name="dun05139@naver.com" userId="6b11629fb0e93151" providerId="LiveId" clId="{A53CA167-861B-4D97-BE80-FD2614DFE85F}" dt="2023-05-11T11:26:51.267" v="650" actId="403"/>
+          <ac:spMkLst>
+            <pc:docMk/>
+            <pc:sldMk cId="0" sldId="265"/>
+            <ac:spMk id="184" creationId="{00000000-0000-0000-0000-000000000000}"/>
+          </ac:spMkLst>
+        </pc:spChg>
+        <pc:spChg chg="mod">
+          <ac:chgData name="dun05139@naver.com" userId="6b11629fb0e93151" providerId="LiveId" clId="{A53CA167-861B-4D97-BE80-FD2614DFE85F}" dt="2023-05-11T11:27:01.734" v="652" actId="14100"/>
+          <ac:spMkLst>
+            <pc:docMk/>
+            <pc:sldMk cId="0" sldId="265"/>
+            <ac:spMk id="185" creationId="{00000000-0000-0000-0000-000000000000}"/>
+          </ac:spMkLst>
+        </pc:spChg>
+      </pc:sldChg>
+      <pc:sldChg chg="modSp add del mod setBg modNotes">
+        <pc:chgData name="dun05139@naver.com" userId="6b11629fb0e93151" providerId="LiveId" clId="{A53CA167-861B-4D97-BE80-FD2614DFE85F}" dt="2023-05-11T11:27:41.945" v="747" actId="1038"/>
+        <pc:sldMkLst>
+          <pc:docMk/>
+          <pc:sldMk cId="0" sldId="266"/>
+        </pc:sldMkLst>
+        <pc:spChg chg="mod">
+          <ac:chgData name="dun05139@naver.com" userId="6b11629fb0e93151" providerId="LiveId" clId="{A53CA167-861B-4D97-BE80-FD2614DFE85F}" dt="2023-05-11T11:27:41.945" v="747" actId="1038"/>
+          <ac:spMkLst>
+            <pc:docMk/>
+            <pc:sldMk cId="0" sldId="266"/>
+            <ac:spMk id="198" creationId="{00000000-0000-0000-0000-000000000000}"/>
+          </ac:spMkLst>
+        </pc:spChg>
+        <pc:cxnChg chg="mod">
+          <ac:chgData name="dun05139@naver.com" userId="6b11629fb0e93151" providerId="LiveId" clId="{A53CA167-861B-4D97-BE80-FD2614DFE85F}" dt="2023-05-11T11:27:36.435" v="735" actId="1037"/>
+          <ac:cxnSpMkLst>
+            <pc:docMk/>
+            <pc:sldMk cId="0" sldId="266"/>
+            <ac:cxnSpMk id="197" creationId="{00000000-0000-0000-0000-000000000000}"/>
+          </ac:cxnSpMkLst>
+        </pc:cxnChg>
+      </pc:sldChg>
+      <pc:sldChg chg="modSp add mod">
+        <pc:chgData name="dun05139@naver.com" userId="6b11629fb0e93151" providerId="LiveId" clId="{A53CA167-861B-4D97-BE80-FD2614DFE85F}" dt="2023-05-11T11:27:52.677" v="748" actId="1076"/>
+        <pc:sldMkLst>
+          <pc:docMk/>
+          <pc:sldMk cId="0" sldId="267"/>
+        </pc:sldMkLst>
+        <pc:spChg chg="mod">
+          <ac:chgData name="dun05139@naver.com" userId="6b11629fb0e93151" providerId="LiveId" clId="{A53CA167-861B-4D97-BE80-FD2614DFE85F}" dt="2023-05-11T11:27:52.677" v="748" actId="1076"/>
+          <ac:spMkLst>
+            <pc:docMk/>
+            <pc:sldMk cId="0" sldId="267"/>
+            <ac:spMk id="204" creationId="{00000000-0000-0000-0000-000000000000}"/>
+          </ac:spMkLst>
+        </pc:spChg>
+        <pc:spChg chg="mod">
+          <ac:chgData name="dun05139@naver.com" userId="6b11629fb0e93151" providerId="LiveId" clId="{A53CA167-861B-4D97-BE80-FD2614DFE85F}" dt="2023-05-11T11:16:36.939" v="416"/>
+          <ac:spMkLst>
+            <pc:docMk/>
+            <pc:sldMk cId="0" sldId="267"/>
+            <ac:spMk id="215" creationId="{00000000-0000-0000-0000-000000000000}"/>
+          </ac:spMkLst>
+        </pc:spChg>
+      </pc:sldChg>
+      <pc:sldChg chg="add">
+        <pc:chgData name="dun05139@naver.com" userId="6b11629fb0e93151" providerId="LiveId" clId="{A53CA167-861B-4D97-BE80-FD2614DFE85F}" dt="2023-05-11T10:32:00.312" v="312"/>
+        <pc:sldMkLst>
+          <pc:docMk/>
+          <pc:sldMk cId="0" sldId="268"/>
+        </pc:sldMkLst>
+      </pc:sldChg>
+      <pc:sldChg chg="del">
+        <pc:chgData name="dun05139@naver.com" userId="6b11629fb0e93151" providerId="LiveId" clId="{A53CA167-861B-4D97-BE80-FD2614DFE85F}" dt="2023-05-11T10:19:14.111" v="0" actId="47"/>
+        <pc:sldMkLst>
+          <pc:docMk/>
+          <pc:sldMk cId="0" sldId="269"/>
+        </pc:sldMkLst>
+      </pc:sldChg>
+      <pc:sldChg chg="addSp delSp modSp add del mod">
+        <pc:chgData name="dun05139@naver.com" userId="6b11629fb0e93151" providerId="LiveId" clId="{A53CA167-861B-4D97-BE80-FD2614DFE85F}" dt="2023-05-11T11:44:36.558" v="1286" actId="47"/>
+        <pc:sldMkLst>
+          <pc:docMk/>
+          <pc:sldMk cId="2705389051" sldId="269"/>
+        </pc:sldMkLst>
+        <pc:spChg chg="add mod">
+          <ac:chgData name="dun05139@naver.com" userId="6b11629fb0e93151" providerId="LiveId" clId="{A53CA167-861B-4D97-BE80-FD2614DFE85F}" dt="2023-05-11T11:42:30.751" v="1182" actId="207"/>
+          <ac:spMkLst>
+            <pc:docMk/>
+            <pc:sldMk cId="2705389051" sldId="269"/>
+            <ac:spMk id="2" creationId="{5A3BC363-40EF-31E3-B533-731F4B0B49E1}"/>
+          </ac:spMkLst>
+        </pc:spChg>
+        <pc:spChg chg="del">
+          <ac:chgData name="dun05139@naver.com" userId="6b11629fb0e93151" providerId="LiveId" clId="{A53CA167-861B-4D97-BE80-FD2614DFE85F}" dt="2023-05-11T11:40:18.876" v="1103" actId="478"/>
+          <ac:spMkLst>
+            <pc:docMk/>
+            <pc:sldMk cId="2705389051" sldId="269"/>
+            <ac:spMk id="8" creationId="{80A05938-8F7E-CC1D-8A8A-0F47AEEB3CF4}"/>
+          </ac:spMkLst>
+        </pc:spChg>
+        <pc:spChg chg="mod topLvl">
+          <ac:chgData name="dun05139@naver.com" userId="6b11629fb0e93151" providerId="LiveId" clId="{A53CA167-861B-4D97-BE80-FD2614DFE85F}" dt="2023-05-11T11:41:42.373" v="1159" actId="1076"/>
+          <ac:spMkLst>
+            <pc:docMk/>
+            <pc:sldMk cId="2705389051" sldId="269"/>
+            <ac:spMk id="156" creationId="{00000000-0000-0000-0000-000000000000}"/>
+          </ac:spMkLst>
+        </pc:spChg>
+        <pc:spChg chg="del">
+          <ac:chgData name="dun05139@naver.com" userId="6b11629fb0e93151" providerId="LiveId" clId="{A53CA167-861B-4D97-BE80-FD2614DFE85F}" dt="2023-05-11T11:40:15.109" v="1102" actId="478"/>
+          <ac:spMkLst>
+            <pc:docMk/>
+            <pc:sldMk cId="2705389051" sldId="269"/>
+            <ac:spMk id="157" creationId="{00000000-0000-0000-0000-000000000000}"/>
+          </ac:spMkLst>
+        </pc:spChg>
+        <pc:spChg chg="del">
+          <ac:chgData name="dun05139@naver.com" userId="6b11629fb0e93151" providerId="LiveId" clId="{A53CA167-861B-4D97-BE80-FD2614DFE85F}" dt="2023-05-11T11:40:33.555" v="1106" actId="478"/>
+          <ac:spMkLst>
+            <pc:docMk/>
+            <pc:sldMk cId="2705389051" sldId="269"/>
+            <ac:spMk id="158" creationId="{00000000-0000-0000-0000-000000000000}"/>
+          </ac:spMkLst>
+        </pc:spChg>
+        <pc:spChg chg="del mod">
+          <ac:chgData name="dun05139@naver.com" userId="6b11629fb0e93151" providerId="LiveId" clId="{A53CA167-861B-4D97-BE80-FD2614DFE85F}" dt="2023-05-11T11:40:28.637" v="1105" actId="478"/>
+          <ac:spMkLst>
+            <pc:docMk/>
+            <pc:sldMk cId="2705389051" sldId="269"/>
+            <ac:spMk id="159" creationId="{00000000-0000-0000-0000-000000000000}"/>
+          </ac:spMkLst>
+        </pc:spChg>
+        <pc:spChg chg="del mod">
+          <ac:chgData name="dun05139@naver.com" userId="6b11629fb0e93151" providerId="LiveId" clId="{A53CA167-861B-4D97-BE80-FD2614DFE85F}" dt="2023-05-11T11:40:13.301" v="1101" actId="478"/>
+          <ac:spMkLst>
+            <pc:docMk/>
+            <pc:sldMk cId="2705389051" sldId="269"/>
+            <ac:spMk id="160" creationId="{00000000-0000-0000-0000-000000000000}"/>
+          </ac:spMkLst>
+        </pc:spChg>
+        <pc:spChg chg="del mod topLvl">
+          <ac:chgData name="dun05139@naver.com" userId="6b11629fb0e93151" providerId="LiveId" clId="{A53CA167-861B-4D97-BE80-FD2614DFE85F}" dt="2023-05-11T11:40:48.037" v="1112" actId="478"/>
+          <ac:spMkLst>
+            <pc:docMk/>
+            <pc:sldMk cId="2705389051" sldId="269"/>
+            <ac:spMk id="161" creationId="{00000000-0000-0000-0000-000000000000}"/>
+          </ac:spMkLst>
+        </pc:spChg>
+        <pc:spChg chg="del mod">
+          <ac:chgData name="dun05139@naver.com" userId="6b11629fb0e93151" providerId="LiveId" clId="{A53CA167-861B-4D97-BE80-FD2614DFE85F}" dt="2023-05-11T11:40:43.938" v="1110" actId="478"/>
+          <ac:spMkLst>
+            <pc:docMk/>
+            <pc:sldMk cId="2705389051" sldId="269"/>
+            <ac:spMk id="162" creationId="{00000000-0000-0000-0000-000000000000}"/>
+          </ac:spMkLst>
+        </pc:spChg>
+        <pc:grpChg chg="add del">
+          <ac:chgData name="dun05139@naver.com" userId="6b11629fb0e93151" providerId="LiveId" clId="{A53CA167-861B-4D97-BE80-FD2614DFE85F}" dt="2023-05-11T11:40:48.037" v="1112" actId="478"/>
+          <ac:grpSpMkLst>
+            <pc:docMk/>
+            <pc:sldMk cId="2705389051" sldId="269"/>
+            <ac:grpSpMk id="155" creationId="{00000000-0000-0000-0000-000000000000}"/>
+          </ac:grpSpMkLst>
+        </pc:grpChg>
+        <pc:picChg chg="del">
+          <ac:chgData name="dun05139@naver.com" userId="6b11629fb0e93151" providerId="LiveId" clId="{A53CA167-861B-4D97-BE80-FD2614DFE85F}" dt="2023-05-11T11:40:05.181" v="1099" actId="478"/>
+          <ac:picMkLst>
+            <pc:docMk/>
+            <pc:sldMk cId="2705389051" sldId="269"/>
+            <ac:picMk id="9" creationId="{644B5020-4C31-F287-7B76-F07ACC7C7F98}"/>
+          </ac:picMkLst>
+        </pc:picChg>
+        <pc:picChg chg="del">
+          <ac:chgData name="dun05139@naver.com" userId="6b11629fb0e93151" providerId="LiveId" clId="{A53CA167-861B-4D97-BE80-FD2614DFE85F}" dt="2023-05-11T11:40:04.047" v="1098" actId="478"/>
+          <ac:picMkLst>
+            <pc:docMk/>
+            <pc:sldMk cId="2705389051" sldId="269"/>
+            <ac:picMk id="10" creationId="{0B4286A6-7928-BC10-9182-992DBFDC59EE}"/>
+          </ac:picMkLst>
+        </pc:picChg>
+      </pc:sldChg>
+      <pc:sldChg chg="delSp modSp add mod setBg modNotes">
+        <pc:chgData name="dun05139@naver.com" userId="6b11629fb0e93151" providerId="LiveId" clId="{A53CA167-861B-4D97-BE80-FD2614DFE85F}" dt="2023-05-11T11:44:40.795" v="1298" actId="1035"/>
+        <pc:sldMkLst>
+          <pc:docMk/>
+          <pc:sldMk cId="3041500793" sldId="270"/>
+        </pc:sldMkLst>
+        <pc:spChg chg="del">
+          <ac:chgData name="dun05139@naver.com" userId="6b11629fb0e93151" providerId="LiveId" clId="{A53CA167-861B-4D97-BE80-FD2614DFE85F}" dt="2023-05-11T11:44:23.620" v="1255" actId="478"/>
+          <ac:spMkLst>
+            <pc:docMk/>
+            <pc:sldMk cId="3041500793" sldId="270"/>
+            <ac:spMk id="84" creationId="{00000000-0000-0000-0000-000000000000}"/>
+          </ac:spMkLst>
+        </pc:spChg>
+        <pc:spChg chg="mod">
+          <ac:chgData name="dun05139@naver.com" userId="6b11629fb0e93151" providerId="LiveId" clId="{A53CA167-861B-4D97-BE80-FD2614DFE85F}" dt="2023-05-11T11:44:40.795" v="1298" actId="1035"/>
+          <ac:spMkLst>
+            <pc:docMk/>
+            <pc:sldMk cId="3041500793" sldId="270"/>
+            <ac:spMk id="92" creationId="{00000000-0000-0000-0000-000000000000}"/>
+          </ac:spMkLst>
+        </pc:spChg>
+        <pc:grpChg chg="mod">
+          <ac:chgData name="dun05139@naver.com" userId="6b11629fb0e93151" providerId="LiveId" clId="{A53CA167-861B-4D97-BE80-FD2614DFE85F}" dt="2023-05-11T11:44:40.795" v="1298" actId="1035"/>
+          <ac:grpSpMkLst>
+            <pc:docMk/>
+            <pc:sldMk cId="3041500793" sldId="270"/>
+            <ac:grpSpMk id="85" creationId="{00000000-0000-0000-0000-000000000000}"/>
+          </ac:grpSpMkLst>
+        </pc:grpChg>
+      </pc:sldChg>
+    </pc:docChg>
+  </pc:docChgLst>
+</pc:chgInfo>
+</file>
+
+<file path=ppt/ink/ink1.xml><?xml version="1.0" encoding="utf-8"?>
+<inkml:ink xmlns:inkml="http://www.w3.org/2003/InkML">
+  <inkml:definitions>
+    <inkml:context xml:id="ctx0">
+      <inkml:inkSource xml:id="inkSrc0">
+        <inkml:traceFormat>
+          <inkml:channel name="X" type="integer" min="-2.14748E9" max="2.14748E9" units="cm"/>
+          <inkml:channel name="Y" type="integer" min="-2.14748E9" max="2.14748E9" units="cm"/>
+        </inkml:traceFormat>
+        <inkml:channelProperties>
+          <inkml:channelProperty channel="X" name="resolution" value="1000" units="1/cm"/>
+          <inkml:channelProperty channel="Y" name="resolution" value="1000" units="1/cm"/>
+        </inkml:channelProperties>
+      </inkml:inkSource>
+      <inkml:timestamp xml:id="ts0" timeString="2023-05-11T11:26:04.466"/>
+    </inkml:context>
+    <inkml:brush xml:id="br0">
+      <inkml:brushProperty name="width" value="0.3" units="cm"/>
+      <inkml:brushProperty name="height" value="0.6" units="cm"/>
+      <inkml:brushProperty name="color" value="#FFFC00"/>
+      <inkml:brushProperty name="tip" value="rectangle"/>
+      <inkml:brushProperty name="rasterOp" value="maskPen"/>
+      <inkml:brushProperty name="ignorePressure" value="1"/>
+    </inkml:brush>
+  </inkml:definitions>
+  <inkml:trace contextRef="#ctx0" brushRef="#br0">0 0,'0'0</inkml:trace>
+</inkml:ink>
+</file>
+
+<file path=ppt/ink/ink2.xml><?xml version="1.0" encoding="utf-8"?>
+<inkml:ink xmlns:inkml="http://www.w3.org/2003/InkML">
+  <inkml:definitions>
+    <inkml:context xml:id="ctx0">
+      <inkml:inkSource xml:id="inkSrc0">
+        <inkml:traceFormat>
+          <inkml:channel name="X" type="integer" min="-2.14748E9" max="2.14748E9" units="cm"/>
+          <inkml:channel name="Y" type="integer" min="-2.14748E9" max="2.14748E9" units="cm"/>
+        </inkml:traceFormat>
+        <inkml:channelProperties>
+          <inkml:channelProperty channel="X" name="resolution" value="1000" units="1/cm"/>
+          <inkml:channelProperty channel="Y" name="resolution" value="1000" units="1/cm"/>
+        </inkml:channelProperties>
+      </inkml:inkSource>
+      <inkml:timestamp xml:id="ts0" timeString="2023-05-11T11:26:11.359"/>
+    </inkml:context>
+    <inkml:brush xml:id="br0">
+      <inkml:brushProperty name="width" value="0.3" units="cm"/>
+      <inkml:brushProperty name="height" value="0.6" units="cm"/>
+      <inkml:brushProperty name="color" value="#FFFC00"/>
+      <inkml:brushProperty name="tip" value="rectangle"/>
+      <inkml:brushProperty name="rasterOp" value="maskPen"/>
+      <inkml:brushProperty name="ignorePressure" value="1"/>
+    </inkml:brush>
+  </inkml:definitions>
+  <inkml:trace contextRef="#ctx0" brushRef="#br0">0 1,'0'0</inkml:trace>
+</inkml:ink>
 </file>
 
 <file path=ppt/notesMasters/notesMaster1.xml><?xml version="1.0" encoding="utf-8"?>
@@ -871,7 +1846,7 @@
       </p:grpSpPr>
       <p:sp>
         <p:nvSpPr>
-          <p:cNvPr id="229" name="Google Shape;229;p9:notes"/>
+          <p:cNvPr id="152" name="Google Shape;152;g2415d63a799_1_5:notes"/>
           <p:cNvSpPr txBox="1">
             <a:spLocks noGrp="1"/>
           </p:cNvSpPr>
@@ -910,7 +1885,7 @@
       </p:sp>
       <p:sp>
         <p:nvSpPr>
-          <p:cNvPr id="230" name="Google Shape;230;p9:notes"/>
+          <p:cNvPr id="153" name="Google Shape;153;g2415d63a799_1_5:notes"/>
           <p:cNvSpPr>
             <a:spLocks noGrp="1" noRot="1" noChangeAspect="1" noTextEdit="1"/>
           </p:cNvSpPr>
@@ -920,8 +1895,8 @@
         </p:nvSpPr>
         <p:spPr>
           <a:xfrm>
-            <a:off x="1143225" y="685800"/>
-            <a:ext cx="4572225" cy="3429000"/>
+            <a:off x="381000" y="685800"/>
+            <a:ext cx="6096000" cy="3429000"/>
           </a:xfrm>
           <a:custGeom>
             <a:avLst/>
@@ -950,6 +1925,11 @@
         </p:spPr>
       </p:sp>
     </p:spTree>
+    <p:extLst>
+      <p:ext uri="{BB962C8B-B14F-4D97-AF65-F5344CB8AC3E}">
+        <p14:creationId xmlns:p14="http://schemas.microsoft.com/office/powerpoint/2010/main" val="1289960732"/>
+      </p:ext>
+    </p:extLst>
   </p:cSld>
   <p:clrMapOvr>
     <a:masterClrMapping/>
@@ -976,7 +1956,7 @@
       </p:grpSpPr>
       <p:sp>
         <p:nvSpPr>
-          <p:cNvPr id="241" name="Google Shape;241;p10:notes"/>
+          <p:cNvPr id="152" name="Google Shape;152;g2415d63a799_1_5:notes"/>
           <p:cNvSpPr txBox="1">
             <a:spLocks noGrp="1"/>
           </p:cNvSpPr>
@@ -1015,7 +1995,7 @@
       </p:sp>
       <p:sp>
         <p:nvSpPr>
-          <p:cNvPr id="242" name="Google Shape;242;p10:notes"/>
+          <p:cNvPr id="153" name="Google Shape;153;g2415d63a799_1_5:notes"/>
           <p:cNvSpPr>
             <a:spLocks noGrp="1" noRot="1" noChangeAspect="1" noTextEdit="1"/>
           </p:cNvSpPr>
@@ -1025,8 +2005,8 @@
         </p:nvSpPr>
         <p:spPr>
           <a:xfrm>
-            <a:off x="1143225" y="685800"/>
-            <a:ext cx="4572225" cy="3429000"/>
+            <a:off x="381000" y="685800"/>
+            <a:ext cx="6096000" cy="3429000"/>
           </a:xfrm>
           <a:custGeom>
             <a:avLst/>
@@ -1055,6 +2035,11 @@
         </p:spPr>
       </p:sp>
     </p:spTree>
+    <p:extLst>
+      <p:ext uri="{BB962C8B-B14F-4D97-AF65-F5344CB8AC3E}">
+        <p14:creationId xmlns:p14="http://schemas.microsoft.com/office/powerpoint/2010/main" val="3456642091"/>
+      </p:ext>
+    </p:extLst>
   </p:cSld>
   <p:clrMapOvr>
     <a:masterClrMapping/>
@@ -1081,7 +2066,7 @@
       </p:grpSpPr>
       <p:sp>
         <p:nvSpPr>
-          <p:cNvPr id="241" name="Google Shape;241;p10:notes"/>
+          <p:cNvPr id="152" name="Google Shape;152;g2415d63a799_1_5:notes"/>
           <p:cNvSpPr txBox="1">
             <a:spLocks noGrp="1"/>
           </p:cNvSpPr>
@@ -1120,7 +2105,7 @@
       </p:sp>
       <p:sp>
         <p:nvSpPr>
-          <p:cNvPr id="242" name="Google Shape;242;p10:notes"/>
+          <p:cNvPr id="153" name="Google Shape;153;g2415d63a799_1_5:notes"/>
           <p:cNvSpPr>
             <a:spLocks noGrp="1" noRot="1" noChangeAspect="1" noTextEdit="1"/>
           </p:cNvSpPr>
@@ -1130,8 +2115,8 @@
         </p:nvSpPr>
         <p:spPr>
           <a:xfrm>
-            <a:off x="1143225" y="685800"/>
-            <a:ext cx="4572225" cy="3429000"/>
+            <a:off x="381000" y="685800"/>
+            <a:ext cx="6096000" cy="3429000"/>
           </a:xfrm>
           <a:custGeom>
             <a:avLst/>
@@ -1160,6 +2145,231 @@
         </p:spPr>
       </p:sp>
     </p:spTree>
+    <p:extLst>
+      <p:ext uri="{BB962C8B-B14F-4D97-AF65-F5344CB8AC3E}">
+        <p14:creationId xmlns:p14="http://schemas.microsoft.com/office/powerpoint/2010/main" val="730759234"/>
+      </p:ext>
+    </p:extLst>
+  </p:cSld>
+  <p:clrMapOvr>
+    <a:masterClrMapping/>
+  </p:clrMapOvr>
+</p:notes>
+</file>
+
+<file path=ppt/notesSlides/notesSlide13.xml><?xml version="1.0" encoding="utf-8"?>
+<p:notes xmlns:a="http://schemas.openxmlformats.org/drawingml/2006/main" xmlns:r="http://schemas.openxmlformats.org/officeDocument/2006/relationships" xmlns:p="http://schemas.openxmlformats.org/presentationml/2006/main" showMasterSp="0" showMasterPhAnim="0">
+  <p:cSld>
+    <p:spTree>
+      <p:nvGrpSpPr>
+        <p:cNvPr id="1" name=""/>
+        <p:cNvGrpSpPr/>
+        <p:nvPr/>
+      </p:nvGrpSpPr>
+      <p:grpSpPr>
+        <a:xfrm>
+          <a:off x="0" y="0"/>
+          <a:ext cx="0" cy="0"/>
+          <a:chOff x="0" y="0"/>
+          <a:chExt cx="0" cy="0"/>
+        </a:xfrm>
+      </p:grpSpPr>
+      <p:sp>
+        <p:nvSpPr>
+          <p:cNvPr id="152" name="Google Shape;152;g2415d63a799_1_5:notes"/>
+          <p:cNvSpPr txBox="1">
+            <a:spLocks noGrp="1"/>
+          </p:cNvSpPr>
+          <p:nvPr>
+            <p:ph type="body" idx="1"/>
+          </p:nvPr>
+        </p:nvSpPr>
+        <p:spPr>
+          <a:xfrm>
+            <a:off x="685800" y="4343400"/>
+            <a:ext cx="5486400" cy="4114800"/>
+          </a:xfrm>
+          <a:prstGeom prst="rect">
+            <a:avLst/>
+          </a:prstGeom>
+        </p:spPr>
+        <p:txBody>
+          <a:bodyPr wrap="square" lIns="91424" tIns="91424" rIns="91424" bIns="91424" anchor="t" anchorCtr="0">
+            <a:noAutofit/>
+          </a:bodyPr>
+          <a:lstStyle/>
+          <a:p>
+            <a:pPr marL="0" lvl="0" indent="0" algn="l" rtl="0">
+              <a:spcBef>
+                <a:spcPts val="0"/>
+              </a:spcBef>
+              <a:spcAft>
+                <a:spcPts val="0"/>
+              </a:spcAft>
+              <a:buNone/>
+              <a:defRPr/>
+            </a:pPr>
+            <a:endParaRPr lang="ko-KR" altLang="en-US"/>
+          </a:p>
+        </p:txBody>
+      </p:sp>
+      <p:sp>
+        <p:nvSpPr>
+          <p:cNvPr id="153" name="Google Shape;153;g2415d63a799_1_5:notes"/>
+          <p:cNvSpPr>
+            <a:spLocks noGrp="1" noRot="1" noChangeAspect="1" noTextEdit="1"/>
+          </p:cNvSpPr>
+          <p:nvPr>
+            <p:ph type="sldImg" idx="2"/>
+          </p:nvPr>
+        </p:nvSpPr>
+        <p:spPr>
+          <a:xfrm>
+            <a:off x="381000" y="685800"/>
+            <a:ext cx="6096000" cy="3429000"/>
+          </a:xfrm>
+          <a:custGeom>
+            <a:avLst/>
+            <a:gdLst/>
+            <a:ahLst/>
+            <a:cxnLst/>
+            <a:rect l="l" t="t" r="r" b="b"/>
+            <a:pathLst>
+              <a:path w="120000" h="120000" extrusionOk="0">
+                <a:moveTo>
+                  <a:pt x="0" y="0"/>
+                </a:moveTo>
+                <a:lnTo>
+                  <a:pt x="120000" y="0"/>
+                </a:lnTo>
+                <a:lnTo>
+                  <a:pt x="120000" y="120000"/>
+                </a:lnTo>
+                <a:lnTo>
+                  <a:pt x="0" y="120000"/>
+                </a:lnTo>
+                <a:close/>
+              </a:path>
+            </a:pathLst>
+          </a:custGeom>
+        </p:spPr>
+      </p:sp>
+    </p:spTree>
+    <p:extLst>
+      <p:ext uri="{BB962C8B-B14F-4D97-AF65-F5344CB8AC3E}">
+        <p14:creationId xmlns:p14="http://schemas.microsoft.com/office/powerpoint/2010/main" val="341486619"/>
+      </p:ext>
+    </p:extLst>
+  </p:cSld>
+  <p:clrMapOvr>
+    <a:masterClrMapping/>
+  </p:clrMapOvr>
+</p:notes>
+</file>
+
+<file path=ppt/notesSlides/notesSlide14.xml><?xml version="1.0" encoding="utf-8"?>
+<p:notes xmlns:a="http://schemas.openxmlformats.org/drawingml/2006/main" xmlns:r="http://schemas.openxmlformats.org/officeDocument/2006/relationships" xmlns:p="http://schemas.openxmlformats.org/presentationml/2006/main" showMasterSp="0" showMasterPhAnim="0">
+  <p:cSld>
+    <p:spTree>
+      <p:nvGrpSpPr>
+        <p:cNvPr id="1" name=""/>
+        <p:cNvGrpSpPr/>
+        <p:nvPr/>
+      </p:nvGrpSpPr>
+      <p:grpSpPr>
+        <a:xfrm>
+          <a:off x="0" y="0"/>
+          <a:ext cx="0" cy="0"/>
+          <a:chOff x="0" y="0"/>
+          <a:chExt cx="0" cy="0"/>
+        </a:xfrm>
+      </p:grpSpPr>
+      <p:sp>
+        <p:nvSpPr>
+          <p:cNvPr id="81" name="Google Shape;81;p1:notes"/>
+          <p:cNvSpPr txBox="1">
+            <a:spLocks noGrp="1"/>
+          </p:cNvSpPr>
+          <p:nvPr>
+            <p:ph type="body" idx="1"/>
+          </p:nvPr>
+        </p:nvSpPr>
+        <p:spPr>
+          <a:xfrm>
+            <a:off x="685800" y="4343400"/>
+            <a:ext cx="5486400" cy="4114800"/>
+          </a:xfrm>
+          <a:prstGeom prst="rect">
+            <a:avLst/>
+          </a:prstGeom>
+        </p:spPr>
+        <p:txBody>
+          <a:bodyPr wrap="square" lIns="91424" tIns="91424" rIns="91424" bIns="91424" anchor="t" anchorCtr="0">
+            <a:noAutofit/>
+          </a:bodyPr>
+          <a:lstStyle/>
+          <a:p>
+            <a:pPr marL="0" lvl="0" indent="0" algn="l" rtl="0">
+              <a:spcBef>
+                <a:spcPts val="0"/>
+              </a:spcBef>
+              <a:spcAft>
+                <a:spcPts val="0"/>
+              </a:spcAft>
+              <a:buNone/>
+              <a:defRPr/>
+            </a:pPr>
+            <a:endParaRPr lang="ko-KR" altLang="en-US"/>
+          </a:p>
+        </p:txBody>
+      </p:sp>
+      <p:sp>
+        <p:nvSpPr>
+          <p:cNvPr id="82" name="Google Shape;82;p1:notes"/>
+          <p:cNvSpPr>
+            <a:spLocks noGrp="1" noRot="1" noChangeAspect="1" noTextEdit="1"/>
+          </p:cNvSpPr>
+          <p:nvPr>
+            <p:ph type="sldImg" idx="2"/>
+          </p:nvPr>
+        </p:nvSpPr>
+        <p:spPr>
+          <a:xfrm>
+            <a:off x="381000" y="685800"/>
+            <a:ext cx="6096000" cy="3429000"/>
+          </a:xfrm>
+          <a:custGeom>
+            <a:avLst/>
+            <a:gdLst/>
+            <a:ahLst/>
+            <a:cxnLst/>
+            <a:rect l="l" t="t" r="r" b="b"/>
+            <a:pathLst>
+              <a:path w="120000" h="120000" extrusionOk="0">
+                <a:moveTo>
+                  <a:pt x="0" y="0"/>
+                </a:moveTo>
+                <a:lnTo>
+                  <a:pt x="120000" y="0"/>
+                </a:lnTo>
+                <a:lnTo>
+                  <a:pt x="120000" y="120000"/>
+                </a:lnTo>
+                <a:lnTo>
+                  <a:pt x="0" y="120000"/>
+                </a:lnTo>
+                <a:close/>
+              </a:path>
+            </a:pathLst>
+          </a:custGeom>
+        </p:spPr>
+      </p:sp>
+    </p:spTree>
+    <p:extLst>
+      <p:ext uri="{BB962C8B-B14F-4D97-AF65-F5344CB8AC3E}">
+        <p14:creationId xmlns:p14="http://schemas.microsoft.com/office/powerpoint/2010/main" val="536602749"/>
+      </p:ext>
+    </p:extLst>
   </p:cSld>
   <p:clrMapOvr>
     <a:masterClrMapping/>
@@ -1235,8 +2445,8 @@
         </p:nvSpPr>
         <p:spPr>
           <a:xfrm>
-            <a:off x="1143225" y="685800"/>
-            <a:ext cx="4572225" cy="3429000"/>
+            <a:off x="381000" y="685800"/>
+            <a:ext cx="6096000" cy="3429000"/>
           </a:xfrm>
           <a:custGeom>
             <a:avLst/>
@@ -1340,8 +2550,8 @@
         </p:nvSpPr>
         <p:spPr>
           <a:xfrm>
-            <a:off x="1143225" y="685800"/>
-            <a:ext cx="4572225" cy="3429000"/>
+            <a:off x="381000" y="685800"/>
+            <a:ext cx="6096000" cy="3429000"/>
           </a:xfrm>
           <a:custGeom>
             <a:avLst/>
@@ -1655,8 +2865,8 @@
         </p:nvSpPr>
         <p:spPr>
           <a:xfrm>
-            <a:off x="1143225" y="685800"/>
-            <a:ext cx="4572225" cy="3429000"/>
+            <a:off x="381000" y="685800"/>
+            <a:ext cx="6096000" cy="3429000"/>
           </a:xfrm>
           <a:custGeom>
             <a:avLst/>
@@ -1760,8 +2970,8 @@
         </p:nvSpPr>
         <p:spPr>
           <a:xfrm>
-            <a:off x="1143225" y="685800"/>
-            <a:ext cx="4572225" cy="3429000"/>
+            <a:off x="381000" y="685800"/>
+            <a:ext cx="6096000" cy="3429000"/>
           </a:xfrm>
           <a:custGeom>
             <a:avLst/>
@@ -1865,8 +3075,8 @@
         </p:nvSpPr>
         <p:spPr>
           <a:xfrm>
-            <a:off x="1143225" y="685800"/>
-            <a:ext cx="4572225" cy="3429000"/>
+            <a:off x="381000" y="685800"/>
+            <a:ext cx="6096000" cy="3429000"/>
           </a:xfrm>
           <a:custGeom>
             <a:avLst/>
@@ -13245,7 +14455,7 @@
     <mc:Choice Requires="p14">
       <p:transition/>
     </mc:Choice>
-    <mc:Fallback xmlns:dsp="http://schemas.microsoft.com/office/drawing/2008/diagram" xmlns:dgm="http://schemas.openxmlformats.org/drawingml/2006/diagram" xmlns:c="http://schemas.openxmlformats.org/drawingml/2006/chart" xmlns="">
+    <mc:Fallback xmlns="" xmlns:c="http://schemas.openxmlformats.org/drawingml/2006/chart" xmlns:dgm="http://schemas.openxmlformats.org/drawingml/2006/diagram" xmlns:dsp="http://schemas.microsoft.com/office/drawing/2008/diagram">
       <p:transition/>
     </mc:Fallback>
   </mc:AlternateContent>
@@ -13255,14 +14465,6 @@
 <file path=ppt/slides/slide10.xml><?xml version="1.0" encoding="utf-8"?>
 <p:sld xmlns:a="http://schemas.openxmlformats.org/drawingml/2006/main" xmlns:r="http://schemas.openxmlformats.org/officeDocument/2006/relationships" xmlns:p="http://schemas.openxmlformats.org/presentationml/2006/main">
   <p:cSld>
-    <p:bg>
-      <p:bgPr>
-        <a:solidFill>
-          <a:srgbClr val="F2F7FA"/>
-        </a:solidFill>
-        <a:effectLst/>
-      </p:bgPr>
-    </p:bg>
     <p:spTree>
       <p:nvGrpSpPr>
         <p:cNvPr id="1" name=""/>
@@ -13279,28 +14481,40 @@
       </p:grpSpPr>
       <p:grpSp>
         <p:nvGrpSpPr>
-          <p:cNvPr id="232" name="Google Shape;232;p22"/>
+          <p:cNvPr id="12" name="Google Shape;155;p17">
+            <a:extLst>
+              <a:ext uri="{FF2B5EF4-FFF2-40B4-BE49-F238E27FC236}">
+                <a16:creationId xmlns:a16="http://schemas.microsoft.com/office/drawing/2014/main" id="{5C3C4FF7-AF81-CFDD-B5D1-CBD01C5FE5E7}"/>
+              </a:ext>
+            </a:extLst>
+          </p:cNvPr>
           <p:cNvGrpSpPr/>
           <p:nvPr/>
         </p:nvGrpSpPr>
         <p:grpSpPr>
           <a:xfrm>
-            <a:off x="128492" y="139675"/>
-            <a:ext cx="11923808" cy="6850848"/>
-            <a:chOff x="128492" y="139675"/>
-            <a:chExt cx="11923808" cy="6524650"/>
+            <a:off x="128270" y="104561"/>
+            <a:ext cx="11924700" cy="6525300"/>
+            <a:chOff x="128270" y="139700"/>
+            <a:chExt cx="11924700" cy="6525300"/>
           </a:xfrm>
         </p:grpSpPr>
         <p:sp>
           <p:nvSpPr>
-            <p:cNvPr id="233" name="Google Shape;233;p22"/>
+            <p:cNvPr id="13" name="Google Shape;156;p17">
+              <a:extLst>
+                <a:ext uri="{FF2B5EF4-FFF2-40B4-BE49-F238E27FC236}">
+                  <a16:creationId xmlns:a16="http://schemas.microsoft.com/office/drawing/2014/main" id="{660C7CB4-C785-460E-2A25-FDB20B0363EA}"/>
+                </a:ext>
+              </a:extLst>
+            </p:cNvPr>
             <p:cNvSpPr/>
             <p:nvPr/>
           </p:nvSpPr>
           <p:spPr>
             <a:xfrm>
-              <a:off x="128492" y="482574"/>
-              <a:ext cx="11923808" cy="6181751"/>
+              <a:off x="128270" y="482600"/>
+              <a:ext cx="11924700" cy="6182400"/>
             </a:xfrm>
             <a:prstGeom prst="rect">
               <a:avLst/>
@@ -13338,6 +14552,11 @@
                 <a:spcAft>
                   <a:spcPts val="0"/>
                 </a:spcAft>
+                <a:buClr>
+                  <a:schemeClr val="lt1"/>
+                </a:buClr>
+                <a:buSzPct val="25000"/>
+                <a:buFont typeface="맑은 고딕"/>
                 <a:buNone/>
                 <a:defRPr/>
               </a:pPr>
@@ -13355,14 +14574,20 @@
         </p:sp>
         <p:sp>
           <p:nvSpPr>
-            <p:cNvPr id="234" name="Google Shape;234;p22"/>
+            <p:cNvPr id="14" name="Google Shape;157;p17">
+              <a:extLst>
+                <a:ext uri="{FF2B5EF4-FFF2-40B4-BE49-F238E27FC236}">
+                  <a16:creationId xmlns:a16="http://schemas.microsoft.com/office/drawing/2014/main" id="{8F2DB8B7-C4BD-4025-DE93-F64AA88CE73F}"/>
+                </a:ext>
+              </a:extLst>
+            </p:cNvPr>
             <p:cNvSpPr/>
             <p:nvPr/>
           </p:nvSpPr>
           <p:spPr>
             <a:xfrm>
               <a:off x="311150" y="193675"/>
-              <a:ext cx="4854575" cy="685800"/>
+              <a:ext cx="4855200" cy="686400"/>
             </a:xfrm>
             <a:prstGeom prst="rect">
               <a:avLst/>
@@ -13393,32 +14618,15 @@
                 <a:spcAft>
                   <a:spcPts val="0"/>
                 </a:spcAft>
+                <a:buClr>
+                  <a:srgbClr val="2E5496"/>
+                </a:buClr>
+                <a:buSzPct val="25000"/>
+                <a:buFont typeface="Arial"/>
                 <a:buNone/>
                 <a:defRPr/>
               </a:pPr>
-              <a:r>
-                <a:rPr lang="ko-KR" sz="3200" b="1" i="1" u="none" strike="noStrike" cap="none">
-                  <a:solidFill>
-                    <a:srgbClr val="33C5FF"/>
-                  </a:solidFill>
-                  <a:latin typeface="Arial"/>
-                  <a:ea typeface="Arial"/>
-                  <a:cs typeface="Arial"/>
-                  <a:sym typeface="Arial"/>
-                </a:rPr>
-                <a:t>    </a:t>
-              </a:r>
-              <a:r>
-                <a:rPr lang="ko-KR" sz="3200" b="1" i="1" u="none" strike="noStrike" cap="none">
-                  <a:solidFill>
-                    <a:srgbClr val="2E5496"/>
-                  </a:solidFill>
-                  <a:latin typeface="나눔스퀘어 ExtraBold"/>
-                  <a:ea typeface="나눔스퀘어 ExtraBold"/>
-                </a:rPr>
-                <a:t>라이브러리 예제</a:t>
-              </a:r>
-              <a:endParaRPr sz="3200" b="1" i="1" u="none" strike="noStrike" cap="none">
+              <a:endParaRPr lang="en-US" sz="3200" b="1" i="1" u="none" strike="noStrike" cap="none" dirty="0">
                 <a:solidFill>
                   <a:srgbClr val="2E5496"/>
                 </a:solidFill>
@@ -13430,13 +14638,19 @@
         </p:sp>
         <p:sp>
           <p:nvSpPr>
-            <p:cNvPr id="235" name="Google Shape;235;p22"/>
+            <p:cNvPr id="15" name="Google Shape;158;p17">
+              <a:extLst>
+                <a:ext uri="{FF2B5EF4-FFF2-40B4-BE49-F238E27FC236}">
+                  <a16:creationId xmlns:a16="http://schemas.microsoft.com/office/drawing/2014/main" id="{C5652583-A701-A5F2-689D-F7E3D53CBFE7}"/>
+                </a:ext>
+              </a:extLst>
+            </p:cNvPr>
             <p:cNvSpPr/>
             <p:nvPr/>
           </p:nvSpPr>
           <p:spPr>
             <a:xfrm>
-              <a:off x="5111725" y="825475"/>
+              <a:off x="5111750" y="825500"/>
               <a:ext cx="108000" cy="108000"/>
             </a:xfrm>
             <a:prstGeom prst="ellipse">
@@ -13485,13 +14699,19 @@
         </p:sp>
         <p:sp>
           <p:nvSpPr>
-            <p:cNvPr id="236" name="Google Shape;236;p22"/>
+            <p:cNvPr id="16" name="Google Shape;159;p17">
+              <a:extLst>
+                <a:ext uri="{FF2B5EF4-FFF2-40B4-BE49-F238E27FC236}">
+                  <a16:creationId xmlns:a16="http://schemas.microsoft.com/office/drawing/2014/main" id="{6CBD3452-3B60-B124-87B4-33F029F6A233}"/>
+                </a:ext>
+              </a:extLst>
+            </p:cNvPr>
             <p:cNvSpPr/>
             <p:nvPr/>
           </p:nvSpPr>
           <p:spPr>
             <a:xfrm>
-              <a:off x="5111725" y="139675"/>
+              <a:off x="5111750" y="139700"/>
               <a:ext cx="108000" cy="108000"/>
             </a:xfrm>
             <a:prstGeom prst="ellipse">
@@ -13540,13 +14760,19 @@
         </p:sp>
         <p:sp>
           <p:nvSpPr>
-            <p:cNvPr id="237" name="Google Shape;237;p22"/>
+            <p:cNvPr id="17" name="Google Shape;160;p17">
+              <a:extLst>
+                <a:ext uri="{FF2B5EF4-FFF2-40B4-BE49-F238E27FC236}">
+                  <a16:creationId xmlns:a16="http://schemas.microsoft.com/office/drawing/2014/main" id="{8DAB0D44-079B-FDD0-28E2-30CA8566E15A}"/>
+                </a:ext>
+              </a:extLst>
+            </p:cNvPr>
             <p:cNvSpPr/>
             <p:nvPr/>
           </p:nvSpPr>
           <p:spPr>
             <a:xfrm>
-              <a:off x="311151" y="193675"/>
+              <a:off x="311150" y="193675"/>
               <a:ext cx="1306513" cy="685800"/>
             </a:xfrm>
             <a:custGeom>
@@ -13605,41 +14831,7 @@
                 <a:buNone/>
                 <a:defRPr/>
               </a:pPr>
-              <a:r>
-                <a:rPr lang="ko-KR" sz="3200" b="1" i="1" u="none" strike="noStrike" cap="none">
-                  <a:solidFill>
-                    <a:srgbClr val="FFFFFF"/>
-                  </a:solidFill>
-                  <a:latin typeface="Arial"/>
-                  <a:ea typeface="Arial"/>
-                  <a:cs typeface="Arial"/>
-                  <a:sym typeface="Arial"/>
-                </a:rPr>
-                <a:t> </a:t>
-              </a:r>
-              <a:r>
-                <a:rPr lang="ko-KR" sz="3200" b="1" i="1" u="none" strike="noStrike" cap="none">
-                  <a:solidFill>
-                    <a:srgbClr val="FFFFFF"/>
-                  </a:solidFill>
-                  <a:latin typeface="나눔스퀘어 ExtraBold"/>
-                  <a:ea typeface="나눔스퀘어 ExtraBold"/>
-                </a:rPr>
-                <a:t>POI</a:t>
-              </a:r>
-              <a:r>
-                <a:rPr lang="ko-KR" sz="3200" b="1" i="1" u="none" strike="noStrike" cap="none">
-                  <a:solidFill>
-                    <a:srgbClr val="FFFFFF"/>
-                  </a:solidFill>
-                  <a:latin typeface="Arial"/>
-                  <a:ea typeface="Arial"/>
-                  <a:cs typeface="Arial"/>
-                  <a:sym typeface="Arial"/>
-                </a:rPr>
-                <a:t> </a:t>
-              </a:r>
-              <a:endParaRPr sz="3200" b="1" i="1" u="none" strike="noStrike" cap="none">
+              <a:endParaRPr sz="3200" b="0" i="1" u="none" strike="noStrike" cap="none">
                 <a:solidFill>
                   <a:srgbClr val="FFFFFF"/>
                 </a:solidFill>
@@ -13653,13 +14845,19 @@
         </p:sp>
         <p:sp>
           <p:nvSpPr>
-            <p:cNvPr id="238" name="Google Shape;238;p22"/>
+            <p:cNvPr id="18" name="Google Shape;161;p17">
+              <a:extLst>
+                <a:ext uri="{FF2B5EF4-FFF2-40B4-BE49-F238E27FC236}">
+                  <a16:creationId xmlns:a16="http://schemas.microsoft.com/office/drawing/2014/main" id="{C14A8F13-D73A-846F-C309-A8893E047367}"/>
+                </a:ext>
+              </a:extLst>
+            </p:cNvPr>
             <p:cNvSpPr/>
             <p:nvPr/>
           </p:nvSpPr>
           <p:spPr>
             <a:xfrm>
-              <a:off x="257150" y="825475"/>
+              <a:off x="257175" y="825500"/>
               <a:ext cx="108000" cy="108000"/>
             </a:xfrm>
             <a:prstGeom prst="ellipse">
@@ -13713,13 +14911,19 @@
         </p:sp>
         <p:sp>
           <p:nvSpPr>
-            <p:cNvPr id="239" name="Google Shape;239;p22"/>
+            <p:cNvPr id="19" name="Google Shape;162;p17">
+              <a:extLst>
+                <a:ext uri="{FF2B5EF4-FFF2-40B4-BE49-F238E27FC236}">
+                  <a16:creationId xmlns:a16="http://schemas.microsoft.com/office/drawing/2014/main" id="{F84FD907-B3E3-E5A5-B291-F76C83BAF52F}"/>
+                </a:ext>
+              </a:extLst>
+            </p:cNvPr>
             <p:cNvSpPr/>
             <p:nvPr/>
           </p:nvSpPr>
           <p:spPr>
             <a:xfrm>
-              <a:off x="257150" y="139675"/>
+              <a:off x="257175" y="139700"/>
               <a:ext cx="108000" cy="108000"/>
             </a:xfrm>
             <a:prstGeom prst="ellipse">
@@ -13774,74 +14978,64 @@
       </p:grpSp>
       <p:sp>
         <p:nvSpPr>
-          <p:cNvPr id="244" name="Google Shape;191;p19"/>
-          <p:cNvSpPr/>
+          <p:cNvPr id="20" name="TextBox 19">
+            <a:extLst>
+              <a:ext uri="{FF2B5EF4-FFF2-40B4-BE49-F238E27FC236}">
+                <a16:creationId xmlns:a16="http://schemas.microsoft.com/office/drawing/2014/main" id="{516FC81E-02F3-FCA7-C8D2-9EF3D0F009EE}"/>
+              </a:ext>
+            </a:extLst>
+          </p:cNvPr>
+          <p:cNvSpPr txBox="1"/>
           <p:nvPr/>
         </p:nvSpPr>
         <p:spPr>
-          <a:xfrm>
-            <a:off x="1183075" y="1802866"/>
-            <a:ext cx="5966446" cy="3200076"/>
+          <a:xfrm flipH="1">
+            <a:off x="1423382" y="231820"/>
+            <a:ext cx="3970910" cy="584775"/>
           </a:xfrm>
           <a:prstGeom prst="rect">
             <a:avLst/>
           </a:prstGeom>
-          <a:solidFill>
-            <a:srgbClr val="F2F7FA"/>
-          </a:solidFill>
-          <a:ln w="15875" cap="flat" cmpd="sng">
-            <a:solidFill>
-              <a:srgbClr val="33C5FF"/>
-            </a:solidFill>
-            <a:prstDash val="dash"/>
-            <a:miter/>
-            <a:headEnd w="sm" len="sm"/>
-            <a:tailEnd w="sm" len="sm"/>
-          </a:ln>
-          <a:effectLst>
-            <a:outerShdw dist="63500" dir="2700000" algn="tl" rotWithShape="0">
-              <a:srgbClr val="33C5FF">
-                <a:alpha val="20000"/>
-              </a:srgbClr>
-            </a:outerShdw>
-          </a:effectLst>
+          <a:noFill/>
         </p:spPr>
         <p:txBody>
-          <a:bodyPr wrap="square" lIns="91424" tIns="45700" rIns="91424" bIns="45700" anchor="ctr" anchorCtr="0">
-            <a:noAutofit/>
+          <a:bodyPr wrap="square" rtlCol="0">
+            <a:spAutoFit/>
           </a:bodyPr>
           <a:lstStyle/>
           <a:p>
-            <a:pPr marL="0" marR="0" lvl="0" indent="0" algn="ctr" rtl="0">
-              <a:spcBef>
-                <a:spcPts val="0"/>
-              </a:spcBef>
-              <a:spcAft>
-                <a:spcPts val="0"/>
-              </a:spcAft>
-              <a:buClr>
-                <a:schemeClr val="lt1"/>
-              </a:buClr>
-              <a:buSzPct val="25000"/>
-              <a:buFont typeface="맑은 고딕"/>
-              <a:buNone/>
-              <a:defRPr/>
-            </a:pPr>
-            <a:endParaRPr sz="3200" b="0" i="1" u="none" strike="noStrike" cap="none">
-              <a:solidFill>
-                <a:srgbClr val="33C5FF"/>
-              </a:solidFill>
-              <a:latin typeface="Arial"/>
-              <a:ea typeface="Arial"/>
-              <a:cs typeface="Arial"/>
-              <a:sym typeface="Arial"/>
-            </a:endParaRPr>
+            <a:r>
+              <a:rPr lang="ko-KR" altLang="ko-KR" sz="3200" b="0" i="1" u="none" strike="noStrike" cap="none" dirty="0">
+                <a:solidFill>
+                  <a:srgbClr val="2E5496"/>
+                </a:solidFill>
+                <a:latin typeface="나눔스퀘어 ExtraBold"/>
+                <a:ea typeface="나눔스퀘어 ExtraBold"/>
+              </a:rPr>
+              <a:t>POI 라이브러리 </a:t>
+            </a:r>
+            <a:r>
+              <a:rPr lang="ko-KR" altLang="en-US" sz="3200" b="0" i="1" u="none" strike="noStrike" cap="none" dirty="0">
+                <a:solidFill>
+                  <a:srgbClr val="2E5496"/>
+                </a:solidFill>
+                <a:latin typeface="나눔스퀘어 ExtraBold"/>
+                <a:ea typeface="나눔스퀘어 ExtraBold"/>
+              </a:rPr>
+              <a:t>예제</a:t>
+            </a:r>
           </a:p>
         </p:txBody>
       </p:sp>
       <p:pic>
         <p:nvPicPr>
-          <p:cNvPr id="243" name="그림 242"/>
+          <p:cNvPr id="23" name="그림 22">
+            <a:extLst>
+              <a:ext uri="{FF2B5EF4-FFF2-40B4-BE49-F238E27FC236}">
+                <a16:creationId xmlns:a16="http://schemas.microsoft.com/office/drawing/2014/main" id="{FA05B987-5640-2690-490F-E4074B10AD87}"/>
+              </a:ext>
+            </a:extLst>
+          </p:cNvPr>
           <p:cNvPicPr>
             <a:picLocks noChangeAspect="1"/>
           </p:cNvPicPr>
@@ -13849,280 +15043,125 @@
         </p:nvPicPr>
         <p:blipFill rotWithShape="1">
           <a:blip r:embed="rId3"/>
+          <a:srcRect b="63704"/>
+          <a:stretch/>
+        </p:blipFill>
+        <p:spPr>
+          <a:xfrm>
+            <a:off x="2953770" y="941781"/>
+            <a:ext cx="6290141" cy="5602347"/>
+          </a:xfrm>
+          <a:prstGeom prst="rect">
+            <a:avLst/>
+          </a:prstGeom>
+        </p:spPr>
+      </p:pic>
+      <p:sp>
+        <p:nvSpPr>
+          <p:cNvPr id="21" name="직사각형 20">
+            <a:extLst>
+              <a:ext uri="{FF2B5EF4-FFF2-40B4-BE49-F238E27FC236}">
+                <a16:creationId xmlns:a16="http://schemas.microsoft.com/office/drawing/2014/main" id="{F1C2FC75-2195-FD20-4F33-9C97E6C7C82C}"/>
+              </a:ext>
+            </a:extLst>
+          </p:cNvPr>
+          <p:cNvSpPr/>
+          <p:nvPr/>
+        </p:nvSpPr>
+        <p:spPr>
+          <a:xfrm>
+            <a:off x="6686550" y="4616688"/>
+            <a:ext cx="5010150" cy="1927440"/>
+          </a:xfrm>
+          <a:prstGeom prst="rect">
+            <a:avLst/>
+          </a:prstGeom>
+          <a:solidFill>
+            <a:srgbClr val="8FDFFF"/>
+          </a:solidFill>
+          <a:ln>
+            <a:noFill/>
+          </a:ln>
+        </p:spPr>
+        <p:style>
+          <a:lnRef idx="2">
+            <a:schemeClr val="accent1">
+              <a:shade val="50000"/>
+            </a:schemeClr>
+          </a:lnRef>
+          <a:fillRef idx="1">
+            <a:schemeClr val="accent1"/>
+          </a:fillRef>
+          <a:effectRef idx="0">
+            <a:schemeClr val="accent1"/>
+          </a:effectRef>
+          <a:fontRef idx="minor">
+            <a:schemeClr val="lt1"/>
+          </a:fontRef>
+        </p:style>
+        <p:txBody>
+          <a:bodyPr rtlCol="0" anchor="ctr"/>
+          <a:lstStyle/>
+          <a:p>
+            <a:pPr algn="ctr"/>
+            <a:endParaRPr lang="ko-KR" altLang="en-US"/>
+          </a:p>
+        </p:txBody>
+      </p:sp>
+      <p:pic>
+        <p:nvPicPr>
+          <p:cNvPr id="10" name="그림 9">
+            <a:extLst>
+              <a:ext uri="{FF2B5EF4-FFF2-40B4-BE49-F238E27FC236}">
+                <a16:creationId xmlns:a16="http://schemas.microsoft.com/office/drawing/2014/main" id="{EC0E7880-3290-0714-7908-C137E600BB83}"/>
+              </a:ext>
+            </a:extLst>
+          </p:cNvPr>
+          <p:cNvPicPr>
+            <a:picLocks noChangeAspect="1"/>
+          </p:cNvPicPr>
+          <p:nvPr/>
+        </p:nvPicPr>
+        <p:blipFill>
+          <a:blip r:embed="rId4"/>
           <a:stretch>
             <a:fillRect/>
           </a:stretch>
         </p:blipFill>
         <p:spPr>
           <a:xfrm>
-            <a:off x="1263711" y="1892344"/>
-            <a:ext cx="5777849" cy="3012295"/>
+            <a:off x="6881801" y="4759778"/>
+            <a:ext cx="4584143" cy="1652591"/>
           </a:xfrm>
           <a:prstGeom prst="rect">
             <a:avLst/>
           </a:prstGeom>
         </p:spPr>
       </p:pic>
-      <p:cxnSp>
-        <p:nvCxnSpPr>
-          <p:cNvPr id="245" name="연결선: 구부러짐 244"/>
-          <p:cNvCxnSpPr>
-            <a:stCxn id="244" idx="2"/>
-            <a:endCxn id="233" idx="2"/>
-          </p:cNvCxnSpPr>
-          <p:nvPr/>
-        </p:nvCxnSpPr>
-        <p:spPr>
-          <a:xfrm rot="5400000" flipV="1">
-            <a:off x="4134557" y="5034685"/>
-            <a:ext cx="1987582" cy="1924096"/>
-          </a:xfrm>
-          <a:prstGeom prst="curvedConnector3">
-            <a:avLst>
-              <a:gd name="adj1" fmla="val 52556"/>
-            </a:avLst>
-          </a:prstGeom>
-          <a:ln w="28575">
-            <a:solidFill>
-              <a:srgbClr val="33C5FF"/>
-            </a:solidFill>
-            <a:prstDash val="dash"/>
-          </a:ln>
-        </p:spPr>
-        <p:style>
-          <a:lnRef idx="1">
-            <a:schemeClr val="accent1"/>
-          </a:lnRef>
-          <a:fillRef idx="0">
-            <a:schemeClr val="accent1"/>
-          </a:fillRef>
-          <a:effectRef idx="0">
-            <a:schemeClr val="accent1"/>
-          </a:effectRef>
-          <a:fontRef idx="minor">
-            <a:schemeClr val="tx1"/>
-          </a:fontRef>
-        </p:style>
-      </p:cxnSp>
-      <p:sp>
-        <p:nvSpPr>
-          <p:cNvPr id="246" name="Google Shape;184;p18"/>
-          <p:cNvSpPr txBox="1"/>
-          <p:nvPr/>
-        </p:nvSpPr>
-        <p:spPr>
-          <a:xfrm>
-            <a:off x="7510070" y="2682413"/>
-            <a:ext cx="6137274" cy="1495235"/>
-          </a:xfrm>
-          <a:prstGeom prst="rect">
-            <a:avLst/>
-          </a:prstGeom>
-          <a:noFill/>
-          <a:ln>
-            <a:noFill/>
-          </a:ln>
-        </p:spPr>
-        <p:txBody>
-          <a:bodyPr wrap="square" lIns="91424" tIns="91424" rIns="91424" bIns="91424" anchor="t" anchorCtr="0">
-            <a:spAutoFit/>
-          </a:bodyPr>
-          <a:lstStyle/>
-          <a:p>
-            <a:pPr marL="0" lvl="0" indent="0" algn="l" rtl="0">
-              <a:lnSpc>
-                <a:spcPct val="100000"/>
-              </a:lnSpc>
-              <a:spcBef>
-                <a:spcPts val="1200"/>
-              </a:spcBef>
-              <a:spcAft>
-                <a:spcPts val="0"/>
-              </a:spcAft>
-              <a:buNone/>
-              <a:defRPr/>
-            </a:pPr>
-            <a:r>
-              <a:rPr lang="ko-KR" b="1">
-                <a:solidFill>
-                  <a:schemeClr val="dk1"/>
-                </a:solidFill>
-                <a:latin typeface="맑은 고딕"/>
-                <a:ea typeface="맑은 고딕"/>
-                <a:cs typeface="맑은 고딕"/>
-                <a:sym typeface="맑은 고딕"/>
-              </a:rPr>
-              <a:t>1. APACHE POI </a:t>
-            </a:r>
-            <a:r>
-              <a:rPr lang="ko-KR" altLang="en-US" b="1">
-                <a:solidFill>
-                  <a:schemeClr val="dk1"/>
-                </a:solidFill>
-                <a:latin typeface="맑은 고딕"/>
-                <a:ea typeface="맑은 고딕"/>
-                <a:cs typeface="맑은 고딕"/>
-                <a:sym typeface="맑은 고딕"/>
-              </a:rPr>
-              <a:t>예제 실행 화면</a:t>
-            </a:r>
-            <a:endParaRPr lang="ko-KR" altLang="en-US">
-              <a:solidFill>
-                <a:schemeClr val="dk1"/>
-              </a:solidFill>
-              <a:latin typeface="맑은 고딕"/>
-              <a:ea typeface="맑은 고딕"/>
-              <a:cs typeface="맑은 고딕"/>
-              <a:sym typeface="맑은 고딕"/>
-            </a:endParaRPr>
-          </a:p>
-          <a:p>
-            <a:pPr marL="0" lvl="0" indent="0" algn="l" rtl="0">
-              <a:lnSpc>
-                <a:spcPct val="100000"/>
-              </a:lnSpc>
-              <a:spcBef>
-                <a:spcPts val="1200"/>
-              </a:spcBef>
-              <a:spcAft>
-                <a:spcPts val="0"/>
-              </a:spcAft>
-              <a:buNone/>
-              <a:defRPr/>
-            </a:pPr>
-            <a:r>
-              <a:rPr lang="ko-KR" altLang="en-US">
-                <a:solidFill>
-                  <a:schemeClr val="dk1"/>
-                </a:solidFill>
-                <a:latin typeface="맑은 고딕"/>
-                <a:ea typeface="맑은 고딕"/>
-                <a:cs typeface="맑은 고딕"/>
-                <a:sym typeface="맑은 고딕"/>
-              </a:rPr>
-              <a:t>프로그램을 실행하면 회원가입</a:t>
-            </a:r>
-            <a:r>
-              <a:rPr lang="en-US" altLang="ko-KR">
-                <a:solidFill>
-                  <a:schemeClr val="dk1"/>
-                </a:solidFill>
-                <a:latin typeface="맑은 고딕"/>
-                <a:ea typeface="맑은 고딕"/>
-                <a:cs typeface="맑은 고딕"/>
-                <a:sym typeface="맑은 고딕"/>
-              </a:rPr>
-              <a:t>,</a:t>
-            </a:r>
-            <a:r>
-              <a:rPr lang="ko-KR" altLang="en-US">
-                <a:solidFill>
-                  <a:schemeClr val="dk1"/>
-                </a:solidFill>
-                <a:latin typeface="맑은 고딕"/>
-                <a:ea typeface="맑은 고딕"/>
-                <a:cs typeface="맑은 고딕"/>
-                <a:sym typeface="맑은 고딕"/>
-              </a:rPr>
-              <a:t> 회원정보 조회</a:t>
-            </a:r>
-            <a:r>
-              <a:rPr lang="en-US" altLang="ko-KR">
-                <a:solidFill>
-                  <a:schemeClr val="dk1"/>
-                </a:solidFill>
-                <a:latin typeface="맑은 고딕"/>
-                <a:ea typeface="맑은 고딕"/>
-                <a:cs typeface="맑은 고딕"/>
-                <a:sym typeface="맑은 고딕"/>
-              </a:rPr>
-              <a:t>,</a:t>
-            </a:r>
-          </a:p>
-          <a:p>
-            <a:pPr marL="0" lvl="0" indent="0" algn="l" rtl="0">
-              <a:lnSpc>
-                <a:spcPct val="100000"/>
-              </a:lnSpc>
-              <a:spcBef>
-                <a:spcPts val="1200"/>
-              </a:spcBef>
-              <a:spcAft>
-                <a:spcPts val="0"/>
-              </a:spcAft>
-              <a:buNone/>
-              <a:defRPr/>
-            </a:pPr>
-            <a:r>
-              <a:rPr lang="ko-KR" altLang="en-US">
-                <a:solidFill>
-                  <a:schemeClr val="dk1"/>
-                </a:solidFill>
-                <a:latin typeface="맑은 고딕"/>
-                <a:ea typeface="맑은 고딕"/>
-                <a:cs typeface="맑은 고딕"/>
-                <a:sym typeface="맑은 고딕"/>
-              </a:rPr>
-              <a:t>프로그램 종료를 선택할 수 있다</a:t>
-            </a:r>
-            <a:r>
-              <a:rPr lang="en-US" altLang="ko-KR">
-                <a:solidFill>
-                  <a:schemeClr val="dk1"/>
-                </a:solidFill>
-                <a:latin typeface="맑은 고딕"/>
-                <a:ea typeface="맑은 고딕"/>
-                <a:cs typeface="맑은 고딕"/>
-                <a:sym typeface="맑은 고딕"/>
-              </a:rPr>
-              <a:t>.</a:t>
-            </a:r>
-          </a:p>
-          <a:p>
-            <a:pPr marL="457200" lvl="0" indent="0" algn="l" rtl="0">
-              <a:lnSpc>
-                <a:spcPct val="100000"/>
-              </a:lnSpc>
-              <a:spcBef>
-                <a:spcPts val="1200"/>
-              </a:spcBef>
-              <a:spcAft>
-                <a:spcPts val="1200"/>
-              </a:spcAft>
-              <a:buNone/>
-              <a:defRPr/>
-            </a:pPr>
-            <a:endParaRPr sz="1400" b="1">
-              <a:solidFill>
-                <a:schemeClr val="dk1"/>
-              </a:solidFill>
-              <a:latin typeface="맑은 고딕"/>
-              <a:ea typeface="맑은 고딕"/>
-              <a:cs typeface="맑은 고딕"/>
-              <a:sym typeface="맑은 고딕"/>
-            </a:endParaRPr>
-          </a:p>
-        </p:txBody>
-      </p:sp>
     </p:spTree>
+    <p:extLst>
+      <p:ext uri="{BB962C8B-B14F-4D97-AF65-F5344CB8AC3E}">
+        <p14:creationId xmlns:p14="http://schemas.microsoft.com/office/powerpoint/2010/main" val="4005733225"/>
+      </p:ext>
+    </p:extLst>
   </p:cSld>
   <p:clrMapOvr>
     <a:masterClrMapping/>
   </p:clrMapOvr>
+  <mc:AlternateContent xmlns:mc="http://schemas.openxmlformats.org/markup-compatibility/2006" xmlns:p14="http://schemas.microsoft.com/office/powerpoint/2010/main">
+    <mc:Choice Requires="p14">
+      <p:transition/>
+    </mc:Choice>
+    <mc:Fallback xmlns="" xmlns:c="http://schemas.openxmlformats.org/drawingml/2006/chart" xmlns:dgm="http://schemas.openxmlformats.org/drawingml/2006/diagram" xmlns:dsp="http://schemas.microsoft.com/office/drawing/2008/diagram">
+      <p:transition/>
+    </mc:Fallback>
+  </mc:AlternateContent>
 </p:sld>
 </file>
 
 <file path=ppt/slides/slide11.xml><?xml version="1.0" encoding="utf-8"?>
 <p:sld xmlns:a="http://schemas.openxmlformats.org/drawingml/2006/main" xmlns:r="http://schemas.openxmlformats.org/officeDocument/2006/relationships" xmlns:p="http://schemas.openxmlformats.org/presentationml/2006/main">
   <p:cSld>
-    <p:bg>
-      <p:bgPr>
-        <a:solidFill>
-          <a:srgbClr val="F2F7FA"/>
-        </a:solidFill>
-        <a:effectLst/>
-      </p:bgPr>
-    </p:bg>
     <p:spTree>
       <p:nvGrpSpPr>
         <p:cNvPr id="1" name=""/>
@@ -14137,138 +15176,515 @@
           <a:chExt cx="0" cy="0"/>
         </a:xfrm>
       </p:grpSpPr>
+      <p:grpSp>
+        <p:nvGrpSpPr>
+          <p:cNvPr id="155" name="Google Shape;155;p17"/>
+          <p:cNvGrpSpPr/>
+          <p:nvPr/>
+        </p:nvGrpSpPr>
+        <p:grpSpPr>
+          <a:xfrm>
+            <a:off x="128270" y="59682"/>
+            <a:ext cx="11924700" cy="6525300"/>
+            <a:chOff x="128270" y="139700"/>
+            <a:chExt cx="11924700" cy="6525300"/>
+          </a:xfrm>
+        </p:grpSpPr>
+        <p:sp>
+          <p:nvSpPr>
+            <p:cNvPr id="156" name="Google Shape;156;p17"/>
+            <p:cNvSpPr/>
+            <p:nvPr/>
+          </p:nvSpPr>
+          <p:spPr>
+            <a:xfrm>
+              <a:off x="128270" y="482600"/>
+              <a:ext cx="11924700" cy="6182400"/>
+            </a:xfrm>
+            <a:prstGeom prst="rect">
+              <a:avLst/>
+            </a:prstGeom>
+            <a:solidFill>
+              <a:srgbClr val="F2F7FA"/>
+            </a:solidFill>
+            <a:ln w="15875" cap="flat" cmpd="sng">
+              <a:solidFill>
+                <a:srgbClr val="33C5FF"/>
+              </a:solidFill>
+              <a:prstDash val="dash"/>
+              <a:miter/>
+              <a:headEnd w="sm" len="sm"/>
+              <a:tailEnd w="sm" len="sm"/>
+            </a:ln>
+            <a:effectLst>
+              <a:outerShdw dist="63500" dir="2700000" algn="tl" rotWithShape="0">
+                <a:srgbClr val="33C5FF">
+                  <a:alpha val="20000"/>
+                </a:srgbClr>
+              </a:outerShdw>
+            </a:effectLst>
+          </p:spPr>
+          <p:txBody>
+            <a:bodyPr wrap="square" lIns="91424" tIns="45700" rIns="91424" bIns="45700" anchor="ctr" anchorCtr="0">
+              <a:noAutofit/>
+            </a:bodyPr>
+            <a:lstStyle/>
+            <a:p>
+              <a:pPr marL="0" marR="0" lvl="0" indent="0" algn="ctr" rtl="0">
+                <a:spcBef>
+                  <a:spcPts val="0"/>
+                </a:spcBef>
+                <a:spcAft>
+                  <a:spcPts val="0"/>
+                </a:spcAft>
+                <a:buClr>
+                  <a:schemeClr val="lt1"/>
+                </a:buClr>
+                <a:buSzPct val="25000"/>
+                <a:buFont typeface="맑은 고딕"/>
+                <a:buNone/>
+                <a:defRPr/>
+              </a:pPr>
+              <a:endParaRPr sz="3200" b="0" i="1" u="none" strike="noStrike" cap="none">
+                <a:solidFill>
+                  <a:srgbClr val="33C5FF"/>
+                </a:solidFill>
+                <a:latin typeface="Arial"/>
+                <a:ea typeface="Arial"/>
+                <a:cs typeface="Arial"/>
+                <a:sym typeface="Arial"/>
+              </a:endParaRPr>
+            </a:p>
+          </p:txBody>
+        </p:sp>
+        <p:sp>
+          <p:nvSpPr>
+            <p:cNvPr id="157" name="Google Shape;157;p17"/>
+            <p:cNvSpPr/>
+            <p:nvPr/>
+          </p:nvSpPr>
+          <p:spPr>
+            <a:xfrm>
+              <a:off x="311150" y="193675"/>
+              <a:ext cx="4855200" cy="686400"/>
+            </a:xfrm>
+            <a:prstGeom prst="rect">
+              <a:avLst/>
+            </a:prstGeom>
+            <a:solidFill>
+              <a:srgbClr val="F2F7FA"/>
+            </a:solidFill>
+            <a:ln w="25400" cap="flat" cmpd="sng">
+              <a:solidFill>
+                <a:srgbClr val="33C5FF"/>
+              </a:solidFill>
+              <a:prstDash val="solid"/>
+              <a:miter/>
+              <a:headEnd w="sm" len="sm"/>
+              <a:tailEnd w="sm" len="sm"/>
+            </a:ln>
+          </p:spPr>
+          <p:txBody>
+            <a:bodyPr wrap="square" lIns="91424" tIns="45700" rIns="91424" bIns="45700" anchor="ctr" anchorCtr="0">
+              <a:noAutofit/>
+            </a:bodyPr>
+            <a:lstStyle/>
+            <a:p>
+              <a:pPr marL="0" marR="0" lvl="0" indent="0" algn="ctr" rtl="0">
+                <a:spcBef>
+                  <a:spcPts val="0"/>
+                </a:spcBef>
+                <a:spcAft>
+                  <a:spcPts val="0"/>
+                </a:spcAft>
+                <a:buClr>
+                  <a:srgbClr val="2E5496"/>
+                </a:buClr>
+                <a:buSzPct val="25000"/>
+                <a:buFont typeface="Arial"/>
+                <a:buNone/>
+                <a:defRPr/>
+              </a:pPr>
+              <a:endParaRPr lang="en-US" sz="3200" b="1" i="1" u="none" strike="noStrike" cap="none" dirty="0">
+                <a:solidFill>
+                  <a:srgbClr val="2E5496"/>
+                </a:solidFill>
+                <a:latin typeface="나눔스퀘어 ExtraBold"/>
+                <a:ea typeface="나눔스퀘어 ExtraBold"/>
+              </a:endParaRPr>
+            </a:p>
+          </p:txBody>
+        </p:sp>
+        <p:sp>
+          <p:nvSpPr>
+            <p:cNvPr id="158" name="Google Shape;158;p17"/>
+            <p:cNvSpPr/>
+            <p:nvPr/>
+          </p:nvSpPr>
+          <p:spPr>
+            <a:xfrm>
+              <a:off x="5111750" y="825500"/>
+              <a:ext cx="108000" cy="108000"/>
+            </a:xfrm>
+            <a:prstGeom prst="ellipse">
+              <a:avLst/>
+            </a:prstGeom>
+            <a:solidFill>
+              <a:srgbClr val="F2F7FA"/>
+            </a:solidFill>
+            <a:ln w="25400" cap="flat" cmpd="sng">
+              <a:solidFill>
+                <a:srgbClr val="33C5FF"/>
+              </a:solidFill>
+              <a:prstDash val="solid"/>
+              <a:miter/>
+              <a:headEnd w="sm" len="sm"/>
+              <a:tailEnd w="sm" len="sm"/>
+            </a:ln>
+          </p:spPr>
+          <p:txBody>
+            <a:bodyPr wrap="square" lIns="91424" tIns="45700" rIns="91424" bIns="45700" anchor="ctr" anchorCtr="0">
+              <a:noAutofit/>
+            </a:bodyPr>
+            <a:lstStyle/>
+            <a:p>
+              <a:pPr marL="0" marR="0" lvl="0" indent="0" algn="ctr" rtl="0">
+                <a:spcBef>
+                  <a:spcPts val="0"/>
+                </a:spcBef>
+                <a:spcAft>
+                  <a:spcPts val="0"/>
+                </a:spcAft>
+                <a:buNone/>
+                <a:defRPr/>
+              </a:pPr>
+              <a:endParaRPr sz="4000" b="0" i="1" u="none" strike="noStrike" cap="none">
+                <a:solidFill>
+                  <a:srgbClr val="33C5FF"/>
+                </a:solidFill>
+                <a:latin typeface="Arial"/>
+                <a:ea typeface="Arial"/>
+                <a:cs typeface="Arial"/>
+                <a:sym typeface="Arial"/>
+              </a:endParaRPr>
+            </a:p>
+          </p:txBody>
+        </p:sp>
+        <p:sp>
+          <p:nvSpPr>
+            <p:cNvPr id="159" name="Google Shape;159;p17"/>
+            <p:cNvSpPr/>
+            <p:nvPr/>
+          </p:nvSpPr>
+          <p:spPr>
+            <a:xfrm>
+              <a:off x="5111750" y="139700"/>
+              <a:ext cx="108000" cy="108000"/>
+            </a:xfrm>
+            <a:prstGeom prst="ellipse">
+              <a:avLst/>
+            </a:prstGeom>
+            <a:solidFill>
+              <a:srgbClr val="F2F7FA"/>
+            </a:solidFill>
+            <a:ln w="25400" cap="flat" cmpd="sng">
+              <a:solidFill>
+                <a:srgbClr val="33C5FF"/>
+              </a:solidFill>
+              <a:prstDash val="solid"/>
+              <a:miter/>
+              <a:headEnd w="sm" len="sm"/>
+              <a:tailEnd w="sm" len="sm"/>
+            </a:ln>
+          </p:spPr>
+          <p:txBody>
+            <a:bodyPr wrap="square" lIns="91424" tIns="45700" rIns="91424" bIns="45700" anchor="ctr" anchorCtr="0">
+              <a:noAutofit/>
+            </a:bodyPr>
+            <a:lstStyle/>
+            <a:p>
+              <a:pPr marL="0" marR="0" lvl="0" indent="0" algn="ctr" rtl="0">
+                <a:spcBef>
+                  <a:spcPts val="0"/>
+                </a:spcBef>
+                <a:spcAft>
+                  <a:spcPts val="0"/>
+                </a:spcAft>
+                <a:buNone/>
+                <a:defRPr/>
+              </a:pPr>
+              <a:endParaRPr sz="4000" b="0" i="1" u="none" strike="noStrike" cap="none">
+                <a:solidFill>
+                  <a:srgbClr val="33C5FF"/>
+                </a:solidFill>
+                <a:latin typeface="Arial"/>
+                <a:ea typeface="Arial"/>
+                <a:cs typeface="Arial"/>
+                <a:sym typeface="Arial"/>
+              </a:endParaRPr>
+            </a:p>
+          </p:txBody>
+        </p:sp>
+        <p:sp>
+          <p:nvSpPr>
+            <p:cNvPr id="160" name="Google Shape;160;p17"/>
+            <p:cNvSpPr/>
+            <p:nvPr/>
+          </p:nvSpPr>
+          <p:spPr>
+            <a:xfrm>
+              <a:off x="311150" y="193675"/>
+              <a:ext cx="1306513" cy="685800"/>
+            </a:xfrm>
+            <a:custGeom>
+              <a:avLst/>
+              <a:gdLst/>
+              <a:ahLst/>
+              <a:cxnLst/>
+              <a:rect l="l" t="t" r="r" b="b"/>
+              <a:pathLst>
+                <a:path w="1306513" h="685800" extrusionOk="0">
+                  <a:moveTo>
+                    <a:pt x="0" y="0"/>
+                  </a:moveTo>
+                  <a:lnTo>
+                    <a:pt x="1306513" y="0"/>
+                  </a:lnTo>
+                  <a:lnTo>
+                    <a:pt x="1058863" y="685800"/>
+                  </a:lnTo>
+                  <a:lnTo>
+                    <a:pt x="0" y="685800"/>
+                  </a:lnTo>
+                  <a:lnTo>
+                    <a:pt x="0" y="0"/>
+                  </a:lnTo>
+                  <a:close/>
+                </a:path>
+              </a:pathLst>
+            </a:custGeom>
+            <a:solidFill>
+              <a:srgbClr val="33C5FF"/>
+            </a:solidFill>
+            <a:ln w="25400" cap="flat" cmpd="sng">
+              <a:solidFill>
+                <a:srgbClr val="33C5FF"/>
+              </a:solidFill>
+              <a:prstDash val="solid"/>
+              <a:miter/>
+              <a:headEnd w="sm" len="sm"/>
+              <a:tailEnd w="sm" len="sm"/>
+            </a:ln>
+          </p:spPr>
+          <p:txBody>
+            <a:bodyPr wrap="square" lIns="91424" tIns="45700" rIns="91424" bIns="45700" anchor="ctr" anchorCtr="0">
+              <a:noAutofit/>
+            </a:bodyPr>
+            <a:lstStyle/>
+            <a:p>
+              <a:pPr marL="0" marR="0" lvl="0" indent="0" algn="ctr" rtl="0">
+                <a:spcBef>
+                  <a:spcPts val="0"/>
+                </a:spcBef>
+                <a:spcAft>
+                  <a:spcPts val="0"/>
+                </a:spcAft>
+                <a:buNone/>
+                <a:defRPr/>
+              </a:pPr>
+              <a:endParaRPr sz="3200" b="0" i="1" u="none" strike="noStrike" cap="none">
+                <a:solidFill>
+                  <a:srgbClr val="FFFFFF"/>
+                </a:solidFill>
+                <a:latin typeface="Arial"/>
+                <a:ea typeface="Arial"/>
+                <a:cs typeface="Arial"/>
+                <a:sym typeface="Arial"/>
+              </a:endParaRPr>
+            </a:p>
+          </p:txBody>
+        </p:sp>
+        <p:sp>
+          <p:nvSpPr>
+            <p:cNvPr id="161" name="Google Shape;161;p17"/>
+            <p:cNvSpPr/>
+            <p:nvPr/>
+          </p:nvSpPr>
+          <p:spPr>
+            <a:xfrm>
+              <a:off x="257175" y="825500"/>
+              <a:ext cx="108000" cy="108000"/>
+            </a:xfrm>
+            <a:prstGeom prst="ellipse">
+              <a:avLst/>
+            </a:prstGeom>
+            <a:solidFill>
+              <a:srgbClr val="F2F7FA"/>
+            </a:solidFill>
+            <a:ln w="25400" cap="flat" cmpd="sng">
+              <a:solidFill>
+                <a:srgbClr val="33C5FF"/>
+              </a:solidFill>
+              <a:prstDash val="solid"/>
+              <a:miter/>
+              <a:headEnd w="sm" len="sm"/>
+              <a:tailEnd w="sm" len="sm"/>
+            </a:ln>
+            <a:effectLst>
+              <a:outerShdw dist="25400" dir="18900000" algn="bl" rotWithShape="0">
+                <a:schemeClr val="lt1"/>
+              </a:outerShdw>
+            </a:effectLst>
+          </p:spPr>
+          <p:txBody>
+            <a:bodyPr wrap="square" lIns="91424" tIns="45700" rIns="91424" bIns="45700" anchor="ctr" anchorCtr="0">
+              <a:noAutofit/>
+            </a:bodyPr>
+            <a:lstStyle/>
+            <a:p>
+              <a:pPr marL="0" marR="0" lvl="0" indent="0" algn="ctr" rtl="0">
+                <a:spcBef>
+                  <a:spcPts val="0"/>
+                </a:spcBef>
+                <a:spcAft>
+                  <a:spcPts val="0"/>
+                </a:spcAft>
+                <a:buNone/>
+                <a:defRPr/>
+              </a:pPr>
+              <a:endParaRPr sz="4000" b="0" i="1" u="none" strike="noStrike" cap="none">
+                <a:solidFill>
+                  <a:srgbClr val="33C5FF"/>
+                </a:solidFill>
+                <a:latin typeface="Arial"/>
+                <a:ea typeface="Arial"/>
+                <a:cs typeface="Arial"/>
+                <a:sym typeface="Arial"/>
+              </a:endParaRPr>
+            </a:p>
+          </p:txBody>
+        </p:sp>
+        <p:sp>
+          <p:nvSpPr>
+            <p:cNvPr id="162" name="Google Shape;162;p17"/>
+            <p:cNvSpPr/>
+            <p:nvPr/>
+          </p:nvSpPr>
+          <p:spPr>
+            <a:xfrm>
+              <a:off x="257175" y="139700"/>
+              <a:ext cx="108000" cy="108000"/>
+            </a:xfrm>
+            <a:prstGeom prst="ellipse">
+              <a:avLst/>
+            </a:prstGeom>
+            <a:solidFill>
+              <a:srgbClr val="F2F7FA"/>
+            </a:solidFill>
+            <a:ln w="25400" cap="flat" cmpd="sng">
+              <a:solidFill>
+                <a:srgbClr val="33C5FF"/>
+              </a:solidFill>
+              <a:prstDash val="solid"/>
+              <a:miter/>
+              <a:headEnd w="sm" len="sm"/>
+              <a:tailEnd w="sm" len="sm"/>
+            </a:ln>
+            <a:effectLst>
+              <a:outerShdw dist="25400" dir="2700000" algn="tl" rotWithShape="0">
+                <a:schemeClr val="lt1"/>
+              </a:outerShdw>
+            </a:effectLst>
+          </p:spPr>
+          <p:txBody>
+            <a:bodyPr wrap="square" lIns="91424" tIns="45700" rIns="91424" bIns="45700" anchor="ctr" anchorCtr="0">
+              <a:noAutofit/>
+            </a:bodyPr>
+            <a:lstStyle/>
+            <a:p>
+              <a:pPr marL="0" marR="0" lvl="0" indent="0" algn="ctr" rtl="0">
+                <a:spcBef>
+                  <a:spcPts val="0"/>
+                </a:spcBef>
+                <a:spcAft>
+                  <a:spcPts val="0"/>
+                </a:spcAft>
+                <a:buNone/>
+                <a:defRPr/>
+              </a:pPr>
+              <a:endParaRPr sz="4000" b="0" i="1" u="none" strike="noStrike" cap="none">
+                <a:solidFill>
+                  <a:srgbClr val="33C5FF"/>
+                </a:solidFill>
+                <a:latin typeface="Arial"/>
+                <a:ea typeface="Arial"/>
+                <a:cs typeface="Arial"/>
+                <a:sym typeface="Arial"/>
+              </a:endParaRPr>
+            </a:p>
+          </p:txBody>
+        </p:sp>
+      </p:grpSp>
       <p:sp>
         <p:nvSpPr>
-          <p:cNvPr id="245" name="Google Shape;245;p23"/>
-          <p:cNvSpPr/>
+          <p:cNvPr id="8" name="TextBox 7">
+            <a:extLst>
+              <a:ext uri="{FF2B5EF4-FFF2-40B4-BE49-F238E27FC236}">
+                <a16:creationId xmlns:a16="http://schemas.microsoft.com/office/drawing/2014/main" id="{85486AC9-4D70-686B-2D8C-53E16EA96A66}"/>
+              </a:ext>
+            </a:extLst>
+          </p:cNvPr>
+          <p:cNvSpPr txBox="1"/>
           <p:nvPr/>
         </p:nvSpPr>
         <p:spPr>
-          <a:xfrm>
-            <a:off x="128492" y="-138261"/>
-            <a:ext cx="11923808" cy="7154880"/>
+          <a:xfrm flipH="1">
+            <a:off x="1423382" y="231820"/>
+            <a:ext cx="3970910" cy="584775"/>
           </a:xfrm>
           <a:prstGeom prst="rect">
             <a:avLst/>
           </a:prstGeom>
-          <a:solidFill>
-            <a:srgbClr val="F2F7FA"/>
-          </a:solidFill>
-          <a:ln w="15875" cap="flat" cmpd="sng">
-            <a:solidFill>
-              <a:srgbClr val="33C5FF"/>
-            </a:solidFill>
-            <a:prstDash val="dash"/>
-            <a:miter/>
-            <a:headEnd w="sm" len="sm"/>
-            <a:tailEnd w="sm" len="sm"/>
-          </a:ln>
-          <a:effectLst>
-            <a:outerShdw dist="63500" dir="2700000" algn="tl" rotWithShape="0">
-              <a:srgbClr val="33C5FF">
-                <a:alpha val="20000"/>
-              </a:srgbClr>
-            </a:outerShdw>
-          </a:effectLst>
+          <a:noFill/>
         </p:spPr>
         <p:txBody>
-          <a:bodyPr wrap="square" lIns="91424" tIns="45700" rIns="91424" bIns="45700" anchor="ctr" anchorCtr="0">
-            <a:noAutofit/>
+          <a:bodyPr wrap="square" rtlCol="0">
+            <a:spAutoFit/>
           </a:bodyPr>
           <a:lstStyle/>
           <a:p>
-            <a:pPr marL="0" marR="0" lvl="0" indent="0" algn="ctr" rtl="0">
-              <a:spcBef>
-                <a:spcPts val="0"/>
-              </a:spcBef>
-              <a:spcAft>
-                <a:spcPts val="0"/>
-              </a:spcAft>
-              <a:buNone/>
-              <a:defRPr/>
-            </a:pPr>
-            <a:endParaRPr sz="3200" b="0" i="1" u="none" strike="noStrike" cap="none">
-              <a:solidFill>
-                <a:srgbClr val="33C5FF"/>
-              </a:solidFill>
-              <a:latin typeface="Arial"/>
-              <a:ea typeface="Arial"/>
-              <a:cs typeface="Arial"/>
-              <a:sym typeface="Arial"/>
-            </a:endParaRPr>
-          </a:p>
-        </p:txBody>
-      </p:sp>
-      <p:sp>
-        <p:nvSpPr>
-          <p:cNvPr id="256" name="Google Shape;191;p19"/>
-          <p:cNvSpPr/>
-          <p:nvPr/>
-        </p:nvSpPr>
-        <p:spPr>
-          <a:xfrm>
-            <a:off x="988455" y="1698482"/>
-            <a:ext cx="5978394" cy="3317508"/>
-          </a:xfrm>
-          <a:prstGeom prst="rect">
-            <a:avLst/>
-          </a:prstGeom>
-          <a:solidFill>
-            <a:srgbClr val="F2F7FA"/>
-          </a:solidFill>
-          <a:ln w="15875" cap="flat" cmpd="sng">
-            <a:solidFill>
-              <a:srgbClr val="33C5FF"/>
-            </a:solidFill>
-            <a:prstDash val="dash"/>
-            <a:miter/>
-            <a:headEnd w="sm" len="sm"/>
-            <a:tailEnd w="sm" len="sm"/>
-          </a:ln>
-          <a:effectLst>
-            <a:outerShdw dist="63500" dir="2700000" algn="tl" rotWithShape="0">
-              <a:srgbClr val="33C5FF">
-                <a:alpha val="20000"/>
-              </a:srgbClr>
-            </a:outerShdw>
-          </a:effectLst>
-        </p:spPr>
-        <p:txBody>
-          <a:bodyPr wrap="square" lIns="91424" tIns="45700" rIns="91424" bIns="45700" anchor="ctr" anchorCtr="0">
-            <a:noAutofit/>
-          </a:bodyPr>
-          <a:lstStyle/>
-          <a:p>
-            <a:pPr marL="0" marR="0" lvl="0" indent="0" algn="ctr" rtl="0">
-              <a:spcBef>
-                <a:spcPts val="0"/>
-              </a:spcBef>
-              <a:spcAft>
-                <a:spcPts val="0"/>
-              </a:spcAft>
-              <a:buClr>
-                <a:schemeClr val="lt1"/>
-              </a:buClr>
-              <a:buSzPct val="25000"/>
-              <a:buFont typeface="맑은 고딕"/>
-              <a:buNone/>
-              <a:defRPr/>
-            </a:pPr>
-            <a:endParaRPr sz="3200" b="0" i="1" u="none" strike="noStrike" cap="none">
-              <a:solidFill>
-                <a:srgbClr val="33C5FF"/>
-              </a:solidFill>
-              <a:latin typeface="Arial"/>
-              <a:ea typeface="Arial"/>
-              <a:cs typeface="Arial"/>
-              <a:sym typeface="Arial"/>
-            </a:endParaRPr>
+            <a:r>
+              <a:rPr lang="ko-KR" altLang="ko-KR" sz="3200" b="0" i="1" u="none" strike="noStrike" cap="none" dirty="0">
+                <a:solidFill>
+                  <a:srgbClr val="2E5496"/>
+                </a:solidFill>
+                <a:latin typeface="나눔스퀘어 ExtraBold"/>
+                <a:ea typeface="나눔스퀘어 ExtraBold"/>
+              </a:rPr>
+              <a:t>POI 라이브러리 </a:t>
+            </a:r>
+            <a:r>
+              <a:rPr lang="ko-KR" altLang="en-US" sz="3200" b="0" i="1" u="none" strike="noStrike" cap="none" dirty="0">
+                <a:solidFill>
+                  <a:srgbClr val="2E5496"/>
+                </a:solidFill>
+                <a:latin typeface="나눔스퀘어 ExtraBold"/>
+                <a:ea typeface="나눔스퀘어 ExtraBold"/>
+              </a:rPr>
+              <a:t>예제</a:t>
+            </a:r>
           </a:p>
         </p:txBody>
       </p:sp>
       <p:pic>
         <p:nvPicPr>
-          <p:cNvPr id="254" name="그림 253"/>
+          <p:cNvPr id="9" name="그림 8">
+            <a:extLst>
+              <a:ext uri="{FF2B5EF4-FFF2-40B4-BE49-F238E27FC236}">
+                <a16:creationId xmlns:a16="http://schemas.microsoft.com/office/drawing/2014/main" id="{A66E4928-B4CD-6307-DF58-27EBB9B3CED1}"/>
+              </a:ext>
+            </a:extLst>
+          </p:cNvPr>
           <p:cNvPicPr>
             <a:picLocks noChangeAspect="1"/>
           </p:cNvPicPr>
@@ -14276,14 +15692,13 @@
         </p:nvPicPr>
         <p:blipFill rotWithShape="1">
           <a:blip r:embed="rId3"/>
-          <a:stretch>
-            <a:fillRect/>
-          </a:stretch>
+          <a:srcRect t="36455" b="30000"/>
+          <a:stretch/>
         </p:blipFill>
         <p:spPr>
           <a:xfrm>
-            <a:off x="1065925" y="1771532"/>
-            <a:ext cx="5842537" cy="3161230"/>
+            <a:off x="2677884" y="942639"/>
+            <a:ext cx="6813475" cy="5608457"/>
           </a:xfrm>
           <a:prstGeom prst="rect">
             <a:avLst/>
@@ -14292,80 +15707,71 @@
       </p:pic>
       <p:sp>
         <p:nvSpPr>
-          <p:cNvPr id="257" name="Google Shape;191;p19"/>
+          <p:cNvPr id="13" name="직사각형 12">
+            <a:extLst>
+              <a:ext uri="{FF2B5EF4-FFF2-40B4-BE49-F238E27FC236}">
+                <a16:creationId xmlns:a16="http://schemas.microsoft.com/office/drawing/2014/main" id="{A67856F9-AD3C-C96C-B1FD-D3E4AB9610E1}"/>
+              </a:ext>
+            </a:extLst>
+          </p:cNvPr>
           <p:cNvSpPr/>
           <p:nvPr/>
         </p:nvSpPr>
         <p:spPr>
           <a:xfrm>
-            <a:off x="8401488" y="2829476"/>
-            <a:ext cx="3036629" cy="2274560"/>
+            <a:off x="6870699" y="4744335"/>
+            <a:ext cx="4946651" cy="1806761"/>
           </a:xfrm>
           <a:prstGeom prst="rect">
             <a:avLst/>
           </a:prstGeom>
           <a:solidFill>
-            <a:srgbClr val="F2F7FA"/>
+            <a:srgbClr val="8FDFFF"/>
           </a:solidFill>
-          <a:ln w="15875" cap="flat" cmpd="sng">
-            <a:solidFill>
-              <a:srgbClr val="33C5FF"/>
-            </a:solidFill>
-            <a:prstDash val="dash"/>
-            <a:miter/>
-            <a:headEnd w="sm" len="sm"/>
-            <a:tailEnd w="sm" len="sm"/>
+          <a:ln>
+            <a:noFill/>
           </a:ln>
-          <a:effectLst>
-            <a:outerShdw dist="63500" dir="2700000" algn="tl" rotWithShape="0">
-              <a:srgbClr val="33C5FF">
-                <a:alpha val="20000"/>
-              </a:srgbClr>
-            </a:outerShdw>
-          </a:effectLst>
         </p:spPr>
+        <p:style>
+          <a:lnRef idx="2">
+            <a:schemeClr val="accent1">
+              <a:shade val="50000"/>
+            </a:schemeClr>
+          </a:lnRef>
+          <a:fillRef idx="1">
+            <a:schemeClr val="accent1"/>
+          </a:fillRef>
+          <a:effectRef idx="0">
+            <a:schemeClr val="accent1"/>
+          </a:effectRef>
+          <a:fontRef idx="minor">
+            <a:schemeClr val="lt1"/>
+          </a:fontRef>
+        </p:style>
         <p:txBody>
-          <a:bodyPr wrap="square" lIns="91424" tIns="45700" rIns="91424" bIns="45700" anchor="ctr" anchorCtr="0">
-            <a:noAutofit/>
-          </a:bodyPr>
+          <a:bodyPr rtlCol="0" anchor="ctr"/>
           <a:lstStyle/>
           <a:p>
-            <a:pPr marL="0" marR="0" lvl="0" indent="0" algn="ctr" rtl="0">
-              <a:spcBef>
-                <a:spcPts val="0"/>
-              </a:spcBef>
-              <a:spcAft>
-                <a:spcPts val="0"/>
-              </a:spcAft>
-              <a:buClr>
-                <a:schemeClr val="lt1"/>
-              </a:buClr>
-              <a:buSzPct val="25000"/>
-              <a:buFont typeface="맑은 고딕"/>
-              <a:buNone/>
-              <a:defRPr/>
-            </a:pPr>
-            <a:endParaRPr sz="3200" b="0" i="1" u="none" strike="noStrike" cap="none">
-              <a:solidFill>
-                <a:srgbClr val="33C5FF"/>
-              </a:solidFill>
-              <a:latin typeface="Arial"/>
-              <a:ea typeface="Arial"/>
-              <a:cs typeface="Arial"/>
-              <a:sym typeface="Arial"/>
-            </a:endParaRPr>
+            <a:pPr algn="ctr"/>
+            <a:endParaRPr lang="ko-KR" altLang="en-US"/>
           </a:p>
         </p:txBody>
       </p:sp>
       <p:pic>
         <p:nvPicPr>
-          <p:cNvPr id="255" name="그림 254"/>
+          <p:cNvPr id="11" name="그림 10">
+            <a:extLst>
+              <a:ext uri="{FF2B5EF4-FFF2-40B4-BE49-F238E27FC236}">
+                <a16:creationId xmlns:a16="http://schemas.microsoft.com/office/drawing/2014/main" id="{307D80E8-ABD2-4C93-C2AD-695246100810}"/>
+              </a:ext>
+            </a:extLst>
+          </p:cNvPr>
           <p:cNvPicPr>
             <a:picLocks noChangeAspect="1"/>
           </p:cNvPicPr>
           <p:nvPr/>
         </p:nvPicPr>
-        <p:blipFill rotWithShape="1">
+        <p:blipFill>
           <a:blip r:embed="rId4"/>
           <a:stretch>
             <a:fillRect/>
@@ -14373,436 +15779,30 @@
         </p:blipFill>
         <p:spPr>
           <a:xfrm>
-            <a:off x="8496688" y="2896513"/>
-            <a:ext cx="2869774" cy="2152331"/>
+            <a:off x="7079681" y="4984750"/>
+            <a:ext cx="4513014" cy="1302726"/>
           </a:xfrm>
           <a:prstGeom prst="rect">
             <a:avLst/>
           </a:prstGeom>
         </p:spPr>
       </p:pic>
-      <p:cxnSp>
-        <p:nvCxnSpPr>
-          <p:cNvPr id="258" name="연결선: 구부러짐 257"/>
-          <p:cNvCxnSpPr>
-            <a:stCxn id="256" idx="0"/>
-            <a:endCxn id="245" idx="0"/>
-          </p:cNvCxnSpPr>
-          <p:nvPr/>
-        </p:nvCxnSpPr>
-        <p:spPr>
-          <a:xfrm rot="5400000" flipH="1" flipV="1">
-            <a:off x="4115654" y="-276260"/>
-            <a:ext cx="1836742" cy="2112741"/>
-          </a:xfrm>
-          <a:prstGeom prst="curvedConnector3">
-            <a:avLst>
-              <a:gd name="adj1" fmla="val 48459"/>
-            </a:avLst>
-          </a:prstGeom>
-          <a:ln w="28575">
-            <a:solidFill>
-              <a:srgbClr val="33C5FF"/>
-            </a:solidFill>
-            <a:prstDash val="dash"/>
-          </a:ln>
-        </p:spPr>
-        <p:style>
-          <a:lnRef idx="1">
-            <a:schemeClr val="accent1"/>
-          </a:lnRef>
-          <a:fillRef idx="0">
-            <a:schemeClr val="accent1"/>
-          </a:fillRef>
-          <a:effectRef idx="0">
-            <a:schemeClr val="accent1"/>
-          </a:effectRef>
-          <a:fontRef idx="minor">
-            <a:schemeClr val="tx1"/>
-          </a:fontRef>
-        </p:style>
-      </p:cxnSp>
-      <p:cxnSp>
-        <p:nvCxnSpPr>
-          <p:cNvPr id="259" name="연결선: 구부러짐 258"/>
-          <p:cNvCxnSpPr>
-            <a:stCxn id="256" idx="3"/>
-            <a:endCxn id="255" idx="1"/>
-          </p:cNvCxnSpPr>
-          <p:nvPr/>
-        </p:nvCxnSpPr>
-        <p:spPr>
-          <a:xfrm>
-            <a:off x="6966849" y="3357236"/>
-            <a:ext cx="1529839" cy="615443"/>
-          </a:xfrm>
-          <a:prstGeom prst="curvedConnector3">
-            <a:avLst>
-              <a:gd name="adj1" fmla="val 50000"/>
-            </a:avLst>
-          </a:prstGeom>
-          <a:ln w="28575">
-            <a:solidFill>
-              <a:srgbClr val="33C5FF"/>
-            </a:solidFill>
-            <a:prstDash val="dash"/>
-          </a:ln>
-        </p:spPr>
-        <p:style>
-          <a:lnRef idx="1">
-            <a:schemeClr val="accent1"/>
-          </a:lnRef>
-          <a:fillRef idx="0">
-            <a:schemeClr val="accent1"/>
-          </a:fillRef>
-          <a:effectRef idx="0">
-            <a:schemeClr val="accent1"/>
-          </a:effectRef>
-          <a:fontRef idx="minor">
-            <a:schemeClr val="tx1"/>
-          </a:fontRef>
-        </p:style>
-      </p:cxnSp>
-      <p:cxnSp>
-        <p:nvCxnSpPr>
-          <p:cNvPr id="260" name="연결선: 구부러짐 259"/>
-          <p:cNvCxnSpPr>
-            <a:stCxn id="257" idx="2"/>
-            <a:endCxn id="245" idx="2"/>
-          </p:cNvCxnSpPr>
-          <p:nvPr/>
-        </p:nvCxnSpPr>
-        <p:spPr>
-          <a:xfrm rot="5400000">
-            <a:off x="7048807" y="4145628"/>
-            <a:ext cx="1912579" cy="3829401"/>
-          </a:xfrm>
-          <a:prstGeom prst="curvedConnector3">
-            <a:avLst>
-              <a:gd name="adj1" fmla="val 46411"/>
-            </a:avLst>
-          </a:prstGeom>
-          <a:ln w="28575">
-            <a:solidFill>
-              <a:srgbClr val="33C5FF"/>
-            </a:solidFill>
-            <a:prstDash val="dash"/>
-          </a:ln>
-        </p:spPr>
-        <p:style>
-          <a:lnRef idx="1">
-            <a:schemeClr val="accent1"/>
-          </a:lnRef>
-          <a:fillRef idx="0">
-            <a:schemeClr val="accent1"/>
-          </a:fillRef>
-          <a:effectRef idx="0">
-            <a:schemeClr val="accent1"/>
-          </a:effectRef>
-          <a:fontRef idx="minor">
-            <a:schemeClr val="tx1"/>
-          </a:fontRef>
-        </p:style>
-      </p:cxnSp>
-      <p:sp>
-        <p:nvSpPr>
-          <p:cNvPr id="261" name="Google Shape;184;p18"/>
-          <p:cNvSpPr txBox="1"/>
-          <p:nvPr/>
-        </p:nvSpPr>
-        <p:spPr>
-          <a:xfrm>
-            <a:off x="1636320" y="5270932"/>
-            <a:ext cx="6137274" cy="1335592"/>
-          </a:xfrm>
-          <a:prstGeom prst="rect">
-            <a:avLst/>
-          </a:prstGeom>
-          <a:noFill/>
-          <a:ln>
-            <a:noFill/>
-          </a:ln>
-        </p:spPr>
-        <p:txBody>
-          <a:bodyPr wrap="square" lIns="91424" tIns="91424" rIns="91424" bIns="91424" anchor="t" anchorCtr="0">
-            <a:spAutoFit/>
-          </a:bodyPr>
-          <a:lstStyle/>
-          <a:p>
-            <a:pPr marL="0" lvl="0" indent="0" algn="l" rtl="0">
-              <a:lnSpc>
-                <a:spcPct val="100000"/>
-              </a:lnSpc>
-              <a:spcBef>
-                <a:spcPts val="1200"/>
-              </a:spcBef>
-              <a:spcAft>
-                <a:spcPts val="0"/>
-              </a:spcAft>
-              <a:buNone/>
-              <a:defRPr/>
-            </a:pPr>
-            <a:r>
-              <a:rPr lang="en-US" altLang="ko-KR" b="1">
-                <a:solidFill>
-                  <a:schemeClr val="dk1"/>
-                </a:solidFill>
-                <a:latin typeface="맑은 고딕"/>
-                <a:ea typeface="맑은 고딕"/>
-                <a:cs typeface="맑은 고딕"/>
-                <a:sym typeface="맑은 고딕"/>
-              </a:rPr>
-              <a:t>2</a:t>
-            </a:r>
-            <a:r>
-              <a:rPr lang="ko-KR" b="1">
-                <a:solidFill>
-                  <a:schemeClr val="dk1"/>
-                </a:solidFill>
-                <a:latin typeface="맑은 고딕"/>
-                <a:ea typeface="맑은 고딕"/>
-                <a:cs typeface="맑은 고딕"/>
-                <a:sym typeface="맑은 고딕"/>
-              </a:rPr>
-              <a:t>. </a:t>
-            </a:r>
-            <a:r>
-              <a:rPr lang="ko-KR" altLang="en-US" b="1">
-                <a:solidFill>
-                  <a:schemeClr val="dk1"/>
-                </a:solidFill>
-                <a:latin typeface="맑은 고딕"/>
-                <a:ea typeface="맑은 고딕"/>
-                <a:cs typeface="맑은 고딕"/>
-                <a:sym typeface="맑은 고딕"/>
-              </a:rPr>
-              <a:t>회원 가입 화면 화면</a:t>
-            </a:r>
-          </a:p>
-          <a:p>
-            <a:pPr marL="0" lvl="0" indent="0" algn="l" rtl="0">
-              <a:lnSpc>
-                <a:spcPct val="100000"/>
-              </a:lnSpc>
-              <a:spcBef>
-                <a:spcPts val="1200"/>
-              </a:spcBef>
-              <a:spcAft>
-                <a:spcPts val="0"/>
-              </a:spcAft>
-              <a:buNone/>
-              <a:defRPr/>
-            </a:pPr>
-            <a:r>
-              <a:rPr lang="ko-KR" altLang="en-US">
-                <a:solidFill>
-                  <a:schemeClr val="dk1"/>
-                </a:solidFill>
-                <a:latin typeface="맑은 고딕"/>
-                <a:ea typeface="맑은 고딕"/>
-                <a:cs typeface="맑은 고딕"/>
-                <a:sym typeface="맑은 고딕"/>
-              </a:rPr>
-              <a:t>아이디</a:t>
-            </a:r>
-            <a:r>
-              <a:rPr lang="en-US" altLang="ko-KR">
-                <a:solidFill>
-                  <a:schemeClr val="dk1"/>
-                </a:solidFill>
-                <a:latin typeface="맑은 고딕"/>
-                <a:ea typeface="맑은 고딕"/>
-                <a:cs typeface="맑은 고딕"/>
-                <a:sym typeface="맑은 고딕"/>
-              </a:rPr>
-              <a:t>,</a:t>
-            </a:r>
-            <a:r>
-              <a:rPr lang="ko-KR" altLang="en-US">
-                <a:solidFill>
-                  <a:schemeClr val="dk1"/>
-                </a:solidFill>
-                <a:latin typeface="맑은 고딕"/>
-                <a:ea typeface="맑은 고딕"/>
-                <a:cs typeface="맑은 고딕"/>
-                <a:sym typeface="맑은 고딕"/>
-              </a:rPr>
-              <a:t> 비밀번호</a:t>
-            </a:r>
-            <a:r>
-              <a:rPr lang="en-US" altLang="ko-KR">
-                <a:solidFill>
-                  <a:schemeClr val="dk1"/>
-                </a:solidFill>
-                <a:latin typeface="맑은 고딕"/>
-                <a:ea typeface="맑은 고딕"/>
-                <a:cs typeface="맑은 고딕"/>
-                <a:sym typeface="맑은 고딕"/>
-              </a:rPr>
-              <a:t>,</a:t>
-            </a:r>
-            <a:r>
-              <a:rPr lang="ko-KR" altLang="en-US">
-                <a:solidFill>
-                  <a:schemeClr val="dk1"/>
-                </a:solidFill>
-                <a:latin typeface="맑은 고딕"/>
-                <a:ea typeface="맑은 고딕"/>
-                <a:cs typeface="맑은 고딕"/>
-                <a:sym typeface="맑은 고딕"/>
-              </a:rPr>
-              <a:t> 이름</a:t>
-            </a:r>
-            <a:r>
-              <a:rPr lang="en-US" altLang="ko-KR">
-                <a:solidFill>
-                  <a:schemeClr val="dk1"/>
-                </a:solidFill>
-                <a:latin typeface="맑은 고딕"/>
-                <a:ea typeface="맑은 고딕"/>
-                <a:cs typeface="맑은 고딕"/>
-                <a:sym typeface="맑은 고딕"/>
-              </a:rPr>
-              <a:t>,</a:t>
-            </a:r>
-            <a:r>
-              <a:rPr lang="ko-KR" altLang="en-US">
-                <a:solidFill>
-                  <a:schemeClr val="dk1"/>
-                </a:solidFill>
-                <a:latin typeface="맑은 고딕"/>
-                <a:ea typeface="맑은 고딕"/>
-                <a:cs typeface="맑은 고딕"/>
-                <a:sym typeface="맑은 고딕"/>
-              </a:rPr>
-              <a:t> 이메일</a:t>
-            </a:r>
-            <a:r>
-              <a:rPr lang="en-US" altLang="ko-KR">
-                <a:solidFill>
-                  <a:schemeClr val="dk1"/>
-                </a:solidFill>
-                <a:latin typeface="맑은 고딕"/>
-                <a:ea typeface="맑은 고딕"/>
-                <a:cs typeface="맑은 고딕"/>
-                <a:sym typeface="맑은 고딕"/>
-              </a:rPr>
-              <a:t>,</a:t>
-            </a:r>
-            <a:r>
-              <a:rPr lang="ko-KR" altLang="en-US">
-                <a:solidFill>
-                  <a:schemeClr val="dk1"/>
-                </a:solidFill>
-                <a:latin typeface="맑은 고딕"/>
-                <a:ea typeface="맑은 고딕"/>
-                <a:cs typeface="맑은 고딕"/>
-                <a:sym typeface="맑은 고딕"/>
-              </a:rPr>
-              <a:t> 전화번호를 입력하면 회원 가입이 완료되고 </a:t>
-            </a:r>
-            <a:r>
-              <a:rPr lang="en-US" altLang="ko-KR">
-                <a:solidFill>
-                  <a:schemeClr val="dk1"/>
-                </a:solidFill>
-                <a:latin typeface="맑은 고딕"/>
-                <a:ea typeface="맑은 고딕"/>
-                <a:cs typeface="맑은 고딕"/>
-                <a:sym typeface="맑은 고딕"/>
-              </a:rPr>
-              <a:t>src</a:t>
-            </a:r>
-            <a:r>
-              <a:rPr lang="ko-KR" altLang="en-US">
-                <a:solidFill>
-                  <a:schemeClr val="dk1"/>
-                </a:solidFill>
-                <a:latin typeface="맑은 고딕"/>
-                <a:ea typeface="맑은 고딕"/>
-                <a:cs typeface="맑은 고딕"/>
-                <a:sym typeface="맑은 고딕"/>
-              </a:rPr>
-              <a:t> 경로에 </a:t>
-            </a:r>
-            <a:r>
-              <a:rPr lang="en-US" altLang="ko-KR">
-                <a:solidFill>
-                  <a:schemeClr val="dk1"/>
-                </a:solidFill>
-                <a:latin typeface="맑은 고딕"/>
-                <a:ea typeface="맑은 고딕"/>
-                <a:cs typeface="맑은 고딕"/>
-                <a:sym typeface="맑은 고딕"/>
-              </a:rPr>
-              <a:t>CustomerInfo </a:t>
-            </a:r>
-            <a:r>
-              <a:rPr lang="ko-KR" altLang="en-US">
-                <a:solidFill>
-                  <a:schemeClr val="dk1"/>
-                </a:solidFill>
-                <a:latin typeface="맑은 고딕"/>
-                <a:ea typeface="맑은 고딕"/>
-                <a:cs typeface="맑은 고딕"/>
-                <a:sym typeface="맑은 고딕"/>
-              </a:rPr>
-              <a:t>엑셀 파일이 생성된다</a:t>
-            </a:r>
-            <a:r>
-              <a:rPr lang="en-US" altLang="ko-KR">
-                <a:solidFill>
-                  <a:schemeClr val="dk1"/>
-                </a:solidFill>
-                <a:latin typeface="맑은 고딕"/>
-                <a:ea typeface="맑은 고딕"/>
-                <a:cs typeface="맑은 고딕"/>
-                <a:sym typeface="맑은 고딕"/>
-              </a:rPr>
-              <a:t>.</a:t>
-            </a:r>
-          </a:p>
-          <a:p>
-            <a:pPr marL="457200" lvl="0" indent="0" algn="l" rtl="0">
-              <a:lnSpc>
-                <a:spcPct val="100000"/>
-              </a:lnSpc>
-              <a:spcBef>
-                <a:spcPts val="1200"/>
-              </a:spcBef>
-              <a:spcAft>
-                <a:spcPts val="1200"/>
-              </a:spcAft>
-              <a:buNone/>
-              <a:defRPr/>
-            </a:pPr>
-            <a:endParaRPr sz="1400" b="1">
-              <a:solidFill>
-                <a:schemeClr val="dk1"/>
-              </a:solidFill>
-              <a:latin typeface="맑은 고딕"/>
-              <a:ea typeface="맑은 고딕"/>
-              <a:cs typeface="맑은 고딕"/>
-              <a:sym typeface="맑은 고딕"/>
-            </a:endParaRPr>
-          </a:p>
-        </p:txBody>
-      </p:sp>
     </p:spTree>
+    <p:extLst>
+      <p:ext uri="{BB962C8B-B14F-4D97-AF65-F5344CB8AC3E}">
+        <p14:creationId xmlns:p14="http://schemas.microsoft.com/office/powerpoint/2010/main" val="130445905"/>
+      </p:ext>
+    </p:extLst>
   </p:cSld>
   <p:clrMapOvr>
     <a:masterClrMapping/>
   </p:clrMapOvr>
   <mc:AlternateContent xmlns:mc="http://schemas.openxmlformats.org/markup-compatibility/2006" xmlns:p14="http://schemas.microsoft.com/office/powerpoint/2010/main">
     <mc:Choice Requires="p14">
-      <p:transition spd="med">
-        <p:push dir="u"/>
-      </p:transition>
+      <p:transition/>
     </mc:Choice>
-    <mc:Fallback xmlns:dsp="http://schemas.microsoft.com/office/drawing/2008/diagram" xmlns:dgm="http://schemas.openxmlformats.org/drawingml/2006/diagram" xmlns:c="http://schemas.openxmlformats.org/drawingml/2006/chart" xmlns="">
-      <p:transition xmlns:mc="http://schemas.openxmlformats.org/markup-compatibility/2006" xmlns:hp="http://schemas.haansoft.com/office/presentation/8.0" mc:Ignorable="hp" hp:hslDur="750">
-        <p:fade/>
-      </p:transition>
+    <mc:Fallback xmlns="" xmlns:c="http://schemas.openxmlformats.org/drawingml/2006/chart" xmlns:dgm="http://schemas.openxmlformats.org/drawingml/2006/diagram" xmlns:dsp="http://schemas.microsoft.com/office/drawing/2008/diagram">
+      <p:transition/>
     </mc:Fallback>
   </mc:AlternateContent>
 </p:sld>
@@ -14811,14 +15811,6 @@
 <file path=ppt/slides/slide12.xml><?xml version="1.0" encoding="utf-8"?>
 <p:sld xmlns:a="http://schemas.openxmlformats.org/drawingml/2006/main" xmlns:r="http://schemas.openxmlformats.org/officeDocument/2006/relationships" xmlns:p="http://schemas.openxmlformats.org/presentationml/2006/main">
   <p:cSld>
-    <p:bg>
-      <p:bgPr>
-        <a:solidFill>
-          <a:srgbClr val="F2F7FA"/>
-        </a:solidFill>
-        <a:effectLst/>
-      </p:bgPr>
-    </p:bg>
     <p:spTree>
       <p:nvGrpSpPr>
         <p:cNvPr id="1" name=""/>
@@ -14833,138 +15825,515 @@
           <a:chExt cx="0" cy="0"/>
         </a:xfrm>
       </p:grpSpPr>
+      <p:grpSp>
+        <p:nvGrpSpPr>
+          <p:cNvPr id="155" name="Google Shape;155;p17"/>
+          <p:cNvGrpSpPr/>
+          <p:nvPr/>
+        </p:nvGrpSpPr>
+        <p:grpSpPr>
+          <a:xfrm>
+            <a:off x="128270" y="117261"/>
+            <a:ext cx="11924700" cy="6525300"/>
+            <a:chOff x="128270" y="139700"/>
+            <a:chExt cx="11924700" cy="6525300"/>
+          </a:xfrm>
+        </p:grpSpPr>
+        <p:sp>
+          <p:nvSpPr>
+            <p:cNvPr id="156" name="Google Shape;156;p17"/>
+            <p:cNvSpPr/>
+            <p:nvPr/>
+          </p:nvSpPr>
+          <p:spPr>
+            <a:xfrm>
+              <a:off x="128270" y="482600"/>
+              <a:ext cx="11924700" cy="6182400"/>
+            </a:xfrm>
+            <a:prstGeom prst="rect">
+              <a:avLst/>
+            </a:prstGeom>
+            <a:solidFill>
+              <a:srgbClr val="F2F7FA"/>
+            </a:solidFill>
+            <a:ln w="15875" cap="flat" cmpd="sng">
+              <a:solidFill>
+                <a:srgbClr val="33C5FF"/>
+              </a:solidFill>
+              <a:prstDash val="dash"/>
+              <a:miter/>
+              <a:headEnd w="sm" len="sm"/>
+              <a:tailEnd w="sm" len="sm"/>
+            </a:ln>
+            <a:effectLst>
+              <a:outerShdw dist="63500" dir="2700000" algn="tl" rotWithShape="0">
+                <a:srgbClr val="33C5FF">
+                  <a:alpha val="20000"/>
+                </a:srgbClr>
+              </a:outerShdw>
+            </a:effectLst>
+          </p:spPr>
+          <p:txBody>
+            <a:bodyPr wrap="square" lIns="91424" tIns="45700" rIns="91424" bIns="45700" anchor="ctr" anchorCtr="0">
+              <a:noAutofit/>
+            </a:bodyPr>
+            <a:lstStyle/>
+            <a:p>
+              <a:pPr marL="0" marR="0" lvl="0" indent="0" algn="ctr" rtl="0">
+                <a:spcBef>
+                  <a:spcPts val="0"/>
+                </a:spcBef>
+                <a:spcAft>
+                  <a:spcPts val="0"/>
+                </a:spcAft>
+                <a:buClr>
+                  <a:schemeClr val="lt1"/>
+                </a:buClr>
+                <a:buSzPct val="25000"/>
+                <a:buFont typeface="맑은 고딕"/>
+                <a:buNone/>
+                <a:defRPr/>
+              </a:pPr>
+              <a:endParaRPr sz="3200" b="0" i="1" u="none" strike="noStrike" cap="none">
+                <a:solidFill>
+                  <a:srgbClr val="33C5FF"/>
+                </a:solidFill>
+                <a:latin typeface="Arial"/>
+                <a:ea typeface="Arial"/>
+                <a:cs typeface="Arial"/>
+                <a:sym typeface="Arial"/>
+              </a:endParaRPr>
+            </a:p>
+          </p:txBody>
+        </p:sp>
+        <p:sp>
+          <p:nvSpPr>
+            <p:cNvPr id="157" name="Google Shape;157;p17"/>
+            <p:cNvSpPr/>
+            <p:nvPr/>
+          </p:nvSpPr>
+          <p:spPr>
+            <a:xfrm>
+              <a:off x="311150" y="193675"/>
+              <a:ext cx="4855200" cy="686400"/>
+            </a:xfrm>
+            <a:prstGeom prst="rect">
+              <a:avLst/>
+            </a:prstGeom>
+            <a:solidFill>
+              <a:srgbClr val="F2F7FA"/>
+            </a:solidFill>
+            <a:ln w="25400" cap="flat" cmpd="sng">
+              <a:solidFill>
+                <a:srgbClr val="33C5FF"/>
+              </a:solidFill>
+              <a:prstDash val="solid"/>
+              <a:miter/>
+              <a:headEnd w="sm" len="sm"/>
+              <a:tailEnd w="sm" len="sm"/>
+            </a:ln>
+          </p:spPr>
+          <p:txBody>
+            <a:bodyPr wrap="square" lIns="91424" tIns="45700" rIns="91424" bIns="45700" anchor="ctr" anchorCtr="0">
+              <a:noAutofit/>
+            </a:bodyPr>
+            <a:lstStyle/>
+            <a:p>
+              <a:pPr marL="0" marR="0" lvl="0" indent="0" algn="ctr" rtl="0">
+                <a:spcBef>
+                  <a:spcPts val="0"/>
+                </a:spcBef>
+                <a:spcAft>
+                  <a:spcPts val="0"/>
+                </a:spcAft>
+                <a:buClr>
+                  <a:srgbClr val="2E5496"/>
+                </a:buClr>
+                <a:buSzPct val="25000"/>
+                <a:buFont typeface="Arial"/>
+                <a:buNone/>
+                <a:defRPr/>
+              </a:pPr>
+              <a:endParaRPr lang="en-US" sz="3200" b="1" i="1" u="none" strike="noStrike" cap="none" dirty="0">
+                <a:solidFill>
+                  <a:srgbClr val="2E5496"/>
+                </a:solidFill>
+                <a:latin typeface="나눔스퀘어 ExtraBold"/>
+                <a:ea typeface="나눔스퀘어 ExtraBold"/>
+              </a:endParaRPr>
+            </a:p>
+          </p:txBody>
+        </p:sp>
+        <p:sp>
+          <p:nvSpPr>
+            <p:cNvPr id="158" name="Google Shape;158;p17"/>
+            <p:cNvSpPr/>
+            <p:nvPr/>
+          </p:nvSpPr>
+          <p:spPr>
+            <a:xfrm>
+              <a:off x="5111750" y="825500"/>
+              <a:ext cx="108000" cy="108000"/>
+            </a:xfrm>
+            <a:prstGeom prst="ellipse">
+              <a:avLst/>
+            </a:prstGeom>
+            <a:solidFill>
+              <a:srgbClr val="F2F7FA"/>
+            </a:solidFill>
+            <a:ln w="25400" cap="flat" cmpd="sng">
+              <a:solidFill>
+                <a:srgbClr val="33C5FF"/>
+              </a:solidFill>
+              <a:prstDash val="solid"/>
+              <a:miter/>
+              <a:headEnd w="sm" len="sm"/>
+              <a:tailEnd w="sm" len="sm"/>
+            </a:ln>
+          </p:spPr>
+          <p:txBody>
+            <a:bodyPr wrap="square" lIns="91424" tIns="45700" rIns="91424" bIns="45700" anchor="ctr" anchorCtr="0">
+              <a:noAutofit/>
+            </a:bodyPr>
+            <a:lstStyle/>
+            <a:p>
+              <a:pPr marL="0" marR="0" lvl="0" indent="0" algn="ctr" rtl="0">
+                <a:spcBef>
+                  <a:spcPts val="0"/>
+                </a:spcBef>
+                <a:spcAft>
+                  <a:spcPts val="0"/>
+                </a:spcAft>
+                <a:buNone/>
+                <a:defRPr/>
+              </a:pPr>
+              <a:endParaRPr sz="4000" b="0" i="1" u="none" strike="noStrike" cap="none">
+                <a:solidFill>
+                  <a:srgbClr val="33C5FF"/>
+                </a:solidFill>
+                <a:latin typeface="Arial"/>
+                <a:ea typeface="Arial"/>
+                <a:cs typeface="Arial"/>
+                <a:sym typeface="Arial"/>
+              </a:endParaRPr>
+            </a:p>
+          </p:txBody>
+        </p:sp>
+        <p:sp>
+          <p:nvSpPr>
+            <p:cNvPr id="159" name="Google Shape;159;p17"/>
+            <p:cNvSpPr/>
+            <p:nvPr/>
+          </p:nvSpPr>
+          <p:spPr>
+            <a:xfrm>
+              <a:off x="5111750" y="139700"/>
+              <a:ext cx="108000" cy="108000"/>
+            </a:xfrm>
+            <a:prstGeom prst="ellipse">
+              <a:avLst/>
+            </a:prstGeom>
+            <a:solidFill>
+              <a:srgbClr val="F2F7FA"/>
+            </a:solidFill>
+            <a:ln w="25400" cap="flat" cmpd="sng">
+              <a:solidFill>
+                <a:srgbClr val="33C5FF"/>
+              </a:solidFill>
+              <a:prstDash val="solid"/>
+              <a:miter/>
+              <a:headEnd w="sm" len="sm"/>
+              <a:tailEnd w="sm" len="sm"/>
+            </a:ln>
+          </p:spPr>
+          <p:txBody>
+            <a:bodyPr wrap="square" lIns="91424" tIns="45700" rIns="91424" bIns="45700" anchor="ctr" anchorCtr="0">
+              <a:noAutofit/>
+            </a:bodyPr>
+            <a:lstStyle/>
+            <a:p>
+              <a:pPr marL="0" marR="0" lvl="0" indent="0" algn="ctr" rtl="0">
+                <a:spcBef>
+                  <a:spcPts val="0"/>
+                </a:spcBef>
+                <a:spcAft>
+                  <a:spcPts val="0"/>
+                </a:spcAft>
+                <a:buNone/>
+                <a:defRPr/>
+              </a:pPr>
+              <a:endParaRPr sz="4000" b="0" i="1" u="none" strike="noStrike" cap="none">
+                <a:solidFill>
+                  <a:srgbClr val="33C5FF"/>
+                </a:solidFill>
+                <a:latin typeface="Arial"/>
+                <a:ea typeface="Arial"/>
+                <a:cs typeface="Arial"/>
+                <a:sym typeface="Arial"/>
+              </a:endParaRPr>
+            </a:p>
+          </p:txBody>
+        </p:sp>
+        <p:sp>
+          <p:nvSpPr>
+            <p:cNvPr id="160" name="Google Shape;160;p17"/>
+            <p:cNvSpPr/>
+            <p:nvPr/>
+          </p:nvSpPr>
+          <p:spPr>
+            <a:xfrm>
+              <a:off x="311150" y="193675"/>
+              <a:ext cx="1306513" cy="685800"/>
+            </a:xfrm>
+            <a:custGeom>
+              <a:avLst/>
+              <a:gdLst/>
+              <a:ahLst/>
+              <a:cxnLst/>
+              <a:rect l="l" t="t" r="r" b="b"/>
+              <a:pathLst>
+                <a:path w="1306513" h="685800" extrusionOk="0">
+                  <a:moveTo>
+                    <a:pt x="0" y="0"/>
+                  </a:moveTo>
+                  <a:lnTo>
+                    <a:pt x="1306513" y="0"/>
+                  </a:lnTo>
+                  <a:lnTo>
+                    <a:pt x="1058863" y="685800"/>
+                  </a:lnTo>
+                  <a:lnTo>
+                    <a:pt x="0" y="685800"/>
+                  </a:lnTo>
+                  <a:lnTo>
+                    <a:pt x="0" y="0"/>
+                  </a:lnTo>
+                  <a:close/>
+                </a:path>
+              </a:pathLst>
+            </a:custGeom>
+            <a:solidFill>
+              <a:srgbClr val="33C5FF"/>
+            </a:solidFill>
+            <a:ln w="25400" cap="flat" cmpd="sng">
+              <a:solidFill>
+                <a:srgbClr val="33C5FF"/>
+              </a:solidFill>
+              <a:prstDash val="solid"/>
+              <a:miter/>
+              <a:headEnd w="sm" len="sm"/>
+              <a:tailEnd w="sm" len="sm"/>
+            </a:ln>
+          </p:spPr>
+          <p:txBody>
+            <a:bodyPr wrap="square" lIns="91424" tIns="45700" rIns="91424" bIns="45700" anchor="ctr" anchorCtr="0">
+              <a:noAutofit/>
+            </a:bodyPr>
+            <a:lstStyle/>
+            <a:p>
+              <a:pPr marL="0" marR="0" lvl="0" indent="0" algn="ctr" rtl="0">
+                <a:spcBef>
+                  <a:spcPts val="0"/>
+                </a:spcBef>
+                <a:spcAft>
+                  <a:spcPts val="0"/>
+                </a:spcAft>
+                <a:buNone/>
+                <a:defRPr/>
+              </a:pPr>
+              <a:endParaRPr sz="3200" b="0" i="1" u="none" strike="noStrike" cap="none">
+                <a:solidFill>
+                  <a:srgbClr val="FFFFFF"/>
+                </a:solidFill>
+                <a:latin typeface="Arial"/>
+                <a:ea typeface="Arial"/>
+                <a:cs typeface="Arial"/>
+                <a:sym typeface="Arial"/>
+              </a:endParaRPr>
+            </a:p>
+          </p:txBody>
+        </p:sp>
+        <p:sp>
+          <p:nvSpPr>
+            <p:cNvPr id="161" name="Google Shape;161;p17"/>
+            <p:cNvSpPr/>
+            <p:nvPr/>
+          </p:nvSpPr>
+          <p:spPr>
+            <a:xfrm>
+              <a:off x="257175" y="825500"/>
+              <a:ext cx="108000" cy="108000"/>
+            </a:xfrm>
+            <a:prstGeom prst="ellipse">
+              <a:avLst/>
+            </a:prstGeom>
+            <a:solidFill>
+              <a:srgbClr val="F2F7FA"/>
+            </a:solidFill>
+            <a:ln w="25400" cap="flat" cmpd="sng">
+              <a:solidFill>
+                <a:srgbClr val="33C5FF"/>
+              </a:solidFill>
+              <a:prstDash val="solid"/>
+              <a:miter/>
+              <a:headEnd w="sm" len="sm"/>
+              <a:tailEnd w="sm" len="sm"/>
+            </a:ln>
+            <a:effectLst>
+              <a:outerShdw dist="25400" dir="18900000" algn="bl" rotWithShape="0">
+                <a:schemeClr val="lt1"/>
+              </a:outerShdw>
+            </a:effectLst>
+          </p:spPr>
+          <p:txBody>
+            <a:bodyPr wrap="square" lIns="91424" tIns="45700" rIns="91424" bIns="45700" anchor="ctr" anchorCtr="0">
+              <a:noAutofit/>
+            </a:bodyPr>
+            <a:lstStyle/>
+            <a:p>
+              <a:pPr marL="0" marR="0" lvl="0" indent="0" algn="ctr" rtl="0">
+                <a:spcBef>
+                  <a:spcPts val="0"/>
+                </a:spcBef>
+                <a:spcAft>
+                  <a:spcPts val="0"/>
+                </a:spcAft>
+                <a:buNone/>
+                <a:defRPr/>
+              </a:pPr>
+              <a:endParaRPr sz="4000" b="0" i="1" u="none" strike="noStrike" cap="none">
+                <a:solidFill>
+                  <a:srgbClr val="33C5FF"/>
+                </a:solidFill>
+                <a:latin typeface="Arial"/>
+                <a:ea typeface="Arial"/>
+                <a:cs typeface="Arial"/>
+                <a:sym typeface="Arial"/>
+              </a:endParaRPr>
+            </a:p>
+          </p:txBody>
+        </p:sp>
+        <p:sp>
+          <p:nvSpPr>
+            <p:cNvPr id="162" name="Google Shape;162;p17"/>
+            <p:cNvSpPr/>
+            <p:nvPr/>
+          </p:nvSpPr>
+          <p:spPr>
+            <a:xfrm>
+              <a:off x="257175" y="139700"/>
+              <a:ext cx="108000" cy="108000"/>
+            </a:xfrm>
+            <a:prstGeom prst="ellipse">
+              <a:avLst/>
+            </a:prstGeom>
+            <a:solidFill>
+              <a:srgbClr val="F2F7FA"/>
+            </a:solidFill>
+            <a:ln w="25400" cap="flat" cmpd="sng">
+              <a:solidFill>
+                <a:srgbClr val="33C5FF"/>
+              </a:solidFill>
+              <a:prstDash val="solid"/>
+              <a:miter/>
+              <a:headEnd w="sm" len="sm"/>
+              <a:tailEnd w="sm" len="sm"/>
+            </a:ln>
+            <a:effectLst>
+              <a:outerShdw dist="25400" dir="2700000" algn="tl" rotWithShape="0">
+                <a:schemeClr val="lt1"/>
+              </a:outerShdw>
+            </a:effectLst>
+          </p:spPr>
+          <p:txBody>
+            <a:bodyPr wrap="square" lIns="91424" tIns="45700" rIns="91424" bIns="45700" anchor="ctr" anchorCtr="0">
+              <a:noAutofit/>
+            </a:bodyPr>
+            <a:lstStyle/>
+            <a:p>
+              <a:pPr marL="0" marR="0" lvl="0" indent="0" algn="ctr" rtl="0">
+                <a:spcBef>
+                  <a:spcPts val="0"/>
+                </a:spcBef>
+                <a:spcAft>
+                  <a:spcPts val="0"/>
+                </a:spcAft>
+                <a:buNone/>
+                <a:defRPr/>
+              </a:pPr>
+              <a:endParaRPr sz="4000" b="0" i="1" u="none" strike="noStrike" cap="none">
+                <a:solidFill>
+                  <a:srgbClr val="33C5FF"/>
+                </a:solidFill>
+                <a:latin typeface="Arial"/>
+                <a:ea typeface="Arial"/>
+                <a:cs typeface="Arial"/>
+                <a:sym typeface="Arial"/>
+              </a:endParaRPr>
+            </a:p>
+          </p:txBody>
+        </p:sp>
+      </p:grpSp>
       <p:sp>
         <p:nvSpPr>
-          <p:cNvPr id="245" name="Google Shape;245;p23"/>
-          <p:cNvSpPr/>
+          <p:cNvPr id="5" name="TextBox 4">
+            <a:extLst>
+              <a:ext uri="{FF2B5EF4-FFF2-40B4-BE49-F238E27FC236}">
+                <a16:creationId xmlns:a16="http://schemas.microsoft.com/office/drawing/2014/main" id="{277F48DC-EC4D-E841-B33E-07664623DC54}"/>
+              </a:ext>
+            </a:extLst>
+          </p:cNvPr>
+          <p:cNvSpPr txBox="1"/>
           <p:nvPr/>
         </p:nvSpPr>
         <p:spPr>
-          <a:xfrm>
-            <a:off x="128492" y="-130679"/>
-            <a:ext cx="11923808" cy="6795004"/>
+          <a:xfrm flipH="1">
+            <a:off x="1423382" y="231820"/>
+            <a:ext cx="3970910" cy="584775"/>
           </a:xfrm>
           <a:prstGeom prst="rect">
             <a:avLst/>
           </a:prstGeom>
-          <a:solidFill>
-            <a:srgbClr val="F2F7FA"/>
-          </a:solidFill>
-          <a:ln w="15875" cap="flat" cmpd="sng">
-            <a:solidFill>
-              <a:srgbClr val="33C5FF"/>
-            </a:solidFill>
-            <a:prstDash val="dash"/>
-            <a:miter/>
-            <a:headEnd w="sm" len="sm"/>
-            <a:tailEnd w="sm" len="sm"/>
-          </a:ln>
-          <a:effectLst>
-            <a:outerShdw dist="63500" dir="2700000" algn="tl" rotWithShape="0">
-              <a:srgbClr val="33C5FF">
-                <a:alpha val="20000"/>
-              </a:srgbClr>
-            </a:outerShdw>
-          </a:effectLst>
+          <a:noFill/>
         </p:spPr>
         <p:txBody>
-          <a:bodyPr wrap="square" lIns="91424" tIns="45700" rIns="91424" bIns="45700" anchor="ctr" anchorCtr="0">
-            <a:noAutofit/>
+          <a:bodyPr wrap="square" rtlCol="0">
+            <a:spAutoFit/>
           </a:bodyPr>
           <a:lstStyle/>
           <a:p>
-            <a:pPr marL="0" marR="0" lvl="0" indent="0" algn="ctr" rtl="0">
-              <a:spcBef>
-                <a:spcPts val="0"/>
-              </a:spcBef>
-              <a:spcAft>
-                <a:spcPts val="0"/>
-              </a:spcAft>
-              <a:buNone/>
-              <a:defRPr/>
-            </a:pPr>
-            <a:endParaRPr sz="3200" b="0" i="1" u="none" strike="noStrike" cap="none">
-              <a:solidFill>
-                <a:srgbClr val="33C5FF"/>
-              </a:solidFill>
-              <a:latin typeface="Arial"/>
-              <a:ea typeface="Arial"/>
-              <a:cs typeface="Arial"/>
-              <a:sym typeface="Arial"/>
-            </a:endParaRPr>
-          </a:p>
-        </p:txBody>
-      </p:sp>
-      <p:sp>
-        <p:nvSpPr>
-          <p:cNvPr id="255" name="Google Shape;191;p19"/>
-          <p:cNvSpPr/>
-          <p:nvPr/>
-        </p:nvSpPr>
-        <p:spPr>
-          <a:xfrm>
-            <a:off x="6606392" y="2921713"/>
-            <a:ext cx="5198591" cy="1035005"/>
-          </a:xfrm>
-          <a:prstGeom prst="rect">
-            <a:avLst/>
-          </a:prstGeom>
-          <a:solidFill>
-            <a:srgbClr val="F2F7FA"/>
-          </a:solidFill>
-          <a:ln w="15875" cap="flat" cmpd="sng">
-            <a:solidFill>
-              <a:srgbClr val="33C5FF"/>
-            </a:solidFill>
-            <a:prstDash val="dash"/>
-            <a:miter/>
-            <a:headEnd w="sm" len="sm"/>
-            <a:tailEnd w="sm" len="sm"/>
-          </a:ln>
-          <a:effectLst>
-            <a:outerShdw dist="63500" dir="2700000" algn="tl" rotWithShape="0">
-              <a:srgbClr val="33C5FF">
-                <a:alpha val="20000"/>
-              </a:srgbClr>
-            </a:outerShdw>
-          </a:effectLst>
-        </p:spPr>
-        <p:txBody>
-          <a:bodyPr wrap="square" lIns="91424" tIns="45700" rIns="91424" bIns="45700" anchor="ctr" anchorCtr="0">
-            <a:noAutofit/>
-          </a:bodyPr>
-          <a:lstStyle/>
-          <a:p>
-            <a:pPr marL="0" marR="0" lvl="0" indent="0" algn="ctr" rtl="0">
-              <a:spcBef>
-                <a:spcPts val="0"/>
-              </a:spcBef>
-              <a:spcAft>
-                <a:spcPts val="0"/>
-              </a:spcAft>
-              <a:buClr>
-                <a:schemeClr val="lt1"/>
-              </a:buClr>
-              <a:buSzPct val="25000"/>
-              <a:buFont typeface="맑은 고딕"/>
-              <a:buNone/>
-              <a:defRPr/>
-            </a:pPr>
-            <a:endParaRPr sz="3200" b="0" i="1" u="none" strike="noStrike" cap="none">
-              <a:solidFill>
-                <a:srgbClr val="33C5FF"/>
-              </a:solidFill>
-              <a:latin typeface="Arial"/>
-              <a:ea typeface="Arial"/>
-              <a:cs typeface="Arial"/>
-              <a:sym typeface="Arial"/>
-            </a:endParaRPr>
+            <a:r>
+              <a:rPr lang="ko-KR" altLang="ko-KR" sz="3200" b="0" i="1" u="none" strike="noStrike" cap="none" dirty="0">
+                <a:solidFill>
+                  <a:srgbClr val="2E5496"/>
+                </a:solidFill>
+                <a:latin typeface="나눔스퀘어 ExtraBold"/>
+                <a:ea typeface="나눔스퀘어 ExtraBold"/>
+              </a:rPr>
+              <a:t>POI 라이브러리 </a:t>
+            </a:r>
+            <a:r>
+              <a:rPr lang="ko-KR" altLang="en-US" sz="3200" b="0" i="1" u="none" strike="noStrike" cap="none" dirty="0">
+                <a:solidFill>
+                  <a:srgbClr val="2E5496"/>
+                </a:solidFill>
+                <a:latin typeface="나눔스퀘어 ExtraBold"/>
+                <a:ea typeface="나눔스퀘어 ExtraBold"/>
+              </a:rPr>
+              <a:t>예제</a:t>
+            </a:r>
           </a:p>
         </p:txBody>
       </p:sp>
       <p:pic>
         <p:nvPicPr>
-          <p:cNvPr id="254" name="그림 253"/>
+          <p:cNvPr id="6" name="그림 5">
+            <a:extLst>
+              <a:ext uri="{FF2B5EF4-FFF2-40B4-BE49-F238E27FC236}">
+                <a16:creationId xmlns:a16="http://schemas.microsoft.com/office/drawing/2014/main" id="{16C46DAC-66E3-19C9-1EEB-6E55BA25BFF0}"/>
+              </a:ext>
+            </a:extLst>
+          </p:cNvPr>
           <p:cNvPicPr>
             <a:picLocks noChangeAspect="1"/>
           </p:cNvPicPr>
@@ -14972,14 +16341,609 @@
         </p:nvPicPr>
         <p:blipFill rotWithShape="1">
           <a:blip r:embed="rId3"/>
-          <a:stretch>
-            <a:fillRect/>
-          </a:stretch>
+          <a:srcRect t="69788"/>
+          <a:stretch/>
         </p:blipFill>
         <p:spPr>
           <a:xfrm>
-            <a:off x="6671631" y="2976745"/>
-            <a:ext cx="5080115" cy="904508"/>
+            <a:off x="2289525" y="931732"/>
+            <a:ext cx="7616476" cy="5646452"/>
+          </a:xfrm>
+          <a:prstGeom prst="rect">
+            <a:avLst/>
+          </a:prstGeom>
+        </p:spPr>
+      </p:pic>
+    </p:spTree>
+    <p:extLst>
+      <p:ext uri="{BB962C8B-B14F-4D97-AF65-F5344CB8AC3E}">
+        <p14:creationId xmlns:p14="http://schemas.microsoft.com/office/powerpoint/2010/main" val="2590474272"/>
+      </p:ext>
+    </p:extLst>
+  </p:cSld>
+  <p:clrMapOvr>
+    <a:masterClrMapping/>
+  </p:clrMapOvr>
+  <mc:AlternateContent xmlns:mc="http://schemas.openxmlformats.org/markup-compatibility/2006" xmlns:p14="http://schemas.microsoft.com/office/powerpoint/2010/main">
+    <mc:Choice Requires="p14">
+      <p:transition/>
+    </mc:Choice>
+    <mc:Fallback xmlns="" xmlns:c="http://schemas.openxmlformats.org/drawingml/2006/chart" xmlns:dgm="http://schemas.openxmlformats.org/drawingml/2006/diagram" xmlns:dsp="http://schemas.microsoft.com/office/drawing/2008/diagram">
+      <p:transition/>
+    </mc:Fallback>
+  </mc:AlternateContent>
+</p:sld>
+</file>
+
+<file path=ppt/slides/slide13.xml><?xml version="1.0" encoding="utf-8"?>
+<p:sld xmlns:a="http://schemas.openxmlformats.org/drawingml/2006/main" xmlns:r="http://schemas.openxmlformats.org/officeDocument/2006/relationships" xmlns:p="http://schemas.openxmlformats.org/presentationml/2006/main">
+  <p:cSld>
+    <p:spTree>
+      <p:nvGrpSpPr>
+        <p:cNvPr id="1" name=""/>
+        <p:cNvGrpSpPr/>
+        <p:nvPr/>
+      </p:nvGrpSpPr>
+      <p:grpSpPr>
+        <a:xfrm>
+          <a:off x="0" y="0"/>
+          <a:ext cx="0" cy="0"/>
+          <a:chOff x="0" y="0"/>
+          <a:chExt cx="0" cy="0"/>
+        </a:xfrm>
+      </p:grpSpPr>
+      <p:grpSp>
+        <p:nvGrpSpPr>
+          <p:cNvPr id="155" name="Google Shape;155;p17"/>
+          <p:cNvGrpSpPr/>
+          <p:nvPr/>
+        </p:nvGrpSpPr>
+        <p:grpSpPr>
+          <a:xfrm>
+            <a:off x="128270" y="104561"/>
+            <a:ext cx="11924700" cy="6525300"/>
+            <a:chOff x="128270" y="139700"/>
+            <a:chExt cx="11924700" cy="6525300"/>
+          </a:xfrm>
+        </p:grpSpPr>
+        <p:sp>
+          <p:nvSpPr>
+            <p:cNvPr id="156" name="Google Shape;156;p17"/>
+            <p:cNvSpPr/>
+            <p:nvPr/>
+          </p:nvSpPr>
+          <p:spPr>
+            <a:xfrm>
+              <a:off x="128270" y="482600"/>
+              <a:ext cx="11924700" cy="6182400"/>
+            </a:xfrm>
+            <a:prstGeom prst="rect">
+              <a:avLst/>
+            </a:prstGeom>
+            <a:solidFill>
+              <a:srgbClr val="F2F7FA"/>
+            </a:solidFill>
+            <a:ln w="15875" cap="flat" cmpd="sng">
+              <a:solidFill>
+                <a:srgbClr val="33C5FF"/>
+              </a:solidFill>
+              <a:prstDash val="dash"/>
+              <a:miter/>
+              <a:headEnd w="sm" len="sm"/>
+              <a:tailEnd w="sm" len="sm"/>
+            </a:ln>
+            <a:effectLst>
+              <a:outerShdw dist="63500" dir="2700000" algn="tl" rotWithShape="0">
+                <a:srgbClr val="33C5FF">
+                  <a:alpha val="20000"/>
+                </a:srgbClr>
+              </a:outerShdw>
+            </a:effectLst>
+          </p:spPr>
+          <p:txBody>
+            <a:bodyPr wrap="square" lIns="91424" tIns="45700" rIns="91424" bIns="45700" anchor="ctr" anchorCtr="0">
+              <a:noAutofit/>
+            </a:bodyPr>
+            <a:lstStyle/>
+            <a:p>
+              <a:pPr marL="0" marR="0" lvl="0" indent="0" algn="ctr" rtl="0">
+                <a:spcBef>
+                  <a:spcPts val="0"/>
+                </a:spcBef>
+                <a:spcAft>
+                  <a:spcPts val="0"/>
+                </a:spcAft>
+                <a:buClr>
+                  <a:schemeClr val="lt1"/>
+                </a:buClr>
+                <a:buSzPct val="25000"/>
+                <a:buFont typeface="맑은 고딕"/>
+                <a:buNone/>
+                <a:defRPr/>
+              </a:pPr>
+              <a:endParaRPr sz="3200" b="0" i="1" u="none" strike="noStrike" cap="none">
+                <a:solidFill>
+                  <a:srgbClr val="33C5FF"/>
+                </a:solidFill>
+                <a:latin typeface="Arial"/>
+                <a:ea typeface="Arial"/>
+                <a:cs typeface="Arial"/>
+                <a:sym typeface="Arial"/>
+              </a:endParaRPr>
+            </a:p>
+          </p:txBody>
+        </p:sp>
+        <p:sp>
+          <p:nvSpPr>
+            <p:cNvPr id="157" name="Google Shape;157;p17"/>
+            <p:cNvSpPr/>
+            <p:nvPr/>
+          </p:nvSpPr>
+          <p:spPr>
+            <a:xfrm>
+              <a:off x="311150" y="193675"/>
+              <a:ext cx="4855200" cy="686400"/>
+            </a:xfrm>
+            <a:prstGeom prst="rect">
+              <a:avLst/>
+            </a:prstGeom>
+            <a:solidFill>
+              <a:srgbClr val="F2F7FA"/>
+            </a:solidFill>
+            <a:ln w="25400" cap="flat" cmpd="sng">
+              <a:solidFill>
+                <a:srgbClr val="33C5FF"/>
+              </a:solidFill>
+              <a:prstDash val="solid"/>
+              <a:miter/>
+              <a:headEnd w="sm" len="sm"/>
+              <a:tailEnd w="sm" len="sm"/>
+            </a:ln>
+          </p:spPr>
+          <p:txBody>
+            <a:bodyPr wrap="square" lIns="91424" tIns="45700" rIns="91424" bIns="45700" anchor="ctr" anchorCtr="0">
+              <a:noAutofit/>
+            </a:bodyPr>
+            <a:lstStyle/>
+            <a:p>
+              <a:pPr marL="0" marR="0" lvl="0" indent="0" algn="ctr" rtl="0">
+                <a:spcBef>
+                  <a:spcPts val="0"/>
+                </a:spcBef>
+                <a:spcAft>
+                  <a:spcPts val="0"/>
+                </a:spcAft>
+                <a:buClr>
+                  <a:srgbClr val="2E5496"/>
+                </a:buClr>
+                <a:buSzPct val="25000"/>
+                <a:buFont typeface="Arial"/>
+                <a:buNone/>
+                <a:defRPr/>
+              </a:pPr>
+              <a:endParaRPr lang="en-US" sz="3200" b="1" i="1" u="none" strike="noStrike" cap="none" dirty="0">
+                <a:solidFill>
+                  <a:srgbClr val="2E5496"/>
+                </a:solidFill>
+                <a:latin typeface="나눔스퀘어 ExtraBold"/>
+                <a:ea typeface="나눔스퀘어 ExtraBold"/>
+              </a:endParaRPr>
+            </a:p>
+          </p:txBody>
+        </p:sp>
+        <p:sp>
+          <p:nvSpPr>
+            <p:cNvPr id="158" name="Google Shape;158;p17"/>
+            <p:cNvSpPr/>
+            <p:nvPr/>
+          </p:nvSpPr>
+          <p:spPr>
+            <a:xfrm>
+              <a:off x="5111750" y="825500"/>
+              <a:ext cx="108000" cy="108000"/>
+            </a:xfrm>
+            <a:prstGeom prst="ellipse">
+              <a:avLst/>
+            </a:prstGeom>
+            <a:solidFill>
+              <a:srgbClr val="F2F7FA"/>
+            </a:solidFill>
+            <a:ln w="25400" cap="flat" cmpd="sng">
+              <a:solidFill>
+                <a:srgbClr val="33C5FF"/>
+              </a:solidFill>
+              <a:prstDash val="solid"/>
+              <a:miter/>
+              <a:headEnd w="sm" len="sm"/>
+              <a:tailEnd w="sm" len="sm"/>
+            </a:ln>
+          </p:spPr>
+          <p:txBody>
+            <a:bodyPr wrap="square" lIns="91424" tIns="45700" rIns="91424" bIns="45700" anchor="ctr" anchorCtr="0">
+              <a:noAutofit/>
+            </a:bodyPr>
+            <a:lstStyle/>
+            <a:p>
+              <a:pPr marL="0" marR="0" lvl="0" indent="0" algn="ctr" rtl="0">
+                <a:spcBef>
+                  <a:spcPts val="0"/>
+                </a:spcBef>
+                <a:spcAft>
+                  <a:spcPts val="0"/>
+                </a:spcAft>
+                <a:buNone/>
+                <a:defRPr/>
+              </a:pPr>
+              <a:endParaRPr sz="4000" b="0" i="1" u="none" strike="noStrike" cap="none">
+                <a:solidFill>
+                  <a:srgbClr val="33C5FF"/>
+                </a:solidFill>
+                <a:latin typeface="Arial"/>
+                <a:ea typeface="Arial"/>
+                <a:cs typeface="Arial"/>
+                <a:sym typeface="Arial"/>
+              </a:endParaRPr>
+            </a:p>
+          </p:txBody>
+        </p:sp>
+        <p:sp>
+          <p:nvSpPr>
+            <p:cNvPr id="159" name="Google Shape;159;p17"/>
+            <p:cNvSpPr/>
+            <p:nvPr/>
+          </p:nvSpPr>
+          <p:spPr>
+            <a:xfrm>
+              <a:off x="5111750" y="139700"/>
+              <a:ext cx="108000" cy="108000"/>
+            </a:xfrm>
+            <a:prstGeom prst="ellipse">
+              <a:avLst/>
+            </a:prstGeom>
+            <a:solidFill>
+              <a:srgbClr val="F2F7FA"/>
+            </a:solidFill>
+            <a:ln w="25400" cap="flat" cmpd="sng">
+              <a:solidFill>
+                <a:srgbClr val="33C5FF"/>
+              </a:solidFill>
+              <a:prstDash val="solid"/>
+              <a:miter/>
+              <a:headEnd w="sm" len="sm"/>
+              <a:tailEnd w="sm" len="sm"/>
+            </a:ln>
+          </p:spPr>
+          <p:txBody>
+            <a:bodyPr wrap="square" lIns="91424" tIns="45700" rIns="91424" bIns="45700" anchor="ctr" anchorCtr="0">
+              <a:noAutofit/>
+            </a:bodyPr>
+            <a:lstStyle/>
+            <a:p>
+              <a:pPr marL="0" marR="0" lvl="0" indent="0" algn="ctr" rtl="0">
+                <a:spcBef>
+                  <a:spcPts val="0"/>
+                </a:spcBef>
+                <a:spcAft>
+                  <a:spcPts val="0"/>
+                </a:spcAft>
+                <a:buNone/>
+                <a:defRPr/>
+              </a:pPr>
+              <a:endParaRPr sz="4000" b="0" i="1" u="none" strike="noStrike" cap="none">
+                <a:solidFill>
+                  <a:srgbClr val="33C5FF"/>
+                </a:solidFill>
+                <a:latin typeface="Arial"/>
+                <a:ea typeface="Arial"/>
+                <a:cs typeface="Arial"/>
+                <a:sym typeface="Arial"/>
+              </a:endParaRPr>
+            </a:p>
+          </p:txBody>
+        </p:sp>
+        <p:sp>
+          <p:nvSpPr>
+            <p:cNvPr id="160" name="Google Shape;160;p17"/>
+            <p:cNvSpPr/>
+            <p:nvPr/>
+          </p:nvSpPr>
+          <p:spPr>
+            <a:xfrm>
+              <a:off x="311150" y="193675"/>
+              <a:ext cx="1306513" cy="685800"/>
+            </a:xfrm>
+            <a:custGeom>
+              <a:avLst/>
+              <a:gdLst/>
+              <a:ahLst/>
+              <a:cxnLst/>
+              <a:rect l="l" t="t" r="r" b="b"/>
+              <a:pathLst>
+                <a:path w="1306513" h="685800" extrusionOk="0">
+                  <a:moveTo>
+                    <a:pt x="0" y="0"/>
+                  </a:moveTo>
+                  <a:lnTo>
+                    <a:pt x="1306513" y="0"/>
+                  </a:lnTo>
+                  <a:lnTo>
+                    <a:pt x="1058863" y="685800"/>
+                  </a:lnTo>
+                  <a:lnTo>
+                    <a:pt x="0" y="685800"/>
+                  </a:lnTo>
+                  <a:lnTo>
+                    <a:pt x="0" y="0"/>
+                  </a:lnTo>
+                  <a:close/>
+                </a:path>
+              </a:pathLst>
+            </a:custGeom>
+            <a:solidFill>
+              <a:srgbClr val="33C5FF"/>
+            </a:solidFill>
+            <a:ln w="25400" cap="flat" cmpd="sng">
+              <a:solidFill>
+                <a:srgbClr val="33C5FF"/>
+              </a:solidFill>
+              <a:prstDash val="solid"/>
+              <a:miter/>
+              <a:headEnd w="sm" len="sm"/>
+              <a:tailEnd w="sm" len="sm"/>
+            </a:ln>
+          </p:spPr>
+          <p:txBody>
+            <a:bodyPr wrap="square" lIns="91424" tIns="45700" rIns="91424" bIns="45700" anchor="ctr" anchorCtr="0">
+              <a:noAutofit/>
+            </a:bodyPr>
+            <a:lstStyle/>
+            <a:p>
+              <a:pPr marL="0" marR="0" lvl="0" indent="0" algn="ctr" rtl="0">
+                <a:spcBef>
+                  <a:spcPts val="0"/>
+                </a:spcBef>
+                <a:spcAft>
+                  <a:spcPts val="0"/>
+                </a:spcAft>
+                <a:buNone/>
+                <a:defRPr/>
+              </a:pPr>
+              <a:endParaRPr sz="3200" b="0" i="1" u="none" strike="noStrike" cap="none">
+                <a:solidFill>
+                  <a:srgbClr val="FFFFFF"/>
+                </a:solidFill>
+                <a:latin typeface="Arial"/>
+                <a:ea typeface="Arial"/>
+                <a:cs typeface="Arial"/>
+                <a:sym typeface="Arial"/>
+              </a:endParaRPr>
+            </a:p>
+          </p:txBody>
+        </p:sp>
+        <p:sp>
+          <p:nvSpPr>
+            <p:cNvPr id="161" name="Google Shape;161;p17"/>
+            <p:cNvSpPr/>
+            <p:nvPr/>
+          </p:nvSpPr>
+          <p:spPr>
+            <a:xfrm>
+              <a:off x="257175" y="825500"/>
+              <a:ext cx="108000" cy="108000"/>
+            </a:xfrm>
+            <a:prstGeom prst="ellipse">
+              <a:avLst/>
+            </a:prstGeom>
+            <a:solidFill>
+              <a:srgbClr val="F2F7FA"/>
+            </a:solidFill>
+            <a:ln w="25400" cap="flat" cmpd="sng">
+              <a:solidFill>
+                <a:srgbClr val="33C5FF"/>
+              </a:solidFill>
+              <a:prstDash val="solid"/>
+              <a:miter/>
+              <a:headEnd w="sm" len="sm"/>
+              <a:tailEnd w="sm" len="sm"/>
+            </a:ln>
+            <a:effectLst>
+              <a:outerShdw dist="25400" dir="18900000" algn="bl" rotWithShape="0">
+                <a:schemeClr val="lt1"/>
+              </a:outerShdw>
+            </a:effectLst>
+          </p:spPr>
+          <p:txBody>
+            <a:bodyPr wrap="square" lIns="91424" tIns="45700" rIns="91424" bIns="45700" anchor="ctr" anchorCtr="0">
+              <a:noAutofit/>
+            </a:bodyPr>
+            <a:lstStyle/>
+            <a:p>
+              <a:pPr marL="0" marR="0" lvl="0" indent="0" algn="ctr" rtl="0">
+                <a:spcBef>
+                  <a:spcPts val="0"/>
+                </a:spcBef>
+                <a:spcAft>
+                  <a:spcPts val="0"/>
+                </a:spcAft>
+                <a:buNone/>
+                <a:defRPr/>
+              </a:pPr>
+              <a:endParaRPr sz="4000" b="0" i="1" u="none" strike="noStrike" cap="none">
+                <a:solidFill>
+                  <a:srgbClr val="33C5FF"/>
+                </a:solidFill>
+                <a:latin typeface="Arial"/>
+                <a:ea typeface="Arial"/>
+                <a:cs typeface="Arial"/>
+                <a:sym typeface="Arial"/>
+              </a:endParaRPr>
+            </a:p>
+          </p:txBody>
+        </p:sp>
+        <p:sp>
+          <p:nvSpPr>
+            <p:cNvPr id="162" name="Google Shape;162;p17"/>
+            <p:cNvSpPr/>
+            <p:nvPr/>
+          </p:nvSpPr>
+          <p:spPr>
+            <a:xfrm>
+              <a:off x="257175" y="139700"/>
+              <a:ext cx="108000" cy="108000"/>
+            </a:xfrm>
+            <a:prstGeom prst="ellipse">
+              <a:avLst/>
+            </a:prstGeom>
+            <a:solidFill>
+              <a:srgbClr val="F2F7FA"/>
+            </a:solidFill>
+            <a:ln w="25400" cap="flat" cmpd="sng">
+              <a:solidFill>
+                <a:srgbClr val="33C5FF"/>
+              </a:solidFill>
+              <a:prstDash val="solid"/>
+              <a:miter/>
+              <a:headEnd w="sm" len="sm"/>
+              <a:tailEnd w="sm" len="sm"/>
+            </a:ln>
+            <a:effectLst>
+              <a:outerShdw dist="25400" dir="2700000" algn="tl" rotWithShape="0">
+                <a:schemeClr val="lt1"/>
+              </a:outerShdw>
+            </a:effectLst>
+          </p:spPr>
+          <p:txBody>
+            <a:bodyPr wrap="square" lIns="91424" tIns="45700" rIns="91424" bIns="45700" anchor="ctr" anchorCtr="0">
+              <a:noAutofit/>
+            </a:bodyPr>
+            <a:lstStyle/>
+            <a:p>
+              <a:pPr marL="0" marR="0" lvl="0" indent="0" algn="ctr" rtl="0">
+                <a:spcBef>
+                  <a:spcPts val="0"/>
+                </a:spcBef>
+                <a:spcAft>
+                  <a:spcPts val="0"/>
+                </a:spcAft>
+                <a:buNone/>
+                <a:defRPr/>
+              </a:pPr>
+              <a:endParaRPr sz="4000" b="0" i="1" u="none" strike="noStrike" cap="none">
+                <a:solidFill>
+                  <a:srgbClr val="33C5FF"/>
+                </a:solidFill>
+                <a:latin typeface="Arial"/>
+                <a:ea typeface="Arial"/>
+                <a:cs typeface="Arial"/>
+                <a:sym typeface="Arial"/>
+              </a:endParaRPr>
+            </a:p>
+          </p:txBody>
+        </p:sp>
+      </p:grpSp>
+      <p:sp>
+        <p:nvSpPr>
+          <p:cNvPr id="8" name="TextBox 7">
+            <a:extLst>
+              <a:ext uri="{FF2B5EF4-FFF2-40B4-BE49-F238E27FC236}">
+                <a16:creationId xmlns:a16="http://schemas.microsoft.com/office/drawing/2014/main" id="{80A05938-8F7E-CC1D-8A8A-0F47AEEB3CF4}"/>
+              </a:ext>
+            </a:extLst>
+          </p:cNvPr>
+          <p:cNvSpPr txBox="1"/>
+          <p:nvPr/>
+        </p:nvSpPr>
+        <p:spPr>
+          <a:xfrm flipH="1">
+            <a:off x="1423382" y="231820"/>
+            <a:ext cx="3970910" cy="584775"/>
+          </a:xfrm>
+          <a:prstGeom prst="rect">
+            <a:avLst/>
+          </a:prstGeom>
+          <a:noFill/>
+        </p:spPr>
+        <p:txBody>
+          <a:bodyPr wrap="square" rtlCol="0">
+            <a:spAutoFit/>
+          </a:bodyPr>
+          <a:lstStyle/>
+          <a:p>
+            <a:r>
+              <a:rPr lang="ko-KR" altLang="ko-KR" sz="3200" b="0" i="1" u="none" strike="noStrike" cap="none" dirty="0">
+                <a:solidFill>
+                  <a:srgbClr val="2E5496"/>
+                </a:solidFill>
+                <a:latin typeface="나눔스퀘어 ExtraBold"/>
+                <a:ea typeface="나눔스퀘어 ExtraBold"/>
+              </a:rPr>
+              <a:t>POI 라이브러리 </a:t>
+            </a:r>
+            <a:r>
+              <a:rPr lang="ko-KR" altLang="en-US" sz="3200" b="0" i="1" u="none" strike="noStrike" cap="none" dirty="0">
+                <a:solidFill>
+                  <a:srgbClr val="2E5496"/>
+                </a:solidFill>
+                <a:latin typeface="나눔스퀘어 ExtraBold"/>
+                <a:ea typeface="나눔스퀘어 ExtraBold"/>
+              </a:rPr>
+              <a:t>예제</a:t>
+            </a:r>
+          </a:p>
+        </p:txBody>
+      </p:sp>
+      <p:pic>
+        <p:nvPicPr>
+          <p:cNvPr id="9" name="그림 8">
+            <a:extLst>
+              <a:ext uri="{FF2B5EF4-FFF2-40B4-BE49-F238E27FC236}">
+                <a16:creationId xmlns:a16="http://schemas.microsoft.com/office/drawing/2014/main" id="{644B5020-4C31-F287-7B76-F07ACC7C7F98}"/>
+              </a:ext>
+            </a:extLst>
+          </p:cNvPr>
+          <p:cNvPicPr>
+            <a:picLocks noChangeAspect="1"/>
+          </p:cNvPicPr>
+          <p:nvPr/>
+        </p:nvPicPr>
+        <p:blipFill rotWithShape="1">
+          <a:blip r:embed="rId3"/>
+          <a:srcRect t="40649" r="11395"/>
+          <a:stretch/>
+        </p:blipFill>
+        <p:spPr>
+          <a:xfrm>
+            <a:off x="6043160" y="2469963"/>
+            <a:ext cx="5873065" cy="4058502"/>
+          </a:xfrm>
+          <a:prstGeom prst="rect">
+            <a:avLst/>
+          </a:prstGeom>
+        </p:spPr>
+      </p:pic>
+      <p:pic>
+        <p:nvPicPr>
+          <p:cNvPr id="10" name="그림 9">
+            <a:extLst>
+              <a:ext uri="{FF2B5EF4-FFF2-40B4-BE49-F238E27FC236}">
+                <a16:creationId xmlns:a16="http://schemas.microsoft.com/office/drawing/2014/main" id="{0B4286A6-7928-BC10-9182-992DBFDC59EE}"/>
+              </a:ext>
+            </a:extLst>
+          </p:cNvPr>
+          <p:cNvPicPr>
+            <a:picLocks noChangeAspect="1"/>
+          </p:cNvPicPr>
+          <p:nvPr/>
+        </p:nvPicPr>
+        <p:blipFill rotWithShape="1">
+          <a:blip r:embed="rId3"/>
+          <a:srcRect b="59709"/>
+          <a:stretch/>
+        </p:blipFill>
+        <p:spPr>
+          <a:xfrm>
+            <a:off x="398234" y="949897"/>
+            <a:ext cx="6136682" cy="2567918"/>
           </a:xfrm>
           <a:prstGeom prst="rect">
             <a:avLst/>
@@ -14988,80 +16952,71 @@
       </p:pic>
       <p:sp>
         <p:nvSpPr>
-          <p:cNvPr id="256" name="Google Shape;191;p19"/>
+          <p:cNvPr id="14" name="직사각형 13">
+            <a:extLst>
+              <a:ext uri="{FF2B5EF4-FFF2-40B4-BE49-F238E27FC236}">
+                <a16:creationId xmlns:a16="http://schemas.microsoft.com/office/drawing/2014/main" id="{A7F030E9-9E7C-590B-8466-098B2C0D2164}"/>
+              </a:ext>
+            </a:extLst>
+          </p:cNvPr>
           <p:cNvSpPr/>
           <p:nvPr/>
         </p:nvSpPr>
         <p:spPr>
           <a:xfrm>
-            <a:off x="396723" y="1432476"/>
-            <a:ext cx="5485646" cy="1361203"/>
+            <a:off x="390575" y="4584698"/>
+            <a:ext cx="5471390" cy="1389158"/>
           </a:xfrm>
           <a:prstGeom prst="rect">
             <a:avLst/>
           </a:prstGeom>
           <a:solidFill>
-            <a:srgbClr val="F2F7FA"/>
+            <a:srgbClr val="8FDFFF"/>
           </a:solidFill>
-          <a:ln w="15875" cap="flat" cmpd="sng">
-            <a:solidFill>
-              <a:srgbClr val="33C5FF"/>
-            </a:solidFill>
-            <a:prstDash val="dash"/>
-            <a:miter/>
-            <a:headEnd w="sm" len="sm"/>
-            <a:tailEnd w="sm" len="sm"/>
+          <a:ln>
+            <a:noFill/>
           </a:ln>
-          <a:effectLst>
-            <a:outerShdw dist="63500" dir="2700000" algn="tl" rotWithShape="0">
-              <a:srgbClr val="33C5FF">
-                <a:alpha val="20000"/>
-              </a:srgbClr>
-            </a:outerShdw>
-          </a:effectLst>
         </p:spPr>
+        <p:style>
+          <a:lnRef idx="2">
+            <a:schemeClr val="accent1">
+              <a:shade val="50000"/>
+            </a:schemeClr>
+          </a:lnRef>
+          <a:fillRef idx="1">
+            <a:schemeClr val="accent1"/>
+          </a:fillRef>
+          <a:effectRef idx="0">
+            <a:schemeClr val="accent1"/>
+          </a:effectRef>
+          <a:fontRef idx="minor">
+            <a:schemeClr val="lt1"/>
+          </a:fontRef>
+        </p:style>
         <p:txBody>
-          <a:bodyPr wrap="square" lIns="91424" tIns="45700" rIns="91424" bIns="45700" anchor="ctr" anchorCtr="0">
-            <a:noAutofit/>
-          </a:bodyPr>
+          <a:bodyPr rtlCol="0" anchor="ctr"/>
           <a:lstStyle/>
           <a:p>
-            <a:pPr marL="0" marR="0" lvl="0" indent="0" algn="ctr" rtl="0">
-              <a:spcBef>
-                <a:spcPts val="0"/>
-              </a:spcBef>
-              <a:spcAft>
-                <a:spcPts val="0"/>
-              </a:spcAft>
-              <a:buClr>
-                <a:schemeClr val="lt1"/>
-              </a:buClr>
-              <a:buSzPct val="25000"/>
-              <a:buFont typeface="맑은 고딕"/>
-              <a:buNone/>
-              <a:defRPr/>
-            </a:pPr>
-            <a:endParaRPr sz="3200" b="0" i="1" u="none" strike="noStrike" cap="none">
-              <a:solidFill>
-                <a:srgbClr val="33C5FF"/>
-              </a:solidFill>
-              <a:latin typeface="Arial"/>
-              <a:ea typeface="Arial"/>
-              <a:cs typeface="Arial"/>
-              <a:sym typeface="Arial"/>
-            </a:endParaRPr>
+            <a:pPr algn="ctr"/>
+            <a:endParaRPr lang="ko-KR" altLang="en-US"/>
           </a:p>
         </p:txBody>
       </p:sp>
       <p:pic>
         <p:nvPicPr>
-          <p:cNvPr id="253" name="그림 252"/>
+          <p:cNvPr id="13" name="그림 12">
+            <a:extLst>
+              <a:ext uri="{FF2B5EF4-FFF2-40B4-BE49-F238E27FC236}">
+                <a16:creationId xmlns:a16="http://schemas.microsoft.com/office/drawing/2014/main" id="{DB438E33-66E4-9737-F271-02EB1FA13B2A}"/>
+              </a:ext>
+            </a:extLst>
+          </p:cNvPr>
           <p:cNvPicPr>
             <a:picLocks noChangeAspect="1"/>
           </p:cNvPicPr>
           <p:nvPr/>
         </p:nvPicPr>
-        <p:blipFill rotWithShape="1">
+        <p:blipFill>
           <a:blip r:embed="rId4"/>
           <a:stretch>
             <a:fillRect/>
@@ -15069,106 +17024,471 @@
         </p:blipFill>
         <p:spPr>
           <a:xfrm>
-            <a:off x="469043" y="1496912"/>
-            <a:ext cx="5363323" cy="1238422"/>
+            <a:off x="599253" y="4768848"/>
+            <a:ext cx="5037293" cy="971553"/>
           </a:xfrm>
           <a:prstGeom prst="rect">
             <a:avLst/>
           </a:prstGeom>
         </p:spPr>
       </p:pic>
-      <p:cxnSp>
-        <p:nvCxnSpPr>
-          <p:cNvPr id="257" name="연결선: 구부러짐 256"/>
-          <p:cNvCxnSpPr>
-            <a:stCxn id="255" idx="1"/>
-            <a:endCxn id="256" idx="3"/>
-          </p:cNvCxnSpPr>
+    </p:spTree>
+    <p:extLst>
+      <p:ext uri="{BB962C8B-B14F-4D97-AF65-F5344CB8AC3E}">
+        <p14:creationId xmlns:p14="http://schemas.microsoft.com/office/powerpoint/2010/main" val="325921304"/>
+      </p:ext>
+    </p:extLst>
+  </p:cSld>
+  <p:clrMapOvr>
+    <a:masterClrMapping/>
+  </p:clrMapOvr>
+  <mc:AlternateContent xmlns:mc="http://schemas.openxmlformats.org/markup-compatibility/2006" xmlns:p14="http://schemas.microsoft.com/office/powerpoint/2010/main">
+    <mc:Choice Requires="p14">
+      <p:transition/>
+    </mc:Choice>
+    <mc:Fallback xmlns="" xmlns:c="http://schemas.openxmlformats.org/drawingml/2006/chart" xmlns:dgm="http://schemas.openxmlformats.org/drawingml/2006/diagram" xmlns:dsp="http://schemas.microsoft.com/office/drawing/2008/diagram">
+      <p:transition/>
+    </mc:Fallback>
+  </mc:AlternateContent>
+</p:sld>
+</file>
+
+<file path=ppt/slides/slide14.xml><?xml version="1.0" encoding="utf-8"?>
+<p:sld xmlns:a="http://schemas.openxmlformats.org/drawingml/2006/main" xmlns:r="http://schemas.openxmlformats.org/officeDocument/2006/relationships" xmlns:p="http://schemas.openxmlformats.org/presentationml/2006/main">
+  <p:cSld>
+    <p:spTree>
+      <p:nvGrpSpPr>
+        <p:cNvPr id="1" name=""/>
+        <p:cNvGrpSpPr/>
+        <p:nvPr/>
+      </p:nvGrpSpPr>
+      <p:grpSpPr>
+        <a:xfrm>
+          <a:off x="0" y="0"/>
+          <a:ext cx="0" cy="0"/>
+          <a:chOff x="0" y="0"/>
+          <a:chExt cx="0" cy="0"/>
+        </a:xfrm>
+      </p:grpSpPr>
+      <p:grpSp>
+        <p:nvGrpSpPr>
+          <p:cNvPr id="85" name="Google Shape;85;p13"/>
+          <p:cNvGrpSpPr/>
           <p:nvPr/>
-        </p:nvCxnSpPr>
-        <p:spPr>
-          <a:xfrm flipH="1" flipV="1">
-            <a:off x="5882370" y="2113078"/>
-            <a:ext cx="724022" cy="1326138"/>
+        </p:nvGrpSpPr>
+        <p:grpSpPr>
+          <a:xfrm>
+            <a:off x="3124926" y="2773770"/>
+            <a:ext cx="5913755" cy="946150"/>
+            <a:chOff x="3139440" y="2483485"/>
+            <a:chExt cx="5913755" cy="946150"/>
           </a:xfrm>
-          <a:prstGeom prst="curvedConnector3">
-            <a:avLst>
-              <a:gd name="adj1" fmla="val 50000"/>
-            </a:avLst>
-          </a:prstGeom>
-          <a:ln w="28575">
+        </p:grpSpPr>
+        <p:sp>
+          <p:nvSpPr>
+            <p:cNvPr id="86" name="Google Shape;86;p13"/>
+            <p:cNvSpPr/>
+            <p:nvPr/>
+          </p:nvSpPr>
+          <p:spPr>
+            <a:xfrm>
+              <a:off x="3204210" y="2547620"/>
+              <a:ext cx="5784850" cy="817880"/>
+            </a:xfrm>
+            <a:prstGeom prst="rect">
+              <a:avLst/>
+            </a:prstGeom>
+            <a:solidFill>
+              <a:srgbClr val="F2F7FA"/>
+            </a:solidFill>
+            <a:ln w="25400" cap="flat" cmpd="sng">
+              <a:solidFill>
+                <a:srgbClr val="33C5FF"/>
+              </a:solidFill>
+              <a:prstDash val="solid"/>
+              <a:miter/>
+              <a:headEnd w="sm" len="sm"/>
+              <a:tailEnd w="sm" len="sm"/>
+            </a:ln>
+          </p:spPr>
+          <p:txBody>
+            <a:bodyPr wrap="square" lIns="91424" tIns="45700" rIns="91424" bIns="45700" anchor="ctr" anchorCtr="0">
+              <a:noAutofit/>
+            </a:bodyPr>
+            <a:lstStyle/>
+            <a:p>
+              <a:pPr marL="0" marR="0" lvl="0" indent="0" algn="ctr" rtl="0">
+                <a:spcBef>
+                  <a:spcPts val="0"/>
+                </a:spcBef>
+                <a:spcAft>
+                  <a:spcPts val="0"/>
+                </a:spcAft>
+                <a:buClr>
+                  <a:schemeClr val="lt1"/>
+                </a:buClr>
+                <a:buSzPct val="25000"/>
+                <a:buFont typeface="맑은 고딕"/>
+                <a:buNone/>
+                <a:defRPr/>
+              </a:pPr>
+              <a:endParaRPr sz="4000" b="0" i="1" u="none" strike="noStrike" cap="none">
+                <a:solidFill>
+                  <a:srgbClr val="33C5FF"/>
+                </a:solidFill>
+                <a:latin typeface="Arial"/>
+                <a:ea typeface="Arial"/>
+                <a:cs typeface="Arial"/>
+                <a:sym typeface="Arial"/>
+              </a:endParaRPr>
+            </a:p>
+          </p:txBody>
+        </p:sp>
+        <p:sp>
+          <p:nvSpPr>
+            <p:cNvPr id="87" name="Google Shape;87;p13"/>
+            <p:cNvSpPr/>
+            <p:nvPr/>
+          </p:nvSpPr>
+          <p:spPr>
+            <a:xfrm>
+              <a:off x="8923655" y="3300095"/>
+              <a:ext cx="129540" cy="129540"/>
+            </a:xfrm>
+            <a:prstGeom prst="ellipse">
+              <a:avLst/>
+            </a:prstGeom>
+            <a:solidFill>
+              <a:srgbClr val="F2F7FA"/>
+            </a:solidFill>
+            <a:ln w="25400" cap="flat" cmpd="sng">
+              <a:solidFill>
+                <a:srgbClr val="33C5FF"/>
+              </a:solidFill>
+              <a:prstDash val="solid"/>
+              <a:miter/>
+              <a:headEnd w="sm" len="sm"/>
+              <a:tailEnd w="sm" len="sm"/>
+            </a:ln>
+          </p:spPr>
+          <p:txBody>
+            <a:bodyPr wrap="square" lIns="91424" tIns="45700" rIns="91424" bIns="45700" anchor="ctr" anchorCtr="0">
+              <a:noAutofit/>
+            </a:bodyPr>
+            <a:lstStyle/>
+            <a:p>
+              <a:pPr marL="0" marR="0" lvl="0" indent="0" algn="ctr" rtl="0">
+                <a:spcBef>
+                  <a:spcPts val="0"/>
+                </a:spcBef>
+                <a:spcAft>
+                  <a:spcPts val="0"/>
+                </a:spcAft>
+                <a:buClr>
+                  <a:schemeClr val="lt1"/>
+                </a:buClr>
+                <a:buSzPct val="25000"/>
+                <a:buFont typeface="맑은 고딕"/>
+                <a:buNone/>
+                <a:defRPr/>
+              </a:pPr>
+              <a:endParaRPr sz="4800" b="0" i="1" u="none" strike="noStrike" cap="none">
+                <a:solidFill>
+                  <a:srgbClr val="33C5FF"/>
+                </a:solidFill>
+                <a:latin typeface="Arial"/>
+                <a:ea typeface="Arial"/>
+                <a:cs typeface="Arial"/>
+                <a:sym typeface="Arial"/>
+              </a:endParaRPr>
+            </a:p>
+          </p:txBody>
+        </p:sp>
+        <p:sp>
+          <p:nvSpPr>
+            <p:cNvPr id="88" name="Google Shape;88;p13"/>
+            <p:cNvSpPr/>
+            <p:nvPr/>
+          </p:nvSpPr>
+          <p:spPr>
+            <a:xfrm>
+              <a:off x="8923655" y="2483485"/>
+              <a:ext cx="129540" cy="129540"/>
+            </a:xfrm>
+            <a:prstGeom prst="ellipse">
+              <a:avLst/>
+            </a:prstGeom>
+            <a:solidFill>
+              <a:srgbClr val="F2F7FA"/>
+            </a:solidFill>
+            <a:ln w="25400" cap="flat" cmpd="sng">
+              <a:solidFill>
+                <a:srgbClr val="33C5FF"/>
+              </a:solidFill>
+              <a:prstDash val="solid"/>
+              <a:miter/>
+              <a:headEnd w="sm" len="sm"/>
+              <a:tailEnd w="sm" len="sm"/>
+            </a:ln>
+          </p:spPr>
+          <p:txBody>
+            <a:bodyPr wrap="square" lIns="91424" tIns="45700" rIns="91424" bIns="45700" anchor="ctr" anchorCtr="0">
+              <a:noAutofit/>
+            </a:bodyPr>
+            <a:lstStyle/>
+            <a:p>
+              <a:pPr marL="0" marR="0" lvl="0" indent="0" algn="ctr" rtl="0">
+                <a:spcBef>
+                  <a:spcPts val="0"/>
+                </a:spcBef>
+                <a:spcAft>
+                  <a:spcPts val="0"/>
+                </a:spcAft>
+                <a:buClr>
+                  <a:schemeClr val="lt1"/>
+                </a:buClr>
+                <a:buSzPct val="25000"/>
+                <a:buFont typeface="맑은 고딕"/>
+                <a:buNone/>
+                <a:defRPr/>
+              </a:pPr>
+              <a:endParaRPr sz="4800" b="0" i="1" u="none" strike="noStrike" cap="none">
+                <a:solidFill>
+                  <a:srgbClr val="33C5FF"/>
+                </a:solidFill>
+                <a:latin typeface="Arial"/>
+                <a:ea typeface="Arial"/>
+                <a:cs typeface="Arial"/>
+                <a:sym typeface="Arial"/>
+              </a:endParaRPr>
+            </a:p>
+          </p:txBody>
+        </p:sp>
+        <p:sp>
+          <p:nvSpPr>
+            <p:cNvPr id="89" name="Google Shape;89;p13"/>
+            <p:cNvSpPr/>
+            <p:nvPr/>
+          </p:nvSpPr>
+          <p:spPr>
+            <a:xfrm>
+              <a:off x="3204210" y="2547620"/>
+              <a:ext cx="768350" cy="817880"/>
+            </a:xfrm>
+            <a:custGeom>
+              <a:avLst/>
+              <a:gdLst/>
+              <a:ahLst/>
+              <a:cxnLst/>
+              <a:rect l="l" t="t" r="r" b="b"/>
+              <a:pathLst>
+                <a:path w="1306514" h="685801" extrusionOk="0">
+                  <a:moveTo>
+                    <a:pt x="0" y="0"/>
+                  </a:moveTo>
+                  <a:lnTo>
+                    <a:pt x="1306513" y="0"/>
+                  </a:lnTo>
+                  <a:lnTo>
+                    <a:pt x="1058863" y="685800"/>
+                  </a:lnTo>
+                  <a:lnTo>
+                    <a:pt x="0" y="685800"/>
+                  </a:lnTo>
+                  <a:lnTo>
+                    <a:pt x="0" y="0"/>
+                  </a:lnTo>
+                  <a:close/>
+                </a:path>
+              </a:pathLst>
+            </a:custGeom>
             <a:solidFill>
               <a:srgbClr val="33C5FF"/>
             </a:solidFill>
-            <a:prstDash val="dash"/>
-          </a:ln>
-        </p:spPr>
-        <p:style>
-          <a:lnRef idx="1">
-            <a:schemeClr val="accent1"/>
-          </a:lnRef>
-          <a:fillRef idx="0">
-            <a:schemeClr val="accent1"/>
-          </a:fillRef>
-          <a:effectRef idx="0">
-            <a:schemeClr val="accent1"/>
-          </a:effectRef>
-          <a:fontRef idx="minor">
-            <a:schemeClr val="tx1"/>
-          </a:fontRef>
-        </p:style>
-      </p:cxnSp>
-      <p:cxnSp>
-        <p:nvCxnSpPr>
-          <p:cNvPr id="258" name="연결선: 구부러짐 257"/>
-          <p:cNvCxnSpPr>
-            <a:stCxn id="245" idx="0"/>
-            <a:endCxn id="254" idx="0"/>
-          </p:cNvCxnSpPr>
-          <p:nvPr/>
-        </p:nvCxnSpPr>
-        <p:spPr>
-          <a:xfrm rot="5400000" flipV="1">
-            <a:off x="6097330" y="-137613"/>
-            <a:ext cx="3107425" cy="3121293"/>
-          </a:xfrm>
-          <a:prstGeom prst="curvedConnector3">
-            <a:avLst>
-              <a:gd name="adj1" fmla="val 52558"/>
-            </a:avLst>
-          </a:prstGeom>
-          <a:ln w="28575">
+            <a:ln w="25400" cap="flat" cmpd="sng">
+              <a:solidFill>
+                <a:srgbClr val="33C5FF"/>
+              </a:solidFill>
+              <a:prstDash val="solid"/>
+              <a:miter/>
+              <a:headEnd w="sm" len="sm"/>
+              <a:tailEnd w="sm" len="sm"/>
+            </a:ln>
+          </p:spPr>
+          <p:txBody>
+            <a:bodyPr wrap="square" lIns="91424" tIns="45700" rIns="91424" bIns="45700" anchor="ctr" anchorCtr="0">
+              <a:noAutofit/>
+            </a:bodyPr>
+            <a:lstStyle/>
+            <a:p>
+              <a:pPr marL="0" marR="0" lvl="0" indent="0" algn="ctr" rtl="0">
+                <a:spcBef>
+                  <a:spcPts val="0"/>
+                </a:spcBef>
+                <a:spcAft>
+                  <a:spcPts val="0"/>
+                </a:spcAft>
+                <a:buClr>
+                  <a:schemeClr val="lt1"/>
+                </a:buClr>
+                <a:buSzPct val="25000"/>
+                <a:buFont typeface="맑은 고딕"/>
+                <a:buNone/>
+                <a:defRPr/>
+              </a:pPr>
+              <a:endParaRPr sz="4000" b="0" i="1" u="none" strike="noStrike" cap="none">
+                <a:solidFill>
+                  <a:srgbClr val="FFFFFF"/>
+                </a:solidFill>
+                <a:latin typeface="Arial"/>
+                <a:ea typeface="Arial"/>
+                <a:cs typeface="Arial"/>
+                <a:sym typeface="Arial"/>
+              </a:endParaRPr>
+            </a:p>
+          </p:txBody>
+        </p:sp>
+        <p:sp>
+          <p:nvSpPr>
+            <p:cNvPr id="90" name="Google Shape;90;p13"/>
+            <p:cNvSpPr/>
+            <p:nvPr/>
+          </p:nvSpPr>
+          <p:spPr>
+            <a:xfrm>
+              <a:off x="3139440" y="3300095"/>
+              <a:ext cx="129540" cy="129540"/>
+            </a:xfrm>
+            <a:prstGeom prst="ellipse">
+              <a:avLst/>
+            </a:prstGeom>
             <a:solidFill>
-              <a:srgbClr val="33C5FF"/>
+              <a:srgbClr val="F2F7FA"/>
             </a:solidFill>
-            <a:prstDash val="dash"/>
-          </a:ln>
-        </p:spPr>
-        <p:style>
-          <a:lnRef idx="1">
-            <a:schemeClr val="accent1"/>
-          </a:lnRef>
-          <a:fillRef idx="0">
-            <a:schemeClr val="accent1"/>
-          </a:fillRef>
-          <a:effectRef idx="0">
-            <a:schemeClr val="accent1"/>
-          </a:effectRef>
-          <a:fontRef idx="minor">
-            <a:schemeClr val="tx1"/>
-          </a:fontRef>
-        </p:style>
-      </p:cxnSp>
+            <a:ln w="25400" cap="flat" cmpd="sng">
+              <a:solidFill>
+                <a:srgbClr val="33C5FF"/>
+              </a:solidFill>
+              <a:prstDash val="solid"/>
+              <a:miter/>
+              <a:headEnd w="sm" len="sm"/>
+              <a:tailEnd w="sm" len="sm"/>
+            </a:ln>
+            <a:effectLst>
+              <a:outerShdw dist="25400" dir="18900000" algn="bl" rotWithShape="0">
+                <a:schemeClr val="lt1"/>
+              </a:outerShdw>
+            </a:effectLst>
+          </p:spPr>
+          <p:txBody>
+            <a:bodyPr wrap="square" lIns="91424" tIns="45700" rIns="91424" bIns="45700" anchor="ctr" anchorCtr="0">
+              <a:noAutofit/>
+            </a:bodyPr>
+            <a:lstStyle/>
+            <a:p>
+              <a:pPr marL="0" marR="0" lvl="0" indent="0" algn="ctr" rtl="0">
+                <a:spcBef>
+                  <a:spcPts val="0"/>
+                </a:spcBef>
+                <a:spcAft>
+                  <a:spcPts val="0"/>
+                </a:spcAft>
+                <a:buClr>
+                  <a:schemeClr val="lt1"/>
+                </a:buClr>
+                <a:buSzPct val="25000"/>
+                <a:buFont typeface="맑은 고딕"/>
+                <a:buNone/>
+                <a:defRPr/>
+              </a:pPr>
+              <a:endParaRPr sz="4800" b="0" i="1" u="none" strike="noStrike" cap="none">
+                <a:solidFill>
+                  <a:srgbClr val="33C5FF"/>
+                </a:solidFill>
+                <a:latin typeface="Arial"/>
+                <a:ea typeface="Arial"/>
+                <a:cs typeface="Arial"/>
+                <a:sym typeface="Arial"/>
+              </a:endParaRPr>
+            </a:p>
+          </p:txBody>
+        </p:sp>
+        <p:sp>
+          <p:nvSpPr>
+            <p:cNvPr id="91" name="Google Shape;91;p13"/>
+            <p:cNvSpPr/>
+            <p:nvPr/>
+          </p:nvSpPr>
+          <p:spPr>
+            <a:xfrm>
+              <a:off x="3139440" y="2483485"/>
+              <a:ext cx="129540" cy="129540"/>
+            </a:xfrm>
+            <a:prstGeom prst="ellipse">
+              <a:avLst/>
+            </a:prstGeom>
+            <a:solidFill>
+              <a:srgbClr val="F2F7FA"/>
+            </a:solidFill>
+            <a:ln w="25400" cap="flat" cmpd="sng">
+              <a:solidFill>
+                <a:srgbClr val="33C5FF"/>
+              </a:solidFill>
+              <a:prstDash val="solid"/>
+              <a:miter/>
+              <a:headEnd w="sm" len="sm"/>
+              <a:tailEnd w="sm" len="sm"/>
+            </a:ln>
+            <a:effectLst>
+              <a:outerShdw dist="25400" dir="2700000" algn="tl" rotWithShape="0">
+                <a:schemeClr val="lt1"/>
+              </a:outerShdw>
+            </a:effectLst>
+          </p:spPr>
+          <p:txBody>
+            <a:bodyPr wrap="square" lIns="91424" tIns="45700" rIns="91424" bIns="45700" anchor="ctr" anchorCtr="0">
+              <a:noAutofit/>
+            </a:bodyPr>
+            <a:lstStyle/>
+            <a:p>
+              <a:pPr marL="0" marR="0" lvl="0" indent="0" algn="ctr" rtl="0">
+                <a:spcBef>
+                  <a:spcPts val="0"/>
+                </a:spcBef>
+                <a:spcAft>
+                  <a:spcPts val="0"/>
+                </a:spcAft>
+                <a:buClr>
+                  <a:schemeClr val="lt1"/>
+                </a:buClr>
+                <a:buSzPct val="25000"/>
+                <a:buFont typeface="맑은 고딕"/>
+                <a:buNone/>
+                <a:defRPr/>
+              </a:pPr>
+              <a:endParaRPr sz="4800" b="0" i="1" u="none" strike="noStrike" cap="none">
+                <a:solidFill>
+                  <a:srgbClr val="33C5FF"/>
+                </a:solidFill>
+                <a:latin typeface="Arial"/>
+                <a:ea typeface="Arial"/>
+                <a:cs typeface="Arial"/>
+                <a:sym typeface="Arial"/>
+              </a:endParaRPr>
+            </a:p>
+          </p:txBody>
+        </p:sp>
+      </p:grpSp>
       <p:sp>
         <p:nvSpPr>
-          <p:cNvPr id="259" name="Google Shape;184;p18"/>
+          <p:cNvPr id="92" name="Google Shape;92;p13"/>
           <p:cNvSpPr txBox="1"/>
           <p:nvPr/>
         </p:nvSpPr>
         <p:spPr>
           <a:xfrm>
-            <a:off x="763195" y="3969179"/>
-            <a:ext cx="6137274" cy="1494345"/>
+            <a:off x="3333570" y="2903764"/>
+            <a:ext cx="5506720" cy="769401"/>
           </a:xfrm>
           <a:prstGeom prst="rect">
             <a:avLst/>
@@ -15179,192 +17499,91 @@
           </a:ln>
         </p:spPr>
         <p:txBody>
-          <a:bodyPr wrap="square" lIns="91424" tIns="91424" rIns="91424" bIns="91424" anchor="t" anchorCtr="0">
+          <a:bodyPr wrap="square" lIns="91424" tIns="45700" rIns="91424" bIns="45700" anchor="t" anchorCtr="0">
             <a:spAutoFit/>
           </a:bodyPr>
           <a:lstStyle/>
           <a:p>
-            <a:pPr marL="0" lvl="0" indent="0" algn="l" rtl="0">
-              <a:lnSpc>
-                <a:spcPct val="100000"/>
-              </a:lnSpc>
-              <a:spcBef>
-                <a:spcPts val="1200"/>
-              </a:spcBef>
-              <a:spcAft>
-                <a:spcPts val="0"/>
-              </a:spcAft>
+            <a:pPr marL="0" marR="0" lvl="0" indent="0" algn="ctr" rtl="0">
+              <a:spcBef>
+                <a:spcPts val="0"/>
+              </a:spcBef>
+              <a:spcAft>
+                <a:spcPts val="0"/>
+              </a:spcAft>
+              <a:buClr>
+                <a:srgbClr val="FF0000"/>
+              </a:buClr>
+              <a:buSzPct val="25000"/>
+              <a:buFont typeface="Arial"/>
               <a:buNone/>
               <a:defRPr/>
             </a:pPr>
             <a:r>
-              <a:rPr lang="en-US" altLang="ko-KR" b="1">
-                <a:solidFill>
-                  <a:schemeClr val="dk1"/>
-                </a:solidFill>
-                <a:latin typeface="맑은 고딕"/>
-                <a:ea typeface="맑은 고딕"/>
-                <a:cs typeface="맑은 고딕"/>
-                <a:sym typeface="맑은 고딕"/>
+              <a:rPr lang="ko-KR" altLang="en-US" sz="4400" b="1" i="1" u="none" strike="noStrike" cap="none" dirty="0">
+                <a:solidFill>
+                  <a:srgbClr val="2E5496"/>
+                </a:solidFill>
+                <a:latin typeface="나눔스퀘어 ExtraBold"/>
+                <a:ea typeface="나눔스퀘어 ExtraBold"/>
               </a:rPr>
-              <a:t>3</a:t>
+              <a:t>시 연</a:t>
             </a:r>
-            <a:r>
-              <a:rPr lang="ko-KR" b="1">
-                <a:solidFill>
-                  <a:schemeClr val="dk1"/>
-                </a:solidFill>
-                <a:latin typeface="맑은 고딕"/>
-                <a:ea typeface="맑은 고딕"/>
-                <a:cs typeface="맑은 고딕"/>
-                <a:sym typeface="맑은 고딕"/>
-              </a:rPr>
-              <a:t>. </a:t>
-            </a:r>
-            <a:r>
-              <a:rPr lang="ko-KR" altLang="en-US" b="1">
-                <a:solidFill>
-                  <a:schemeClr val="dk1"/>
-                </a:solidFill>
-                <a:latin typeface="맑은 고딕"/>
-                <a:ea typeface="맑은 고딕"/>
-                <a:cs typeface="맑은 고딕"/>
-                <a:sym typeface="맑은 고딕"/>
-              </a:rPr>
-              <a:t>회원 조회 화면</a:t>
-            </a:r>
-          </a:p>
-          <a:p>
-            <a:pPr marL="0" lvl="0" indent="0" algn="l" rtl="0">
-              <a:lnSpc>
-                <a:spcPct val="100000"/>
-              </a:lnSpc>
-              <a:spcBef>
-                <a:spcPts val="1200"/>
-              </a:spcBef>
-              <a:spcAft>
-                <a:spcPts val="0"/>
-              </a:spcAft>
-              <a:buNone/>
-              <a:defRPr/>
-            </a:pPr>
-            <a:r>
-              <a:rPr lang="ko-KR" altLang="en-US">
-                <a:solidFill>
-                  <a:schemeClr val="dk1"/>
-                </a:solidFill>
-                <a:latin typeface="맑은 고딕"/>
-                <a:ea typeface="맑은 고딕"/>
-                <a:cs typeface="맑은 고딕"/>
-                <a:sym typeface="맑은 고딕"/>
-              </a:rPr>
-              <a:t>회원 가입을 완료하면 생성된 </a:t>
-            </a:r>
-            <a:r>
-              <a:rPr lang="en-US" altLang="ko-KR">
-                <a:solidFill>
-                  <a:schemeClr val="dk1"/>
-                </a:solidFill>
-                <a:latin typeface="맑은 고딕"/>
-                <a:ea typeface="맑은 고딕"/>
-                <a:cs typeface="맑은 고딕"/>
-                <a:sym typeface="맑은 고딕"/>
-              </a:rPr>
-              <a:t>CustomerInfo</a:t>
-            </a:r>
-            <a:r>
-              <a:rPr lang="ko-KR" altLang="en-US">
-                <a:solidFill>
-                  <a:schemeClr val="dk1"/>
-                </a:solidFill>
-                <a:latin typeface="맑은 고딕"/>
-                <a:ea typeface="맑은 고딕"/>
-                <a:cs typeface="맑은 고딕"/>
-                <a:sym typeface="맑은 고딕"/>
-              </a:rPr>
-              <a:t> 엑셀 파일에 정보가 저장되고</a:t>
-            </a:r>
-          </a:p>
-          <a:p>
-            <a:pPr marL="0" lvl="0" indent="0" algn="l" rtl="0">
-              <a:lnSpc>
-                <a:spcPct val="100000"/>
-              </a:lnSpc>
-              <a:spcBef>
-                <a:spcPts val="1200"/>
-              </a:spcBef>
-              <a:spcAft>
-                <a:spcPts val="0"/>
-              </a:spcAft>
-              <a:buNone/>
-              <a:defRPr/>
-            </a:pPr>
-            <a:r>
-              <a:rPr lang="ko-KR" altLang="en-US">
-                <a:solidFill>
-                  <a:schemeClr val="dk1"/>
-                </a:solidFill>
-                <a:latin typeface="맑은 고딕"/>
-                <a:ea typeface="맑은 고딕"/>
-                <a:cs typeface="맑은 고딕"/>
-                <a:sym typeface="맑은 고딕"/>
-              </a:rPr>
-              <a:t>이 정보를 콘솔 화면으로 불러올 수 있다</a:t>
-            </a:r>
-            <a:r>
-              <a:rPr lang="en-US" altLang="ko-KR">
-                <a:solidFill>
-                  <a:schemeClr val="dk1"/>
-                </a:solidFill>
-                <a:latin typeface="맑은 고딕"/>
-                <a:ea typeface="맑은 고딕"/>
-                <a:cs typeface="맑은 고딕"/>
-                <a:sym typeface="맑은 고딕"/>
-              </a:rPr>
-              <a:t>.</a:t>
-            </a:r>
-          </a:p>
-          <a:p>
-            <a:pPr marL="457200" lvl="0" indent="0" algn="l" rtl="0">
-              <a:lnSpc>
-                <a:spcPct val="100000"/>
-              </a:lnSpc>
-              <a:spcBef>
-                <a:spcPts val="1200"/>
-              </a:spcBef>
-              <a:spcAft>
-                <a:spcPts val="1200"/>
-              </a:spcAft>
-              <a:buNone/>
-              <a:defRPr/>
-            </a:pPr>
-            <a:endParaRPr sz="1400" b="1">
+            <a:endParaRPr sz="4400" b="1" i="1" u="none" strike="noStrike" cap="none" dirty="0">
               <a:solidFill>
-                <a:schemeClr val="dk1"/>
+                <a:srgbClr val="2E5496"/>
               </a:solidFill>
-              <a:latin typeface="맑은 고딕"/>
-              <a:ea typeface="맑은 고딕"/>
-              <a:cs typeface="맑은 고딕"/>
-              <a:sym typeface="맑은 고딕"/>
+              <a:latin typeface="나눔스퀘어 ExtraBold"/>
+              <a:ea typeface="나눔스퀘어 ExtraBold"/>
             </a:endParaRPr>
           </a:p>
         </p:txBody>
       </p:sp>
+      <p:pic>
+        <p:nvPicPr>
+          <p:cNvPr id="93" name="Google Shape;93;p13"/>
+          <p:cNvPicPr/>
+          <p:nvPr/>
+        </p:nvPicPr>
+        <p:blipFill rotWithShape="1">
+          <a:blip r:embed="rId3">
+            <a:alphaModFix/>
+          </a:blip>
+          <a:srcRect/>
+          <a:stretch>
+            <a:fillRect/>
+          </a:stretch>
+        </p:blipFill>
+        <p:spPr>
+          <a:xfrm>
+            <a:off x="9681210" y="5567680"/>
+            <a:ext cx="2625090" cy="1750060"/>
+          </a:xfrm>
+          <a:prstGeom prst="rect">
+            <a:avLst/>
+          </a:prstGeom>
+          <a:noFill/>
+          <a:ln>
+            <a:noFill/>
+          </a:ln>
+        </p:spPr>
+      </p:pic>
     </p:spTree>
+    <p:extLst>
+      <p:ext uri="{BB962C8B-B14F-4D97-AF65-F5344CB8AC3E}">
+        <p14:creationId xmlns:p14="http://schemas.microsoft.com/office/powerpoint/2010/main" val="3041500793"/>
+      </p:ext>
+    </p:extLst>
   </p:cSld>
   <p:clrMapOvr>
     <a:masterClrMapping/>
   </p:clrMapOvr>
   <mc:AlternateContent xmlns:mc="http://schemas.openxmlformats.org/markup-compatibility/2006" xmlns:p14="http://schemas.microsoft.com/office/powerpoint/2010/main">
     <mc:Choice Requires="p14">
-      <p:transition spd="med">
-        <p:push dir="u"/>
-      </p:transition>
+      <p:transition/>
     </mc:Choice>
-    <mc:Fallback xmlns:dsp="http://schemas.microsoft.com/office/drawing/2008/diagram" xmlns:dgm="http://schemas.openxmlformats.org/drawingml/2006/diagram" xmlns:c="http://schemas.openxmlformats.org/drawingml/2006/chart" xmlns="">
-      <p:transition xmlns:mc="http://schemas.openxmlformats.org/markup-compatibility/2006" xmlns:hp="http://schemas.haansoft.com/office/presentation/8.0" mc:Ignorable="hp" hp:hslDur="750">
-        <p:fade/>
-      </p:transition>
+    <mc:Fallback xmlns="" xmlns:c="http://schemas.openxmlformats.org/drawingml/2006/chart" xmlns:dgm="http://schemas.openxmlformats.org/drawingml/2006/diagram" xmlns:dsp="http://schemas.microsoft.com/office/drawing/2008/diagram">
+      <p:transition/>
     </mc:Fallback>
   </mc:AlternateContent>
 </p:sld>
@@ -15525,7 +17744,7 @@
                 <a:defRPr/>
               </a:pPr>
               <a:r>
-                <a:rPr lang="ko-KR" sz="3200" b="1" i="1" u="none" strike="noStrike" cap="none">
+                <a:rPr lang="ko-KR" sz="3200" b="1" i="1" u="none" strike="noStrike" cap="none" dirty="0">
                   <a:solidFill>
                     <a:srgbClr val="2E5496"/>
                   </a:solidFill>
@@ -15534,7 +17753,7 @@
                 </a:rPr>
                 <a:t>목차</a:t>
               </a:r>
-              <a:endParaRPr sz="3200" b="1" i="1" u="none" strike="noStrike" cap="none">
+              <a:endParaRPr sz="3200" b="1" i="1" u="none" strike="noStrike" cap="none" dirty="0">
                 <a:solidFill>
                   <a:srgbClr val="2E5496"/>
                 </a:solidFill>
@@ -15637,8 +17856,8 @@
         </p:nvSpPr>
         <p:spPr>
           <a:xfrm>
-            <a:off x="1310639" y="1735945"/>
-            <a:ext cx="6058535" cy="3386580"/>
+            <a:off x="1053010" y="1199606"/>
+            <a:ext cx="6058535" cy="5139828"/>
           </a:xfrm>
           <a:prstGeom prst="rect">
             <a:avLst/>
@@ -15670,7 +17889,7 @@
               <a:defRPr/>
             </a:pPr>
             <a:r>
-              <a:rPr lang="ko-KR" sz="2700" b="0" i="1" u="none" strike="noStrike" cap="none">
+              <a:rPr lang="ko-KR" sz="3200" b="0" i="1" u="none" strike="noStrike" cap="none" dirty="0">
                 <a:solidFill>
                   <a:srgbClr val="2E5496"/>
                 </a:solidFill>
@@ -15696,7 +17915,7 @@
               <a:buNone/>
               <a:defRPr/>
             </a:pPr>
-            <a:endParaRPr sz="2700" b="0" i="1" u="none" strike="noStrike" cap="none">
+            <a:endParaRPr sz="3200" b="0" i="1" u="none" strike="noStrike" cap="none" dirty="0">
               <a:solidFill>
                 <a:srgbClr val="2E5496"/>
               </a:solidFill>
@@ -15721,7 +17940,7 @@
               <a:defRPr/>
             </a:pPr>
             <a:r>
-              <a:rPr lang="ko-KR" sz="2700" b="0" i="1" u="none" strike="noStrike" cap="none">
+              <a:rPr lang="ko-KR" sz="3200" b="0" i="1" u="none" strike="noStrike" cap="none" dirty="0">
                 <a:solidFill>
                   <a:srgbClr val="2E5496"/>
                 </a:solidFill>
@@ -15747,7 +17966,7 @@
               <a:buNone/>
               <a:defRPr/>
             </a:pPr>
-            <a:endParaRPr sz="2700" b="0" i="1" u="none" strike="noStrike" cap="none">
+            <a:endParaRPr sz="3200" b="0" i="1" u="none" strike="noStrike" cap="none" dirty="0">
               <a:solidFill>
                 <a:srgbClr val="2E5496"/>
               </a:solidFill>
@@ -15772,7 +17991,7 @@
               <a:defRPr/>
             </a:pPr>
             <a:r>
-              <a:rPr lang="ko-KR" sz="2700" b="0" i="1" u="none" strike="noStrike" cap="none">
+              <a:rPr lang="ko-KR" sz="3200" b="0" i="1" u="none" strike="noStrike" cap="none" dirty="0">
                 <a:solidFill>
                   <a:srgbClr val="2E5496"/>
                 </a:solidFill>
@@ -15798,7 +18017,7 @@
               <a:buNone/>
               <a:defRPr/>
             </a:pPr>
-            <a:endParaRPr sz="2700" b="0" i="1" u="none" strike="noStrike" cap="none">
+            <a:endParaRPr sz="3200" b="0" i="1" u="none" strike="noStrike" cap="none" dirty="0">
               <a:solidFill>
                 <a:srgbClr val="2E5496"/>
               </a:solidFill>
@@ -15823,7 +18042,7 @@
               <a:defRPr/>
             </a:pPr>
             <a:r>
-              <a:rPr lang="ko-KR" sz="2700" b="0" i="1" u="none" strike="noStrike" cap="none">
+              <a:rPr lang="ko-KR" sz="3200" b="0" i="1" u="none" strike="noStrike" cap="none" dirty="0">
                 <a:solidFill>
                   <a:srgbClr val="2E5496"/>
                 </a:solidFill>
@@ -15833,7 +18052,7 @@
               <a:t>4. POI 라이브러리 </a:t>
             </a:r>
             <a:r>
-              <a:rPr lang="ko-KR" altLang="en-US" sz="2700" b="0" i="1" u="none" strike="noStrike" cap="none">
+              <a:rPr lang="ko-KR" altLang="en-US" sz="3200" b="0" i="1" u="none" strike="noStrike" cap="none" dirty="0">
                 <a:solidFill>
                   <a:srgbClr val="2E5496"/>
                 </a:solidFill>
@@ -15842,30 +18061,142 @@
               </a:rPr>
               <a:t>예제</a:t>
             </a:r>
-          </a:p>
-          <a:p>
-            <a:pPr marL="0" marR="0" lvl="0" indent="0" algn="l" rtl="0">
-              <a:spcBef>
-                <a:spcPts val="0"/>
-              </a:spcBef>
-              <a:spcAft>
-                <a:spcPts val="0"/>
-              </a:spcAft>
-              <a:buClr>
-                <a:srgbClr val="2E5496"/>
-              </a:buClr>
-              <a:buSzPct val="25000"/>
-              <a:buFont typeface="Arial"/>
-              <a:buNone/>
-              <a:defRPr/>
-            </a:pPr>
-            <a:endParaRPr sz="2700" b="0" i="1" u="none" strike="noStrike" cap="none">
+            <a:endParaRPr lang="en-US" altLang="ko-KR" sz="3200" b="0" i="1" u="none" strike="noStrike" cap="none" dirty="0">
               <a:solidFill>
                 <a:srgbClr val="2E5496"/>
               </a:solidFill>
               <a:latin typeface="나눔스퀘어 ExtraBold"/>
               <a:ea typeface="나눔스퀘어 ExtraBold"/>
             </a:endParaRPr>
+          </a:p>
+          <a:p>
+            <a:pPr>
+              <a:buClr>
+                <a:srgbClr val="2E5496"/>
+              </a:buClr>
+              <a:buSzPct val="25000"/>
+              <a:defRPr/>
+            </a:pPr>
+            <a:r>
+              <a:rPr lang="en-US" altLang="ko-KR" sz="2000" b="0" i="1" u="none" strike="noStrike" cap="none" dirty="0">
+                <a:solidFill>
+                  <a:srgbClr val="2E5496"/>
+                </a:solidFill>
+                <a:latin typeface="나눔스퀘어 ExtraBold" panose="020B0600000101010101" pitchFamily="50" charset="-127"/>
+                <a:ea typeface="나눔스퀘어 ExtraBold" panose="020B0600000101010101" pitchFamily="50" charset="-127"/>
+              </a:rPr>
+              <a:t>      4-1.  </a:t>
+            </a:r>
+            <a:r>
+              <a:rPr lang="en-US" altLang="ko-KR" sz="2000" dirty="0" err="1">
+                <a:solidFill>
+                  <a:srgbClr val="2E5496"/>
+                </a:solidFill>
+                <a:effectLst/>
+                <a:latin typeface="나눔스퀘어 ExtraBold" panose="020B0600000101010101" pitchFamily="50" charset="-127"/>
+                <a:ea typeface="나눔스퀘어 ExtraBold" panose="020B0600000101010101" pitchFamily="50" charset="-127"/>
+              </a:rPr>
+              <a:t>CustomerExcelWriter</a:t>
+            </a:r>
+            <a:endParaRPr lang="en-US" altLang="ko-KR" sz="2000" dirty="0">
+              <a:solidFill>
+                <a:srgbClr val="2E5496"/>
+              </a:solidFill>
+              <a:effectLst/>
+              <a:latin typeface="나눔스퀘어 ExtraBold" panose="020B0600000101010101" pitchFamily="50" charset="-127"/>
+              <a:ea typeface="나눔스퀘어 ExtraBold" panose="020B0600000101010101" pitchFamily="50" charset="-127"/>
+            </a:endParaRPr>
+          </a:p>
+          <a:p>
+            <a:pPr>
+              <a:buClr>
+                <a:srgbClr val="2E5496"/>
+              </a:buClr>
+              <a:buSzPct val="25000"/>
+              <a:defRPr/>
+            </a:pPr>
+            <a:r>
+              <a:rPr lang="en-US" altLang="ko-KR" sz="2000" b="0" i="1" u="none" strike="noStrike" cap="none" dirty="0">
+                <a:solidFill>
+                  <a:srgbClr val="2E5496"/>
+                </a:solidFill>
+                <a:latin typeface="나눔스퀘어 ExtraBold" panose="020B0600000101010101" pitchFamily="50" charset="-127"/>
+                <a:ea typeface="나눔스퀘어 ExtraBold" panose="020B0600000101010101" pitchFamily="50" charset="-127"/>
+              </a:rPr>
+              <a:t>      4-2.  </a:t>
+            </a:r>
+            <a:r>
+              <a:rPr lang="en-US" altLang="ko-KR" sz="2000" dirty="0" err="1">
+                <a:solidFill>
+                  <a:srgbClr val="2E5496"/>
+                </a:solidFill>
+                <a:effectLst/>
+                <a:latin typeface="나눔스퀘어 ExtraBold" panose="020B0600000101010101" pitchFamily="50" charset="-127"/>
+                <a:ea typeface="나눔스퀘어 ExtraBold" panose="020B0600000101010101" pitchFamily="50" charset="-127"/>
+              </a:rPr>
+              <a:t>CustomerExcelReader</a:t>
+            </a:r>
+            <a:endParaRPr lang="en-US" altLang="ko-KR" sz="3200" i="1" dirty="0">
+              <a:solidFill>
+                <a:srgbClr val="2E5496"/>
+              </a:solidFill>
+              <a:effectLst/>
+              <a:latin typeface="나눔스퀘어 ExtraBold"/>
+              <a:ea typeface="나눔스퀘어 ExtraBold"/>
+            </a:endParaRPr>
+          </a:p>
+          <a:p>
+            <a:pPr>
+              <a:buClr>
+                <a:srgbClr val="2E5496"/>
+              </a:buClr>
+              <a:buSzPct val="25000"/>
+              <a:defRPr/>
+            </a:pPr>
+            <a:endParaRPr lang="en-US" altLang="ko-KR" sz="3200" i="1" dirty="0">
+              <a:solidFill>
+                <a:srgbClr val="2E5496"/>
+              </a:solidFill>
+              <a:latin typeface="나눔스퀘어 ExtraBold"/>
+              <a:ea typeface="나눔스퀘어 ExtraBold"/>
+            </a:endParaRPr>
+          </a:p>
+          <a:p>
+            <a:pPr marL="0" marR="0" lvl="0" indent="0" algn="l" rtl="0">
+              <a:spcBef>
+                <a:spcPts val="0"/>
+              </a:spcBef>
+              <a:spcAft>
+                <a:spcPts val="0"/>
+              </a:spcAft>
+              <a:buClr>
+                <a:srgbClr val="2E5496"/>
+              </a:buClr>
+              <a:buSzPct val="25000"/>
+              <a:buFont typeface="Arial"/>
+              <a:buNone/>
+              <a:defRPr/>
+            </a:pPr>
+            <a:r>
+              <a:rPr lang="en-US" altLang="ko-KR" sz="3200" b="0" i="1" u="none" strike="noStrike" cap="none" dirty="0">
+                <a:solidFill>
+                  <a:srgbClr val="2E5496"/>
+                </a:solidFill>
+                <a:latin typeface="나눔스퀘어 ExtraBold"/>
+                <a:ea typeface="나눔스퀘어 ExtraBold"/>
+              </a:rPr>
+              <a:t>5. </a:t>
+            </a:r>
+            <a:r>
+              <a:rPr lang="ko-KR" altLang="en-US" sz="3200" b="0" i="1" u="none" strike="noStrike" cap="none" dirty="0">
+                <a:solidFill>
+                  <a:srgbClr val="2E5496"/>
+                </a:solidFill>
+                <a:latin typeface="나눔스퀘어 ExtraBold"/>
+                <a:ea typeface="나눔스퀘어 ExtraBold"/>
+              </a:rPr>
+              <a:t>시연</a:t>
+            </a:r>
           </a:p>
         </p:txBody>
       </p:sp>
@@ -16108,7 +18439,7 @@
     <mc:Choice Requires="p14">
       <p:transition/>
     </mc:Choice>
-    <mc:Fallback xmlns:dsp="http://schemas.microsoft.com/office/drawing/2008/diagram" xmlns:dgm="http://schemas.openxmlformats.org/drawingml/2006/diagram" xmlns:c="http://schemas.openxmlformats.org/drawingml/2006/chart" xmlns="">
+    <mc:Fallback xmlns="" xmlns:c="http://schemas.openxmlformats.org/drawingml/2006/chart" xmlns:dgm="http://schemas.openxmlformats.org/drawingml/2006/diagram" xmlns:dsp="http://schemas.microsoft.com/office/drawing/2008/diagram">
       <p:transition/>
     </mc:Fallback>
   </mc:AlternateContent>
@@ -17045,7 +19376,7 @@
                 <a:defRPr/>
               </a:pPr>
               <a:r>
-                <a:rPr lang="ko-KR" sz="1700" b="1" i="0" u="none" strike="noStrike" cap="none">
+                <a:rPr lang="ko-KR" sz="1700" b="1" i="0" u="none" strike="noStrike" cap="none" dirty="0">
                   <a:solidFill>
                     <a:srgbClr val="3F3F3F"/>
                   </a:solidFill>
@@ -17056,7 +19387,7 @@
                 </a:rPr>
                 <a:t>김선민</a:t>
               </a:r>
-              <a:endParaRPr lang="ko-KR" sz="1500" b="1" i="0" u="none" strike="noStrike" cap="none">
+              <a:endParaRPr lang="ko-KR" sz="1500" b="1" i="0" u="none" strike="noStrike" cap="none" dirty="0">
                 <a:solidFill>
                   <a:srgbClr val="3F3F3F"/>
                 </a:solidFill>
@@ -17086,7 +19417,7 @@
                 <a:defRPr/>
               </a:pPr>
               <a:r>
-                <a:rPr lang="ko-KR" sz="1100" b="1" i="0" u="none" strike="noStrike" cap="none">
+                <a:rPr lang="ko-KR" sz="1100" b="1" i="0" u="none" strike="noStrike" cap="none" dirty="0">
                   <a:solidFill>
                     <a:srgbClr val="3F3F3F"/>
                   </a:solidFill>
@@ -17097,7 +19428,31 @@
                 </a:rPr>
                 <a:t>PPT 작성</a:t>
               </a:r>
-              <a:endParaRPr lang="ko-KR" sz="1100" b="0" i="0" u="none" strike="noStrike" cap="none">
+              <a:r>
+                <a:rPr lang="en-US" altLang="ko-KR" sz="1100" b="1" i="0" u="none" strike="noStrike" cap="none" dirty="0">
+                  <a:solidFill>
+                    <a:srgbClr val="3F3F3F"/>
+                  </a:solidFill>
+                  <a:latin typeface="맑은 고딕"/>
+                  <a:ea typeface="맑은 고딕"/>
+                  <a:cs typeface="맑은 고딕"/>
+                  <a:sym typeface="맑은 고딕"/>
+                </a:rPr>
+                <a:t> </a:t>
+              </a:r>
+              <a:r>
+                <a:rPr lang="ko-KR" altLang="en-US" sz="1100" b="1" i="0" u="none" strike="noStrike" cap="none" dirty="0">
+                  <a:solidFill>
+                    <a:srgbClr val="3F3F3F"/>
+                  </a:solidFill>
+                  <a:latin typeface="맑은 고딕"/>
+                  <a:ea typeface="맑은 고딕"/>
+                  <a:cs typeface="맑은 고딕"/>
+                  <a:sym typeface="맑은 고딕"/>
+                </a:rPr>
+                <a:t>및 자료조사</a:t>
+              </a:r>
+              <a:endParaRPr lang="ko-KR" sz="1100" b="0" i="0" u="none" strike="noStrike" cap="none" dirty="0">
                 <a:solidFill>
                   <a:srgbClr val="3F3F3F"/>
                 </a:solidFill>
@@ -17126,7 +19481,7 @@
                 <a:buNone/>
                 <a:defRPr/>
               </a:pPr>
-              <a:endParaRPr sz="1100" b="0" i="0" u="none" strike="noStrike" cap="none">
+              <a:endParaRPr sz="1100" b="0" i="0" u="none" strike="noStrike" cap="none" dirty="0">
                 <a:solidFill>
                   <a:srgbClr val="7F7F7F"/>
                 </a:solidFill>
@@ -17664,7 +20019,7 @@
     <mc:Choice Requires="p14">
       <p:transition/>
     </mc:Choice>
-    <mc:Fallback xmlns:dsp="http://schemas.microsoft.com/office/drawing/2008/diagram" xmlns:dgm="http://schemas.openxmlformats.org/drawingml/2006/diagram" xmlns:c="http://schemas.openxmlformats.org/drawingml/2006/chart" xmlns="">
+    <mc:Fallback xmlns="" xmlns:c="http://schemas.openxmlformats.org/drawingml/2006/chart" xmlns:dgm="http://schemas.openxmlformats.org/drawingml/2006/diagram" xmlns:dsp="http://schemas.microsoft.com/office/drawing/2008/diagram">
       <p:transition/>
     </mc:Fallback>
   </mc:AlternateContent>
@@ -18285,7 +20640,25 @@
                 <a:cs typeface="Verdana"/>
                 <a:sym typeface="Verdana"/>
               </a:rPr>
-              <a:t>순수 자바 언어로서 </a:t>
+              <a:t>순수 자바 언어</a:t>
+            </a:r>
+            <a:r>
+              <a:rPr lang="ko-KR" altLang="en-US" sz="1800" dirty="0">
+                <a:latin typeface="나눔스퀘어_ac Bold" panose="020B0600000101010101" pitchFamily="50" charset="-127"/>
+                <a:ea typeface="나눔스퀘어_ac Bold" panose="020B0600000101010101" pitchFamily="50" charset="-127"/>
+                <a:cs typeface="Verdana"/>
+                <a:sym typeface="Verdana"/>
+              </a:rPr>
+              <a:t>를 이용해</a:t>
+            </a:r>
+            <a:r>
+              <a:rPr lang="ko-KR" sz="1800" dirty="0">
+                <a:latin typeface="나눔스퀘어_ac Bold" panose="020B0600000101010101" pitchFamily="50" charset="-127"/>
+                <a:ea typeface="나눔스퀘어_ac Bold" panose="020B0600000101010101" pitchFamily="50" charset="-127"/>
+                <a:cs typeface="Verdana"/>
+                <a:sym typeface="Verdana"/>
+              </a:rPr>
+              <a:t> </a:t>
             </a:r>
             <a:r>
               <a:rPr lang="ko-KR" sz="1800" dirty="0">
@@ -18491,7 +20864,7 @@
     <mc:Choice Requires="p14">
       <p:transition/>
     </mc:Choice>
-    <mc:Fallback xmlns:dsp="http://schemas.microsoft.com/office/drawing/2008/diagram" xmlns:dgm="http://schemas.openxmlformats.org/drawingml/2006/diagram" xmlns:c="http://schemas.openxmlformats.org/drawingml/2006/chart" xmlns="">
+    <mc:Fallback xmlns="" xmlns:c="http://schemas.openxmlformats.org/drawingml/2006/chart" xmlns:dgm="http://schemas.openxmlformats.org/drawingml/2006/diagram" xmlns:dsp="http://schemas.microsoft.com/office/drawing/2008/diagram">
       <p:transition/>
     </mc:Fallback>
   </mc:AlternateContent>
@@ -18637,7 +21010,7 @@
             </a:bodyPr>
             <a:lstStyle/>
             <a:p>
-              <a:pPr marL="0" marR="0" lvl="0" indent="0" algn="ctr" rtl="0">
+              <a:pPr marL="0" marR="0" lvl="0" indent="0" algn="r" rtl="0">
                 <a:spcBef>
                   <a:spcPts val="0"/>
                 </a:spcBef>
@@ -18653,7 +21026,7 @@
                 <a:defRPr/>
               </a:pPr>
               <a:r>
-                <a:rPr lang="ko-KR" sz="3200" b="1" i="1" u="none" strike="noStrike" cap="none">
+                <a:rPr lang="ko-KR" sz="3200" b="1" i="1" u="none" strike="noStrike" cap="none" dirty="0">
                   <a:solidFill>
                     <a:srgbClr val="2E5496"/>
                   </a:solidFill>
@@ -18662,7 +21035,27 @@
                 </a:rPr>
                 <a:t>Apache POI</a:t>
               </a:r>
-              <a:endParaRPr sz="3200" b="1" i="1" u="none" strike="noStrike" cap="none">
+              <a:r>
+                <a:rPr lang="en-US" altLang="ko-KR" sz="3200" b="1" i="1" u="none" strike="noStrike" cap="none" dirty="0">
+                  <a:solidFill>
+                    <a:srgbClr val="2E5496"/>
+                  </a:solidFill>
+                  <a:latin typeface="나눔스퀘어 ExtraBold"/>
+                  <a:ea typeface="나눔스퀘어 ExtraBold"/>
+                </a:rPr>
+                <a:t> </a:t>
+              </a:r>
+              <a:r>
+                <a:rPr lang="ko-KR" altLang="en-US" sz="2400" b="1" i="1" dirty="0">
+                  <a:solidFill>
+                    <a:srgbClr val="2E5496"/>
+                  </a:solidFill>
+                  <a:latin typeface="나눔스퀘어 ExtraBold"/>
+                  <a:ea typeface="나눔스퀘어 ExtraBold"/>
+                </a:rPr>
+                <a:t>컴포넌트</a:t>
+              </a:r>
+              <a:endParaRPr sz="3200" b="1" i="1" u="none" strike="noStrike" cap="none" dirty="0">
                 <a:solidFill>
                   <a:srgbClr val="2E5496"/>
                 </a:solidFill>
@@ -20427,6 +22820,108 @@
           </a:graphicData>
         </a:graphic>
       </p:graphicFrame>
+      <mc:AlternateContent xmlns:mc="http://schemas.openxmlformats.org/markup-compatibility/2006">
+        <mc:Choice xmlns:p14="http://schemas.microsoft.com/office/powerpoint/2010/main" Requires="p14">
+          <p:contentPart p14:bwMode="auto" r:id="rId3">
+            <p14:nvContentPartPr>
+              <p14:cNvPr id="11" name="잉크 10">
+                <a:extLst>
+                  <a:ext uri="{FF2B5EF4-FFF2-40B4-BE49-F238E27FC236}">
+                    <a16:creationId xmlns:a16="http://schemas.microsoft.com/office/drawing/2014/main" id="{1DBEF6E5-6ED9-61DA-05AD-E882A3B7B02E}"/>
+                  </a:ext>
+                </a:extLst>
+              </p14:cNvPr>
+              <p14:cNvContentPartPr/>
+              <p14:nvPr/>
+            </p14:nvContentPartPr>
+            <p14:xfrm>
+              <a:off x="-812870" y="380670"/>
+              <a:ext cx="360" cy="360"/>
+            </p14:xfrm>
+          </p:contentPart>
+        </mc:Choice>
+        <mc:Fallback>
+          <p:pic>
+            <p:nvPicPr>
+              <p:cNvPr id="11" name="잉크 10">
+                <a:extLst>
+                  <a:ext uri="{FF2B5EF4-FFF2-40B4-BE49-F238E27FC236}">
+                    <a16:creationId xmlns:a16="http://schemas.microsoft.com/office/drawing/2014/main" id="{1DBEF6E5-6ED9-61DA-05AD-E882A3B7B02E}"/>
+                  </a:ext>
+                </a:extLst>
+              </p:cNvPr>
+              <p:cNvPicPr/>
+              <p:nvPr/>
+            </p:nvPicPr>
+            <p:blipFill>
+              <a:blip r:embed="rId4"/>
+              <a:stretch>
+                <a:fillRect/>
+              </a:stretch>
+            </p:blipFill>
+            <p:spPr>
+              <a:xfrm>
+                <a:off x="-866870" y="272670"/>
+                <a:ext cx="108000" cy="216000"/>
+              </a:xfrm>
+              <a:prstGeom prst="rect">
+                <a:avLst/>
+              </a:prstGeom>
+            </p:spPr>
+          </p:pic>
+        </mc:Fallback>
+      </mc:AlternateContent>
+      <mc:AlternateContent xmlns:mc="http://schemas.openxmlformats.org/markup-compatibility/2006">
+        <mc:Choice xmlns:p14="http://schemas.microsoft.com/office/powerpoint/2010/main" Requires="p14">
+          <p:contentPart p14:bwMode="auto" r:id="rId5">
+            <p14:nvContentPartPr>
+              <p14:cNvPr id="12" name="잉크 11">
+                <a:extLst>
+                  <a:ext uri="{FF2B5EF4-FFF2-40B4-BE49-F238E27FC236}">
+                    <a16:creationId xmlns:a16="http://schemas.microsoft.com/office/drawing/2014/main" id="{F4E1A5A4-678E-F60B-325A-EDC673CBEB8B}"/>
+                  </a:ext>
+                </a:extLst>
+              </p14:cNvPr>
+              <p14:cNvContentPartPr/>
+              <p14:nvPr/>
+            </p14:nvContentPartPr>
+            <p14:xfrm>
+              <a:off x="12839770" y="476070"/>
+              <a:ext cx="360" cy="360"/>
+            </p14:xfrm>
+          </p:contentPart>
+        </mc:Choice>
+        <mc:Fallback>
+          <p:pic>
+            <p:nvPicPr>
+              <p:cNvPr id="12" name="잉크 11">
+                <a:extLst>
+                  <a:ext uri="{FF2B5EF4-FFF2-40B4-BE49-F238E27FC236}">
+                    <a16:creationId xmlns:a16="http://schemas.microsoft.com/office/drawing/2014/main" id="{F4E1A5A4-678E-F60B-325A-EDC673CBEB8B}"/>
+                  </a:ext>
+                </a:extLst>
+              </p:cNvPr>
+              <p:cNvPicPr/>
+              <p:nvPr/>
+            </p:nvPicPr>
+            <p:blipFill>
+              <a:blip r:embed="rId4"/>
+              <a:stretch>
+                <a:fillRect/>
+              </a:stretch>
+            </p:blipFill>
+            <p:spPr>
+              <a:xfrm>
+                <a:off x="12785770" y="368430"/>
+                <a:ext cx="108000" cy="216000"/>
+              </a:xfrm>
+              <a:prstGeom prst="rect">
+                <a:avLst/>
+              </a:prstGeom>
+            </p:spPr>
+          </p:pic>
+        </mc:Fallback>
+      </mc:AlternateContent>
     </p:spTree>
   </p:cSld>
   <p:clrMapOvr>
@@ -20436,7 +22931,7 @@
     <mc:Choice Requires="p14">
       <p:transition/>
     </mc:Choice>
-    <mc:Fallback xmlns:dsp="http://schemas.microsoft.com/office/drawing/2008/diagram" xmlns:dgm="http://schemas.openxmlformats.org/drawingml/2006/diagram" xmlns:c="http://schemas.openxmlformats.org/drawingml/2006/chart" xmlns="">
+    <mc:Fallback xmlns="" xmlns:c="http://schemas.openxmlformats.org/drawingml/2006/chart" xmlns:dgm="http://schemas.openxmlformats.org/drawingml/2006/diagram" xmlns:dsp="http://schemas.microsoft.com/office/drawing/2008/diagram">
       <p:transition/>
     </mc:Fallback>
   </mc:AlternateContent>
@@ -20446,14 +22941,6 @@
 <file path=ppt/slides/slide6.xml><?xml version="1.0" encoding="utf-8"?>
 <p:sld xmlns:a="http://schemas.openxmlformats.org/drawingml/2006/main" xmlns:r="http://schemas.openxmlformats.org/officeDocument/2006/relationships" xmlns:p="http://schemas.openxmlformats.org/presentationml/2006/main">
   <p:cSld>
-    <p:bg>
-      <p:bgPr>
-        <a:solidFill>
-          <a:srgbClr val="F2F7FA"/>
-        </a:solidFill>
-        <a:effectLst/>
-      </p:bgPr>
-    </p:bg>
     <p:spTree>
       <p:nvGrpSpPr>
         <p:cNvPr id="1" name=""/>
@@ -20537,7 +23024,7 @@
                 <a:buNone/>
                 <a:defRPr/>
               </a:pPr>
-              <a:endParaRPr sz="3200" b="0" i="1" u="none" strike="noStrike" cap="none">
+              <a:endParaRPr sz="3200" b="0" i="1" u="none" strike="noStrike" cap="none" dirty="0">
                 <a:solidFill>
                   <a:srgbClr val="33C5FF"/>
                 </a:solidFill>
@@ -20598,7 +23085,7 @@
                 <a:defRPr/>
               </a:pPr>
               <a:r>
-                <a:rPr lang="ko-KR" sz="3200" b="1" i="1" u="none" strike="noStrike" cap="none">
+                <a:rPr lang="ko-KR" sz="3200" b="1" i="1" u="none" strike="noStrike" cap="none" dirty="0">
                   <a:solidFill>
                     <a:srgbClr val="2E5496"/>
                   </a:solidFill>
@@ -20607,7 +23094,7 @@
                 </a:rPr>
                 <a:t>설치 방법</a:t>
               </a:r>
-              <a:endParaRPr sz="3200" b="1" i="1" u="none" strike="noStrike" cap="none">
+              <a:endParaRPr sz="3200" b="1" i="1" u="none" strike="noStrike" cap="none" dirty="0">
                 <a:solidFill>
                   <a:srgbClr val="2E5496"/>
                 </a:solidFill>
@@ -21239,7 +23726,7 @@
         <p:spPr>
           <a:xfrm>
             <a:off x="390525" y="4685025"/>
-            <a:ext cx="6137274" cy="1121400"/>
+            <a:ext cx="6137274" cy="1169519"/>
           </a:xfrm>
           <a:prstGeom prst="rect">
             <a:avLst/>
@@ -21269,7 +23756,7 @@
               <a:defRPr/>
             </a:pPr>
             <a:r>
-              <a:rPr lang="ko-KR" b="1">
+              <a:rPr lang="ko-KR" sz="1600" b="1" dirty="0">
                 <a:solidFill>
                   <a:schemeClr val="dk1"/>
                 </a:solidFill>
@@ -21296,7 +23783,7 @@
               <a:defRPr/>
             </a:pPr>
             <a:r>
-              <a:rPr lang="ko-KR">
+              <a:rPr lang="ko-KR" dirty="0" err="1">
                 <a:solidFill>
                   <a:schemeClr val="dk1"/>
                 </a:solidFill>
@@ -21305,7 +23792,115 @@
                 <a:cs typeface="맑은 고딕"/>
                 <a:sym typeface="맑은 고딕"/>
               </a:rPr>
-              <a:t>Release Archives – Binary Artifacts – 맨 밑 가장 최신 zip 파일 다운로드</a:t>
+              <a:t>Release</a:t>
+            </a:r>
+            <a:r>
+              <a:rPr lang="ko-KR" dirty="0">
+                <a:solidFill>
+                  <a:schemeClr val="dk1"/>
+                </a:solidFill>
+                <a:latin typeface="맑은 고딕"/>
+                <a:ea typeface="맑은 고딕"/>
+                <a:cs typeface="맑은 고딕"/>
+                <a:sym typeface="맑은 고딕"/>
+              </a:rPr>
+              <a:t> </a:t>
+            </a:r>
+            <a:r>
+              <a:rPr lang="ko-KR" dirty="0" err="1">
+                <a:solidFill>
+                  <a:schemeClr val="dk1"/>
+                </a:solidFill>
+                <a:latin typeface="맑은 고딕"/>
+                <a:ea typeface="맑은 고딕"/>
+                <a:cs typeface="맑은 고딕"/>
+                <a:sym typeface="맑은 고딕"/>
+              </a:rPr>
+              <a:t>Archives</a:t>
+            </a:r>
+            <a:r>
+              <a:rPr lang="ko-KR" dirty="0">
+                <a:solidFill>
+                  <a:schemeClr val="dk1"/>
+                </a:solidFill>
+                <a:latin typeface="맑은 고딕"/>
+                <a:ea typeface="맑은 고딕"/>
+                <a:cs typeface="맑은 고딕"/>
+                <a:sym typeface="맑은 고딕"/>
+              </a:rPr>
+              <a:t> – </a:t>
+            </a:r>
+            <a:r>
+              <a:rPr lang="ko-KR" dirty="0" err="1">
+                <a:solidFill>
+                  <a:schemeClr val="dk1"/>
+                </a:solidFill>
+                <a:latin typeface="맑은 고딕"/>
+                <a:ea typeface="맑은 고딕"/>
+                <a:cs typeface="맑은 고딕"/>
+                <a:sym typeface="맑은 고딕"/>
+              </a:rPr>
+              <a:t>Binary</a:t>
+            </a:r>
+            <a:r>
+              <a:rPr lang="ko-KR" dirty="0">
+                <a:solidFill>
+                  <a:schemeClr val="dk1"/>
+                </a:solidFill>
+                <a:latin typeface="맑은 고딕"/>
+                <a:ea typeface="맑은 고딕"/>
+                <a:cs typeface="맑은 고딕"/>
+                <a:sym typeface="맑은 고딕"/>
+              </a:rPr>
+              <a:t> </a:t>
+            </a:r>
+            <a:r>
+              <a:rPr lang="ko-KR" dirty="0" err="1">
+                <a:solidFill>
+                  <a:schemeClr val="dk1"/>
+                </a:solidFill>
+                <a:latin typeface="맑은 고딕"/>
+                <a:ea typeface="맑은 고딕"/>
+                <a:cs typeface="맑은 고딕"/>
+                <a:sym typeface="맑은 고딕"/>
+              </a:rPr>
+              <a:t>Artifacts</a:t>
+            </a:r>
+            <a:r>
+              <a:rPr lang="ko-KR" dirty="0">
+                <a:solidFill>
+                  <a:schemeClr val="dk1"/>
+                </a:solidFill>
+                <a:latin typeface="맑은 고딕"/>
+                <a:ea typeface="맑은 고딕"/>
+                <a:cs typeface="맑은 고딕"/>
+                <a:sym typeface="맑은 고딕"/>
+              </a:rPr>
+              <a:t> – 맨 밑 가장 최신 </a:t>
+            </a:r>
+            <a:r>
+              <a:rPr lang="ko-KR" dirty="0" err="1">
+                <a:solidFill>
+                  <a:schemeClr val="dk1"/>
+                </a:solidFill>
+                <a:latin typeface="맑은 고딕"/>
+                <a:ea typeface="맑은 고딕"/>
+                <a:cs typeface="맑은 고딕"/>
+                <a:sym typeface="맑은 고딕"/>
+              </a:rPr>
+              <a:t>zip</a:t>
+            </a:r>
+            <a:r>
+              <a:rPr lang="ko-KR" dirty="0">
+                <a:solidFill>
+                  <a:schemeClr val="dk1"/>
+                </a:solidFill>
+                <a:latin typeface="맑은 고딕"/>
+                <a:ea typeface="맑은 고딕"/>
+                <a:cs typeface="맑은 고딕"/>
+                <a:sym typeface="맑은 고딕"/>
+              </a:rPr>
+              <a:t> 파일 다운로드</a:t>
             </a:r>
           </a:p>
           <a:p>
@@ -21322,7 +23917,7 @@
               <a:buNone/>
               <a:defRPr/>
             </a:pPr>
-            <a:endParaRPr sz="1400" b="1">
+            <a:endParaRPr b="1" dirty="0">
               <a:solidFill>
                 <a:schemeClr val="dk1"/>
               </a:solidFill>
@@ -21342,8 +23937,8 @@
         </p:nvSpPr>
         <p:spPr>
           <a:xfrm>
-            <a:off x="7761725" y="5762325"/>
-            <a:ext cx="3012300" cy="577500"/>
+            <a:off x="7761724" y="5762325"/>
+            <a:ext cx="3255525" cy="615521"/>
           </a:xfrm>
           <a:prstGeom prst="rect">
             <a:avLst/>
@@ -21370,14 +23965,34 @@
               <a:defRPr/>
             </a:pPr>
             <a:r>
-              <a:rPr lang="ko-KR" b="1">
+              <a:rPr lang="ko-KR" sz="1600" b="1" dirty="0">
                 <a:solidFill>
                   <a:schemeClr val="dk1"/>
                 </a:solidFill>
                 <a:latin typeface="맑은 고딕"/>
                 <a:ea typeface="맑은 고딕"/>
               </a:rPr>
-              <a:t>2. 원하는 위치에 zip 압축 해제</a:t>
+              <a:t>2. 원하는 위치에 </a:t>
+            </a:r>
+            <a:r>
+              <a:rPr lang="ko-KR" sz="1600" b="1" dirty="0" err="1">
+                <a:solidFill>
+                  <a:schemeClr val="dk1"/>
+                </a:solidFill>
+                <a:latin typeface="맑은 고딕"/>
+                <a:ea typeface="맑은 고딕"/>
+              </a:rPr>
+              <a:t>zip</a:t>
+            </a:r>
+            <a:r>
+              <a:rPr lang="ko-KR" sz="1600" b="1" dirty="0">
+                <a:solidFill>
+                  <a:schemeClr val="dk1"/>
+                </a:solidFill>
+                <a:latin typeface="맑은 고딕"/>
+                <a:ea typeface="맑은 고딕"/>
+              </a:rPr>
+              <a:t> 압축 해제</a:t>
             </a:r>
           </a:p>
           <a:p>
@@ -21391,7 +24006,7 @@
               <a:buNone/>
               <a:defRPr/>
             </a:pPr>
-            <a:endParaRPr sz="1200" b="1">
+            <a:endParaRPr sz="1200" b="1" dirty="0">
               <a:solidFill>
                 <a:schemeClr val="dk1"/>
               </a:solidFill>
@@ -21412,14 +24027,6 @@
 <file path=ppt/slides/slide7.xml><?xml version="1.0" encoding="utf-8"?>
 <p:sld xmlns:a="http://schemas.openxmlformats.org/drawingml/2006/main" xmlns:r="http://schemas.openxmlformats.org/officeDocument/2006/relationships" xmlns:p="http://schemas.openxmlformats.org/presentationml/2006/main">
   <p:cSld>
-    <p:bg>
-      <p:bgPr>
-        <a:solidFill>
-          <a:srgbClr val="F2F7FA"/>
-        </a:solidFill>
-        <a:effectLst/>
-      </p:bgPr>
-    </p:bg>
     <p:spTree>
       <p:nvGrpSpPr>
         <p:cNvPr id="1" name=""/>
@@ -21758,7 +24365,7 @@
         </p:nvCxnSpPr>
         <p:spPr>
           <a:xfrm rot="16200000">
-            <a:off x="4759353" y="4702188"/>
+            <a:off x="4918103" y="4702188"/>
             <a:ext cx="3571200" cy="908700"/>
           </a:xfrm>
           <a:prstGeom prst="curvedConnector2">
@@ -21784,8 +24391,8 @@
         </p:nvSpPr>
         <p:spPr>
           <a:xfrm>
-            <a:off x="473175" y="4211874"/>
-            <a:ext cx="5622825" cy="791275"/>
+            <a:off x="301725" y="4211874"/>
+            <a:ext cx="6283225" cy="809741"/>
           </a:xfrm>
           <a:prstGeom prst="rect">
             <a:avLst/>
@@ -21812,7 +24419,7 @@
               <a:defRPr/>
             </a:pPr>
             <a:r>
-              <a:rPr lang="ko-KR" b="1">
+              <a:rPr lang="ko-KR" sz="1600" b="1" dirty="0">
                 <a:latin typeface="맑은 고딕"/>
                 <a:ea typeface="맑은 고딕"/>
                 <a:cs typeface="맑은 고딕"/>
@@ -21821,7 +24428,7 @@
               <a:t>3. </a:t>
             </a:r>
             <a:r>
-              <a:rPr lang="ko-KR" b="1">
+              <a:rPr lang="ko-KR" sz="1600" b="1" dirty="0">
                 <a:solidFill>
                   <a:schemeClr val="dk1"/>
                 </a:solidFill>
@@ -21830,7 +24437,31 @@
                 <a:cs typeface="맑은 고딕"/>
                 <a:sym typeface="맑은 고딕"/>
               </a:rPr>
-              <a:t>이클립스에서 POI를 사용할 프로젝트 선택하여 라이브러리 추가</a:t>
+              <a:t>이클립스에서 </a:t>
+            </a:r>
+            <a:r>
+              <a:rPr lang="ko-KR" sz="1600" b="1" dirty="0" err="1">
+                <a:solidFill>
+                  <a:schemeClr val="dk1"/>
+                </a:solidFill>
+                <a:latin typeface="맑은 고딕"/>
+                <a:ea typeface="맑은 고딕"/>
+                <a:cs typeface="맑은 고딕"/>
+                <a:sym typeface="맑은 고딕"/>
+              </a:rPr>
+              <a:t>POI를</a:t>
+            </a:r>
+            <a:r>
+              <a:rPr lang="ko-KR" sz="1600" b="1" dirty="0">
+                <a:solidFill>
+                  <a:schemeClr val="dk1"/>
+                </a:solidFill>
+                <a:latin typeface="맑은 고딕"/>
+                <a:ea typeface="맑은 고딕"/>
+                <a:cs typeface="맑은 고딕"/>
+                <a:sym typeface="맑은 고딕"/>
+              </a:rPr>
+              <a:t> 사용할 프로젝트 선택하여 라이브러리 추가</a:t>
             </a:r>
           </a:p>
           <a:p>
@@ -21848,15 +24479,96 @@
               <a:defRPr/>
             </a:pPr>
             <a:r>
-              <a:rPr lang="ko-KR">
+              <a:rPr lang="ko-KR" dirty="0">
                 <a:latin typeface="맑은 고딕"/>
                 <a:ea typeface="맑은 고딕"/>
                 <a:cs typeface="맑은 고딕"/>
                 <a:sym typeface="맑은 고딕"/>
               </a:rPr>
-              <a:t>프로젝트 오른쪽 클릭 – Build Path – Configure Build Path</a:t>
+              <a:t>프로젝트 오른쪽 클릭 – </a:t>
             </a:r>
-            <a:endParaRPr>
+            <a:r>
+              <a:rPr lang="ko-KR" dirty="0" err="1">
+                <a:latin typeface="맑은 고딕"/>
+                <a:ea typeface="맑은 고딕"/>
+                <a:cs typeface="맑은 고딕"/>
+                <a:sym typeface="맑은 고딕"/>
+              </a:rPr>
+              <a:t>Build</a:t>
+            </a:r>
+            <a:r>
+              <a:rPr lang="ko-KR" dirty="0">
+                <a:latin typeface="맑은 고딕"/>
+                <a:ea typeface="맑은 고딕"/>
+                <a:cs typeface="맑은 고딕"/>
+                <a:sym typeface="맑은 고딕"/>
+              </a:rPr>
+              <a:t> </a:t>
+            </a:r>
+            <a:r>
+              <a:rPr lang="ko-KR" dirty="0" err="1">
+                <a:latin typeface="맑은 고딕"/>
+                <a:ea typeface="맑은 고딕"/>
+                <a:cs typeface="맑은 고딕"/>
+                <a:sym typeface="맑은 고딕"/>
+              </a:rPr>
+              <a:t>Path</a:t>
+            </a:r>
+            <a:r>
+              <a:rPr lang="ko-KR" dirty="0">
+                <a:latin typeface="맑은 고딕"/>
+                <a:ea typeface="맑은 고딕"/>
+                <a:cs typeface="맑은 고딕"/>
+                <a:sym typeface="맑은 고딕"/>
+              </a:rPr>
+              <a:t> – </a:t>
+            </a:r>
+            <a:r>
+              <a:rPr lang="ko-KR" dirty="0" err="1">
+                <a:latin typeface="맑은 고딕"/>
+                <a:ea typeface="맑은 고딕"/>
+                <a:cs typeface="맑은 고딕"/>
+                <a:sym typeface="맑은 고딕"/>
+              </a:rPr>
+              <a:t>Configure</a:t>
+            </a:r>
+            <a:r>
+              <a:rPr lang="ko-KR" dirty="0">
+                <a:latin typeface="맑은 고딕"/>
+                <a:ea typeface="맑은 고딕"/>
+                <a:cs typeface="맑은 고딕"/>
+                <a:sym typeface="맑은 고딕"/>
+              </a:rPr>
+              <a:t> </a:t>
+            </a:r>
+            <a:r>
+              <a:rPr lang="ko-KR" dirty="0" err="1">
+                <a:latin typeface="맑은 고딕"/>
+                <a:ea typeface="맑은 고딕"/>
+                <a:cs typeface="맑은 고딕"/>
+                <a:sym typeface="맑은 고딕"/>
+              </a:rPr>
+              <a:t>Build</a:t>
+            </a:r>
+            <a:r>
+              <a:rPr lang="ko-KR" dirty="0">
+                <a:latin typeface="맑은 고딕"/>
+                <a:ea typeface="맑은 고딕"/>
+                <a:cs typeface="맑은 고딕"/>
+                <a:sym typeface="맑은 고딕"/>
+              </a:rPr>
+              <a:t> </a:t>
+            </a:r>
+            <a:r>
+              <a:rPr lang="ko-KR" dirty="0" err="1">
+                <a:latin typeface="맑은 고딕"/>
+                <a:ea typeface="맑은 고딕"/>
+                <a:cs typeface="맑은 고딕"/>
+                <a:sym typeface="맑은 고딕"/>
+              </a:rPr>
+              <a:t>Path</a:t>
+            </a:r>
+            <a:endParaRPr dirty="0">
               <a:latin typeface="맑은 고딕"/>
               <a:ea typeface="맑은 고딕"/>
               <a:cs typeface="맑은 고딕"/>
@@ -21938,7 +24650,7 @@
         <p:push dir="u"/>
       </p:transition>
     </mc:Choice>
-    <mc:Fallback xmlns:dsp="http://schemas.microsoft.com/office/drawing/2008/diagram" xmlns:dgm="http://schemas.openxmlformats.org/drawingml/2006/diagram" xmlns:c="http://schemas.openxmlformats.org/drawingml/2006/chart" xmlns="">
+    <mc:Fallback xmlns="" xmlns:c="http://schemas.openxmlformats.org/drawingml/2006/chart" xmlns:dgm="http://schemas.openxmlformats.org/drawingml/2006/diagram" xmlns:dsp="http://schemas.microsoft.com/office/drawing/2008/diagram">
       <p:transition xmlns:mc="http://schemas.openxmlformats.org/markup-compatibility/2006" xmlns:hp="http://schemas.haansoft.com/office/presentation/8.0" mc:Ignorable="hp" hp:hslDur="750">
         <p:fade/>
       </p:transition>
@@ -22047,7 +24759,7 @@
         </p:nvSpPr>
         <p:spPr>
           <a:xfrm>
-            <a:off x="111760" y="-48895"/>
+            <a:off x="111760" y="-175895"/>
             <a:ext cx="11924700" cy="6957600"/>
           </a:xfrm>
           <a:prstGeom prst="rect">
@@ -22517,7 +25229,7 @@
         <p:spPr>
           <a:xfrm>
             <a:off x="6764364" y="4765050"/>
-            <a:ext cx="4230076" cy="539725"/>
+            <a:ext cx="4230076" cy="566213"/>
           </a:xfrm>
           <a:prstGeom prst="rect">
             <a:avLst/>
@@ -22547,7 +25259,7 @@
               <a:defRPr/>
             </a:pPr>
             <a:r>
-              <a:rPr lang="ko-KR">
+              <a:rPr lang="ko-KR" dirty="0">
                 <a:solidFill>
                   <a:schemeClr val="dk1"/>
                 </a:solidFill>
@@ -22556,7 +25268,55 @@
                 <a:cs typeface="맑은 고딕"/>
                 <a:sym typeface="맑은 고딕"/>
               </a:rPr>
-              <a:t>압축 해제한 POI 폴더에서 .jar 파일 추가</a:t>
+              <a:t>압축 해제한 POI 폴더</a:t>
+            </a:r>
+            <a:r>
+              <a:rPr lang="ko-KR" altLang="en-US" dirty="0">
+                <a:solidFill>
+                  <a:schemeClr val="dk1"/>
+                </a:solidFill>
+                <a:latin typeface="맑은 고딕"/>
+                <a:ea typeface="맑은 고딕"/>
+                <a:cs typeface="맑은 고딕"/>
+                <a:sym typeface="맑은 고딕"/>
+              </a:rPr>
+              <a:t>의</a:t>
+            </a:r>
+            <a:r>
+              <a:rPr lang="ko-KR" dirty="0">
+                <a:solidFill>
+                  <a:schemeClr val="dk1"/>
+                </a:solidFill>
+                <a:latin typeface="맑은 고딕"/>
+                <a:ea typeface="맑은 고딕"/>
+                <a:cs typeface="맑은 고딕"/>
+                <a:sym typeface="맑은 고딕"/>
+              </a:rPr>
+              <a:t> .</a:t>
+            </a:r>
+            <a:r>
+              <a:rPr lang="ko-KR" dirty="0" err="1">
+                <a:solidFill>
+                  <a:schemeClr val="dk1"/>
+                </a:solidFill>
+                <a:latin typeface="맑은 고딕"/>
+                <a:ea typeface="맑은 고딕"/>
+                <a:cs typeface="맑은 고딕"/>
+                <a:sym typeface="맑은 고딕"/>
+              </a:rPr>
+              <a:t>jar</a:t>
+            </a:r>
+            <a:r>
+              <a:rPr lang="ko-KR" dirty="0">
+                <a:solidFill>
+                  <a:schemeClr val="dk1"/>
+                </a:solidFill>
+                <a:latin typeface="맑은 고딕"/>
+                <a:ea typeface="맑은 고딕"/>
+                <a:cs typeface="맑은 고딕"/>
+                <a:sym typeface="맑은 고딕"/>
+              </a:rPr>
+              <a:t> 파일 추가</a:t>
             </a:r>
           </a:p>
           <a:p>
@@ -22574,7 +25334,7 @@
               <a:defRPr/>
             </a:pPr>
             <a:r>
-              <a:rPr lang="ko-KR">
+              <a:rPr lang="ko-KR" dirty="0">
                 <a:solidFill>
                   <a:schemeClr val="dk1"/>
                 </a:solidFill>
@@ -22583,9 +25343,81 @@
                 <a:cs typeface="맑은 고딕"/>
                 <a:sym typeface="맑은 고딕"/>
               </a:rPr>
-              <a:t>(lib, ooxml-lib 폴더 안에 있는 .jar 파일까지)</a:t>
+              <a:t>(</a:t>
             </a:r>
-            <a:endParaRPr>
+            <a:r>
+              <a:rPr lang="ko-KR" dirty="0" err="1">
+                <a:solidFill>
+                  <a:schemeClr val="dk1"/>
+                </a:solidFill>
+                <a:latin typeface="맑은 고딕"/>
+                <a:ea typeface="맑은 고딕"/>
+                <a:cs typeface="맑은 고딕"/>
+                <a:sym typeface="맑은 고딕"/>
+              </a:rPr>
+              <a:t>lib</a:t>
+            </a:r>
+            <a:r>
+              <a:rPr lang="ko-KR" dirty="0">
+                <a:solidFill>
+                  <a:schemeClr val="dk1"/>
+                </a:solidFill>
+                <a:latin typeface="맑은 고딕"/>
+                <a:ea typeface="맑은 고딕"/>
+                <a:cs typeface="맑은 고딕"/>
+                <a:sym typeface="맑은 고딕"/>
+              </a:rPr>
+              <a:t>, </a:t>
+            </a:r>
+            <a:r>
+              <a:rPr lang="ko-KR" dirty="0" err="1">
+                <a:solidFill>
+                  <a:schemeClr val="dk1"/>
+                </a:solidFill>
+                <a:latin typeface="맑은 고딕"/>
+                <a:ea typeface="맑은 고딕"/>
+                <a:cs typeface="맑은 고딕"/>
+                <a:sym typeface="맑은 고딕"/>
+              </a:rPr>
+              <a:t>ooxml-lib</a:t>
+            </a:r>
+            <a:r>
+              <a:rPr lang="ko-KR" dirty="0">
+                <a:solidFill>
+                  <a:schemeClr val="dk1"/>
+                </a:solidFill>
+                <a:latin typeface="맑은 고딕"/>
+                <a:ea typeface="맑은 고딕"/>
+                <a:cs typeface="맑은 고딕"/>
+                <a:sym typeface="맑은 고딕"/>
+              </a:rPr>
+              <a:t> 폴더 안에 있는 .</a:t>
+            </a:r>
+            <a:r>
+              <a:rPr lang="ko-KR" dirty="0" err="1">
+                <a:solidFill>
+                  <a:schemeClr val="dk1"/>
+                </a:solidFill>
+                <a:latin typeface="맑은 고딕"/>
+                <a:ea typeface="맑은 고딕"/>
+                <a:cs typeface="맑은 고딕"/>
+                <a:sym typeface="맑은 고딕"/>
+              </a:rPr>
+              <a:t>jar</a:t>
+            </a:r>
+            <a:r>
+              <a:rPr lang="ko-KR" dirty="0">
+                <a:solidFill>
+                  <a:schemeClr val="dk1"/>
+                </a:solidFill>
+                <a:latin typeface="맑은 고딕"/>
+                <a:ea typeface="맑은 고딕"/>
+                <a:cs typeface="맑은 고딕"/>
+                <a:sym typeface="맑은 고딕"/>
+              </a:rPr>
+              <a:t> 파일까지)</a:t>
+            </a:r>
+            <a:endParaRPr dirty="0">
               <a:solidFill>
                 <a:schemeClr val="dk1"/>
               </a:solidFill>
@@ -22608,7 +25440,7 @@
         <p:push dir="u"/>
       </p:transition>
     </mc:Choice>
-    <mc:Fallback xmlns:dsp="http://schemas.microsoft.com/office/drawing/2008/diagram" xmlns:dgm="http://schemas.openxmlformats.org/drawingml/2006/diagram" xmlns:c="http://schemas.openxmlformats.org/drawingml/2006/chart" xmlns="">
+    <mc:Fallback xmlns="" xmlns:c="http://schemas.openxmlformats.org/drawingml/2006/chart" xmlns:dgm="http://schemas.openxmlformats.org/drawingml/2006/diagram" xmlns:dsp="http://schemas.microsoft.com/office/drawing/2008/diagram">
       <p:transition xmlns:mc="http://schemas.openxmlformats.org/markup-compatibility/2006" xmlns:hp="http://schemas.haansoft.com/office/presentation/8.0" mc:Ignorable="hp" hp:hslDur="750">
         <p:fade/>
       </p:transition>
@@ -23005,7 +25837,7 @@
         <p:push dir="u"/>
       </p:transition>
     </mc:Choice>
-    <mc:Fallback xmlns:dsp="http://schemas.microsoft.com/office/drawing/2008/diagram" xmlns:dgm="http://schemas.openxmlformats.org/drawingml/2006/diagram" xmlns:c="http://schemas.openxmlformats.org/drawingml/2006/chart" xmlns="">
+    <mc:Fallback xmlns="" xmlns:c="http://schemas.openxmlformats.org/drawingml/2006/chart" xmlns:dgm="http://schemas.openxmlformats.org/drawingml/2006/diagram" xmlns:dsp="http://schemas.microsoft.com/office/drawing/2008/diagram">
       <p:transition xmlns:mc="http://schemas.openxmlformats.org/markup-compatibility/2006" xmlns:hp="http://schemas.haansoft.com/office/presentation/8.0" mc:Ignorable="hp" hp:hslDur="750">
         <p:fade/>
       </p:transition>
